--- a/98_plan/00_pptx/05_pikunin.pptx
+++ b/98_plan/00_pptx/05_pikunin.pptx
@@ -105,6 +105,11 @@
       </a:defRPr>
     </a:lvl9pPr>
   </p:defaultTextStyle>
+  <p:extLst>
+    <p:ext uri="{EFAFB233-063F-42B5-8137-9DF3F51BA10A}">
+      <p15:sldGuideLst xmlns:p15="http://schemas.microsoft.com/office/powerpoint/2012/main"/>
+    </p:ext>
+  </p:extLst>
 </p:presentation>
 </file>
 
@@ -148,7 +153,7 @@
           <a:p>
             <a:fld id="{DD1046DA-6FA1-4C1D-833D-57B7185E150C}" type="datetimeFigureOut">
               <a:rPr kumimoji="1" lang="ja-JP" altLang="en-US" smtClean="0"/>
-              <a:t>2024/4/22</a:t>
+              <a:t>2024/4/23</a:t>
             </a:fld>
             <a:endParaRPr kumimoji="1" lang="ja-JP" altLang="en-US"/>
           </a:p>
@@ -467,7 +472,7 @@
           <a:p>
             <a:fld id="{DD1046DA-6FA1-4C1D-833D-57B7185E150C}" type="datetimeFigureOut">
               <a:rPr kumimoji="1" lang="ja-JP" altLang="en-US" smtClean="0"/>
-              <a:t>2024/4/22</a:t>
+              <a:t>2024/4/23</a:t>
             </a:fld>
             <a:endParaRPr kumimoji="1" lang="ja-JP" altLang="en-US"/>
           </a:p>
@@ -707,7 +712,7 @@
           <a:p>
             <a:fld id="{DD1046DA-6FA1-4C1D-833D-57B7185E150C}" type="datetimeFigureOut">
               <a:rPr kumimoji="1" lang="ja-JP" altLang="en-US" smtClean="0"/>
-              <a:t>2024/4/22</a:t>
+              <a:t>2024/4/23</a:t>
             </a:fld>
             <a:endParaRPr kumimoji="1" lang="ja-JP" altLang="en-US"/>
           </a:p>
@@ -937,7 +942,7 @@
           <a:p>
             <a:fld id="{DD1046DA-6FA1-4C1D-833D-57B7185E150C}" type="datetimeFigureOut">
               <a:rPr kumimoji="1" lang="ja-JP" altLang="en-US" smtClean="0"/>
-              <a:t>2024/4/22</a:t>
+              <a:t>2024/4/23</a:t>
             </a:fld>
             <a:endParaRPr kumimoji="1" lang="ja-JP" altLang="en-US"/>
           </a:p>
@@ -1212,7 +1217,7 @@
           <a:p>
             <a:fld id="{DD1046DA-6FA1-4C1D-833D-57B7185E150C}" type="datetimeFigureOut">
               <a:rPr kumimoji="1" lang="ja-JP" altLang="en-US" smtClean="0"/>
-              <a:t>2024/4/22</a:t>
+              <a:t>2024/4/23</a:t>
             </a:fld>
             <a:endParaRPr kumimoji="1" lang="ja-JP" altLang="en-US"/>
           </a:p>
@@ -1541,7 +1546,7 @@
           <a:p>
             <a:fld id="{DD1046DA-6FA1-4C1D-833D-57B7185E150C}" type="datetimeFigureOut">
               <a:rPr kumimoji="1" lang="ja-JP" altLang="en-US" smtClean="0"/>
-              <a:t>2024/4/22</a:t>
+              <a:t>2024/4/23</a:t>
             </a:fld>
             <a:endParaRPr kumimoji="1" lang="ja-JP" altLang="en-US"/>
           </a:p>
@@ -2017,7 +2022,7 @@
           <a:p>
             <a:fld id="{DD1046DA-6FA1-4C1D-833D-57B7185E150C}" type="datetimeFigureOut">
               <a:rPr kumimoji="1" lang="ja-JP" altLang="en-US" smtClean="0"/>
-              <a:t>2024/4/22</a:t>
+              <a:t>2024/4/23</a:t>
             </a:fld>
             <a:endParaRPr kumimoji="1" lang="ja-JP" altLang="en-US"/>
           </a:p>
@@ -2158,7 +2163,7 @@
           <a:p>
             <a:fld id="{DD1046DA-6FA1-4C1D-833D-57B7185E150C}" type="datetimeFigureOut">
               <a:rPr kumimoji="1" lang="ja-JP" altLang="en-US" smtClean="0"/>
-              <a:t>2024/4/22</a:t>
+              <a:t>2024/4/23</a:t>
             </a:fld>
             <a:endParaRPr kumimoji="1" lang="ja-JP" altLang="en-US"/>
           </a:p>
@@ -2271,7 +2276,7 @@
           <a:p>
             <a:fld id="{DD1046DA-6FA1-4C1D-833D-57B7185E150C}" type="datetimeFigureOut">
               <a:rPr kumimoji="1" lang="ja-JP" altLang="en-US" smtClean="0"/>
-              <a:t>2024/4/22</a:t>
+              <a:t>2024/4/23</a:t>
             </a:fld>
             <a:endParaRPr kumimoji="1" lang="ja-JP" altLang="en-US"/>
           </a:p>
@@ -2614,7 +2619,7 @@
           <a:p>
             <a:fld id="{DD1046DA-6FA1-4C1D-833D-57B7185E150C}" type="datetimeFigureOut">
               <a:rPr kumimoji="1" lang="ja-JP" altLang="en-US" smtClean="0"/>
-              <a:t>2024/4/22</a:t>
+              <a:t>2024/4/23</a:t>
             </a:fld>
             <a:endParaRPr kumimoji="1" lang="ja-JP" altLang="en-US"/>
           </a:p>
@@ -2902,7 +2907,7 @@
           <a:p>
             <a:fld id="{DD1046DA-6FA1-4C1D-833D-57B7185E150C}" type="datetimeFigureOut">
               <a:rPr kumimoji="1" lang="ja-JP" altLang="en-US" smtClean="0"/>
-              <a:t>2024/4/22</a:t>
+              <a:t>2024/4/23</a:t>
             </a:fld>
             <a:endParaRPr kumimoji="1" lang="ja-JP" altLang="en-US"/>
           </a:p>
@@ -3175,7 +3180,7 @@
           <a:p>
             <a:fld id="{DD1046DA-6FA1-4C1D-833D-57B7185E150C}" type="datetimeFigureOut">
               <a:rPr kumimoji="1" lang="ja-JP" altLang="en-US" smtClean="0"/>
-              <a:t>2024/4/22</a:t>
+              <a:t>2024/4/23</a:t>
             </a:fld>
             <a:endParaRPr kumimoji="1" lang="ja-JP" altLang="en-US"/>
           </a:p>
@@ -3621,7 +3626,11 @@
           <a:lstStyle/>
           <a:p>
             <a:r>
-              <a:rPr kumimoji="1" lang="ja-JP" altLang="en-US" sz="4000" dirty="0"/>
+              <a:rPr kumimoji="1" lang="ja-JP" altLang="en-US" sz="4000" dirty="0">
+                <a:solidFill>
+                  <a:schemeClr val="bg1"/>
+                </a:solidFill>
+              </a:rPr>
               <a:t>ぴく忍</a:t>
             </a:r>
           </a:p>
@@ -3656,10 +3665,18 @@
           <a:lstStyle/>
           <a:p>
             <a:r>
-              <a:rPr lang="ja-JP" altLang="en-US" dirty="0"/>
+              <a:rPr lang="ja-JP" altLang="en-US" dirty="0">
+                <a:solidFill>
+                  <a:schemeClr val="bg1"/>
+                </a:solidFill>
+              </a:rPr>
               <a:t>分身で高所に登る</a:t>
             </a:r>
-            <a:endParaRPr kumimoji="1" lang="ja-JP" altLang="en-US" dirty="0"/>
+            <a:endParaRPr kumimoji="1" lang="ja-JP" altLang="en-US" dirty="0">
+              <a:solidFill>
+                <a:schemeClr val="bg1"/>
+              </a:solidFill>
+            </a:endParaRPr>
           </a:p>
         </p:txBody>
       </p:sp>
@@ -3692,10 +3709,18 @@
           <a:lstStyle/>
           <a:p>
             <a:r>
-              <a:rPr lang="ja-JP" altLang="en-US" dirty="0"/>
+              <a:rPr lang="ja-JP" altLang="en-US" dirty="0">
+                <a:solidFill>
+                  <a:schemeClr val="bg1"/>
+                </a:solidFill>
+              </a:rPr>
               <a:t>回数制限あり</a:t>
             </a:r>
-            <a:endParaRPr kumimoji="1" lang="ja-JP" altLang="en-US" dirty="0"/>
+            <a:endParaRPr kumimoji="1" lang="ja-JP" altLang="en-US" dirty="0">
+              <a:solidFill>
+                <a:schemeClr val="bg1"/>
+              </a:solidFill>
+            </a:endParaRPr>
           </a:p>
         </p:txBody>
       </p:sp>
@@ -3728,10 +3753,18 @@
           <a:lstStyle/>
           <a:p>
             <a:r>
-              <a:rPr lang="ja-JP" altLang="en-US" dirty="0"/>
+              <a:rPr lang="ja-JP" altLang="en-US" dirty="0">
+                <a:solidFill>
+                  <a:schemeClr val="bg1"/>
+                </a:solidFill>
+              </a:rPr>
               <a:t>使い方は無限大！</a:t>
             </a:r>
-            <a:endParaRPr kumimoji="1" lang="ja-JP" altLang="en-US" dirty="0"/>
+            <a:endParaRPr kumimoji="1" lang="ja-JP" altLang="en-US" dirty="0">
+              <a:solidFill>
+                <a:schemeClr val="bg1"/>
+              </a:solidFill>
+            </a:endParaRPr>
           </a:p>
         </p:txBody>
       </p:sp>
@@ -3764,10 +3797,18 @@
           <a:lstStyle/>
           <a:p>
             <a:r>
-              <a:rPr lang="ja-JP" altLang="en-US" dirty="0"/>
+              <a:rPr lang="ja-JP" altLang="en-US" dirty="0">
+                <a:solidFill>
+                  <a:schemeClr val="bg1"/>
+                </a:solidFill>
+              </a:rPr>
               <a:t>敵引きつけの身代わり</a:t>
             </a:r>
-            <a:endParaRPr kumimoji="1" lang="ja-JP" altLang="en-US" dirty="0"/>
+            <a:endParaRPr kumimoji="1" lang="ja-JP" altLang="en-US" dirty="0">
+              <a:solidFill>
+                <a:schemeClr val="bg1"/>
+              </a:solidFill>
+            </a:endParaRPr>
           </a:p>
         </p:txBody>
       </p:sp>
@@ -3800,7 +3841,11 @@
           <a:lstStyle/>
           <a:p>
             <a:r>
-              <a:rPr kumimoji="1" lang="ja-JP" altLang="en-US" dirty="0"/>
+              <a:rPr kumimoji="1" lang="ja-JP" altLang="en-US" dirty="0">
+                <a:solidFill>
+                  <a:schemeClr val="bg1"/>
+                </a:solidFill>
+              </a:rPr>
               <a:t>ゴールに向かうゲーム</a:t>
             </a:r>
           </a:p>
@@ -3835,10 +3880,18 @@
           <a:lstStyle/>
           <a:p>
             <a:r>
-              <a:rPr lang="ja-JP" altLang="en-US" dirty="0"/>
+              <a:rPr lang="ja-JP" altLang="en-US" dirty="0">
+                <a:solidFill>
+                  <a:schemeClr val="bg1"/>
+                </a:solidFill>
+              </a:rPr>
               <a:t>舞台は城</a:t>
             </a:r>
-            <a:endParaRPr kumimoji="1" lang="ja-JP" altLang="en-US" dirty="0"/>
+            <a:endParaRPr kumimoji="1" lang="ja-JP" altLang="en-US" dirty="0">
+              <a:solidFill>
+                <a:schemeClr val="bg1"/>
+              </a:solidFill>
+            </a:endParaRPr>
           </a:p>
         </p:txBody>
       </p:sp>

--- a/98_plan/00_pptx/05_pikunin.pptx
+++ b/98_plan/00_pptx/05_pikunin.pptx
@@ -4,9 +4,12 @@
   <p:sldMasterIdLst>
     <p:sldMasterId id="2147483648" r:id="rId1"/>
   </p:sldMasterIdLst>
+  <p:notesMasterIdLst>
+    <p:notesMasterId r:id="rId4"/>
+  </p:notesMasterIdLst>
   <p:sldIdLst>
-    <p:sldId id="256" r:id="rId2"/>
-    <p:sldId id="257" r:id="rId3"/>
+    <p:sldId id="257" r:id="rId2"/>
+    <p:sldId id="256" r:id="rId3"/>
   </p:sldIdLst>
   <p:sldSz cx="12192000" cy="6858000"/>
   <p:notesSz cx="6858000" cy="9144000"/>
@@ -111,6 +114,471 @@
     </p:ext>
   </p:extLst>
 </p:presentation>
+</file>
+
+<file path=ppt/notesMasters/notesMaster1.xml><?xml version="1.0" encoding="utf-8"?>
+<p:notesMaster xmlns:a="http://schemas.openxmlformats.org/drawingml/2006/main" xmlns:r="http://schemas.openxmlformats.org/officeDocument/2006/relationships" xmlns:p="http://schemas.openxmlformats.org/presentationml/2006/main">
+  <p:cSld>
+    <p:bg>
+      <p:bgRef idx="1001">
+        <a:schemeClr val="bg1"/>
+      </p:bgRef>
+    </p:bg>
+    <p:spTree>
+      <p:nvGrpSpPr>
+        <p:cNvPr id="1" name=""/>
+        <p:cNvGrpSpPr/>
+        <p:nvPr/>
+      </p:nvGrpSpPr>
+      <p:grpSpPr>
+        <a:xfrm>
+          <a:off x="0" y="0"/>
+          <a:ext cx="0" cy="0"/>
+          <a:chOff x="0" y="0"/>
+          <a:chExt cx="0" cy="0"/>
+        </a:xfrm>
+      </p:grpSpPr>
+      <p:sp>
+        <p:nvSpPr>
+          <p:cNvPr id="2" name="ヘッダー プレースホルダー 1"/>
+          <p:cNvSpPr>
+            <a:spLocks noGrp="1"/>
+          </p:cNvSpPr>
+          <p:nvPr>
+            <p:ph type="hdr" sz="quarter"/>
+          </p:nvPr>
+        </p:nvSpPr>
+        <p:spPr>
+          <a:xfrm>
+            <a:off x="0" y="0"/>
+            <a:ext cx="2971800" cy="458788"/>
+          </a:xfrm>
+          <a:prstGeom prst="rect">
+            <a:avLst/>
+          </a:prstGeom>
+        </p:spPr>
+        <p:txBody>
+          <a:bodyPr vert="horz" lIns="91440" tIns="45720" rIns="91440" bIns="45720" rtlCol="0"/>
+          <a:lstStyle>
+            <a:lvl1pPr algn="l">
+              <a:defRPr sz="1200"/>
+            </a:lvl1pPr>
+          </a:lstStyle>
+          <a:p>
+            <a:endParaRPr kumimoji="1" lang="ja-JP" altLang="en-US"/>
+          </a:p>
+        </p:txBody>
+      </p:sp>
+      <p:sp>
+        <p:nvSpPr>
+          <p:cNvPr id="3" name="日付プレースホルダー 2"/>
+          <p:cNvSpPr>
+            <a:spLocks noGrp="1"/>
+          </p:cNvSpPr>
+          <p:nvPr>
+            <p:ph type="dt" idx="1"/>
+          </p:nvPr>
+        </p:nvSpPr>
+        <p:spPr>
+          <a:xfrm>
+            <a:off x="3884613" y="0"/>
+            <a:ext cx="2971800" cy="458788"/>
+          </a:xfrm>
+          <a:prstGeom prst="rect">
+            <a:avLst/>
+          </a:prstGeom>
+        </p:spPr>
+        <p:txBody>
+          <a:bodyPr vert="horz" lIns="91440" tIns="45720" rIns="91440" bIns="45720" rtlCol="0"/>
+          <a:lstStyle>
+            <a:lvl1pPr algn="r">
+              <a:defRPr sz="1200"/>
+            </a:lvl1pPr>
+          </a:lstStyle>
+          <a:p>
+            <a:fld id="{DA841666-39F0-4B11-B248-7C5B9C6F4648}" type="datetimeFigureOut">
+              <a:rPr kumimoji="1" lang="ja-JP" altLang="en-US" smtClean="0"/>
+              <a:t>2024/4/23</a:t>
+            </a:fld>
+            <a:endParaRPr kumimoji="1" lang="ja-JP" altLang="en-US"/>
+          </a:p>
+        </p:txBody>
+      </p:sp>
+      <p:sp>
+        <p:nvSpPr>
+          <p:cNvPr id="4" name="スライド イメージ プレースホルダー 3"/>
+          <p:cNvSpPr>
+            <a:spLocks noGrp="1" noRot="1" noChangeAspect="1"/>
+          </p:cNvSpPr>
+          <p:nvPr>
+            <p:ph type="sldImg" idx="2"/>
+          </p:nvPr>
+        </p:nvSpPr>
+        <p:spPr>
+          <a:xfrm>
+            <a:off x="685800" y="1143000"/>
+            <a:ext cx="5486400" cy="3086100"/>
+          </a:xfrm>
+          <a:prstGeom prst="rect">
+            <a:avLst/>
+          </a:prstGeom>
+          <a:noFill/>
+          <a:ln w="12700">
+            <a:solidFill>
+              <a:prstClr val="black"/>
+            </a:solidFill>
+          </a:ln>
+        </p:spPr>
+        <p:txBody>
+          <a:bodyPr vert="horz" lIns="91440" tIns="45720" rIns="91440" bIns="45720" rtlCol="0" anchor="ctr"/>
+          <a:lstStyle/>
+          <a:p>
+            <a:endParaRPr lang="ja-JP" altLang="en-US"/>
+          </a:p>
+        </p:txBody>
+      </p:sp>
+      <p:sp>
+        <p:nvSpPr>
+          <p:cNvPr id="5" name="ノート プレースホルダー 4"/>
+          <p:cNvSpPr>
+            <a:spLocks noGrp="1"/>
+          </p:cNvSpPr>
+          <p:nvPr>
+            <p:ph type="body" sz="quarter" idx="3"/>
+          </p:nvPr>
+        </p:nvSpPr>
+        <p:spPr>
+          <a:xfrm>
+            <a:off x="685800" y="4400550"/>
+            <a:ext cx="5486400" cy="3600450"/>
+          </a:xfrm>
+          <a:prstGeom prst="rect">
+            <a:avLst/>
+          </a:prstGeom>
+        </p:spPr>
+        <p:txBody>
+          <a:bodyPr vert="horz" lIns="91440" tIns="45720" rIns="91440" bIns="45720" rtlCol="0"/>
+          <a:lstStyle/>
+          <a:p>
+            <a:pPr lvl="0"/>
+            <a:r>
+              <a:rPr kumimoji="1" lang="ja-JP" altLang="en-US"/>
+              <a:t>マスター テキストの書式設定</a:t>
+            </a:r>
+          </a:p>
+          <a:p>
+            <a:pPr lvl="1"/>
+            <a:r>
+              <a:rPr kumimoji="1" lang="ja-JP" altLang="en-US"/>
+              <a:t>第 </a:t>
+            </a:r>
+            <a:r>
+              <a:rPr kumimoji="1" lang="en-US" altLang="ja-JP"/>
+              <a:t>2 </a:t>
+            </a:r>
+            <a:r>
+              <a:rPr kumimoji="1" lang="ja-JP" altLang="en-US"/>
+              <a:t>レベル</a:t>
+            </a:r>
+          </a:p>
+          <a:p>
+            <a:pPr lvl="2"/>
+            <a:r>
+              <a:rPr kumimoji="1" lang="ja-JP" altLang="en-US"/>
+              <a:t>第 </a:t>
+            </a:r>
+            <a:r>
+              <a:rPr kumimoji="1" lang="en-US" altLang="ja-JP"/>
+              <a:t>3 </a:t>
+            </a:r>
+            <a:r>
+              <a:rPr kumimoji="1" lang="ja-JP" altLang="en-US"/>
+              <a:t>レベル</a:t>
+            </a:r>
+          </a:p>
+          <a:p>
+            <a:pPr lvl="3"/>
+            <a:r>
+              <a:rPr kumimoji="1" lang="ja-JP" altLang="en-US"/>
+              <a:t>第 </a:t>
+            </a:r>
+            <a:r>
+              <a:rPr kumimoji="1" lang="en-US" altLang="ja-JP"/>
+              <a:t>4 </a:t>
+            </a:r>
+            <a:r>
+              <a:rPr kumimoji="1" lang="ja-JP" altLang="en-US"/>
+              <a:t>レベル</a:t>
+            </a:r>
+          </a:p>
+          <a:p>
+            <a:pPr lvl="4"/>
+            <a:r>
+              <a:rPr kumimoji="1" lang="ja-JP" altLang="en-US"/>
+              <a:t>第 </a:t>
+            </a:r>
+            <a:r>
+              <a:rPr kumimoji="1" lang="en-US" altLang="ja-JP"/>
+              <a:t>5 </a:t>
+            </a:r>
+            <a:r>
+              <a:rPr kumimoji="1" lang="ja-JP" altLang="en-US"/>
+              <a:t>レベル</a:t>
+            </a:r>
+          </a:p>
+        </p:txBody>
+      </p:sp>
+      <p:sp>
+        <p:nvSpPr>
+          <p:cNvPr id="6" name="フッター プレースホルダー 5"/>
+          <p:cNvSpPr>
+            <a:spLocks noGrp="1"/>
+          </p:cNvSpPr>
+          <p:nvPr>
+            <p:ph type="ftr" sz="quarter" idx="4"/>
+          </p:nvPr>
+        </p:nvSpPr>
+        <p:spPr>
+          <a:xfrm>
+            <a:off x="0" y="8685213"/>
+            <a:ext cx="2971800" cy="458787"/>
+          </a:xfrm>
+          <a:prstGeom prst="rect">
+            <a:avLst/>
+          </a:prstGeom>
+        </p:spPr>
+        <p:txBody>
+          <a:bodyPr vert="horz" lIns="91440" tIns="45720" rIns="91440" bIns="45720" rtlCol="0" anchor="b"/>
+          <a:lstStyle>
+            <a:lvl1pPr algn="l">
+              <a:defRPr sz="1200"/>
+            </a:lvl1pPr>
+          </a:lstStyle>
+          <a:p>
+            <a:endParaRPr kumimoji="1" lang="ja-JP" altLang="en-US"/>
+          </a:p>
+        </p:txBody>
+      </p:sp>
+      <p:sp>
+        <p:nvSpPr>
+          <p:cNvPr id="7" name="スライド番号プレースホルダー 6"/>
+          <p:cNvSpPr>
+            <a:spLocks noGrp="1"/>
+          </p:cNvSpPr>
+          <p:nvPr>
+            <p:ph type="sldNum" sz="quarter" idx="5"/>
+          </p:nvPr>
+        </p:nvSpPr>
+        <p:spPr>
+          <a:xfrm>
+            <a:off x="3884613" y="8685213"/>
+            <a:ext cx="2971800" cy="458787"/>
+          </a:xfrm>
+          <a:prstGeom prst="rect">
+            <a:avLst/>
+          </a:prstGeom>
+        </p:spPr>
+        <p:txBody>
+          <a:bodyPr vert="horz" lIns="91440" tIns="45720" rIns="91440" bIns="45720" rtlCol="0" anchor="b"/>
+          <a:lstStyle>
+            <a:lvl1pPr algn="r">
+              <a:defRPr sz="1200"/>
+            </a:lvl1pPr>
+          </a:lstStyle>
+          <a:p>
+            <a:fld id="{7CF22CC8-8081-4D6F-913F-149B27805C57}" type="slidenum">
+              <a:rPr kumimoji="1" lang="ja-JP" altLang="en-US" smtClean="0"/>
+              <a:t>‹#›</a:t>
+            </a:fld>
+            <a:endParaRPr kumimoji="1" lang="ja-JP" altLang="en-US"/>
+          </a:p>
+        </p:txBody>
+      </p:sp>
+    </p:spTree>
+    <p:extLst>
+      <p:ext uri="{BB962C8B-B14F-4D97-AF65-F5344CB8AC3E}">
+        <p14:creationId xmlns:p14="http://schemas.microsoft.com/office/powerpoint/2010/main" val="700704055"/>
+      </p:ext>
+    </p:extLst>
+  </p:cSld>
+  <p:clrMap bg1="lt1" tx1="dk1" bg2="lt2" tx2="dk2" accent1="accent1" accent2="accent2" accent3="accent3" accent4="accent4" accent5="accent5" accent6="accent6" hlink="hlink" folHlink="folHlink"/>
+  <p:notesStyle>
+    <a:lvl1pPr marL="0" algn="l" defTabSz="914400" rtl="0" eaLnBrk="1" latinLnBrk="0" hangingPunct="1">
+      <a:defRPr kumimoji="1" sz="1200" kern="1200">
+        <a:solidFill>
+          <a:schemeClr val="tx1"/>
+        </a:solidFill>
+        <a:latin typeface="+mn-lt"/>
+        <a:ea typeface="+mn-ea"/>
+        <a:cs typeface="+mn-cs"/>
+      </a:defRPr>
+    </a:lvl1pPr>
+    <a:lvl2pPr marL="457200" algn="l" defTabSz="914400" rtl="0" eaLnBrk="1" latinLnBrk="0" hangingPunct="1">
+      <a:defRPr kumimoji="1" sz="1200" kern="1200">
+        <a:solidFill>
+          <a:schemeClr val="tx1"/>
+        </a:solidFill>
+        <a:latin typeface="+mn-lt"/>
+        <a:ea typeface="+mn-ea"/>
+        <a:cs typeface="+mn-cs"/>
+      </a:defRPr>
+    </a:lvl2pPr>
+    <a:lvl3pPr marL="914400" algn="l" defTabSz="914400" rtl="0" eaLnBrk="1" latinLnBrk="0" hangingPunct="1">
+      <a:defRPr kumimoji="1" sz="1200" kern="1200">
+        <a:solidFill>
+          <a:schemeClr val="tx1"/>
+        </a:solidFill>
+        <a:latin typeface="+mn-lt"/>
+        <a:ea typeface="+mn-ea"/>
+        <a:cs typeface="+mn-cs"/>
+      </a:defRPr>
+    </a:lvl3pPr>
+    <a:lvl4pPr marL="1371600" algn="l" defTabSz="914400" rtl="0" eaLnBrk="1" latinLnBrk="0" hangingPunct="1">
+      <a:defRPr kumimoji="1" sz="1200" kern="1200">
+        <a:solidFill>
+          <a:schemeClr val="tx1"/>
+        </a:solidFill>
+        <a:latin typeface="+mn-lt"/>
+        <a:ea typeface="+mn-ea"/>
+        <a:cs typeface="+mn-cs"/>
+      </a:defRPr>
+    </a:lvl4pPr>
+    <a:lvl5pPr marL="1828800" algn="l" defTabSz="914400" rtl="0" eaLnBrk="1" latinLnBrk="0" hangingPunct="1">
+      <a:defRPr kumimoji="1" sz="1200" kern="1200">
+        <a:solidFill>
+          <a:schemeClr val="tx1"/>
+        </a:solidFill>
+        <a:latin typeface="+mn-lt"/>
+        <a:ea typeface="+mn-ea"/>
+        <a:cs typeface="+mn-cs"/>
+      </a:defRPr>
+    </a:lvl5pPr>
+    <a:lvl6pPr marL="2286000" algn="l" defTabSz="914400" rtl="0" eaLnBrk="1" latinLnBrk="0" hangingPunct="1">
+      <a:defRPr kumimoji="1" sz="1200" kern="1200">
+        <a:solidFill>
+          <a:schemeClr val="tx1"/>
+        </a:solidFill>
+        <a:latin typeface="+mn-lt"/>
+        <a:ea typeface="+mn-ea"/>
+        <a:cs typeface="+mn-cs"/>
+      </a:defRPr>
+    </a:lvl6pPr>
+    <a:lvl7pPr marL="2743200" algn="l" defTabSz="914400" rtl="0" eaLnBrk="1" latinLnBrk="0" hangingPunct="1">
+      <a:defRPr kumimoji="1" sz="1200" kern="1200">
+        <a:solidFill>
+          <a:schemeClr val="tx1"/>
+        </a:solidFill>
+        <a:latin typeface="+mn-lt"/>
+        <a:ea typeface="+mn-ea"/>
+        <a:cs typeface="+mn-cs"/>
+      </a:defRPr>
+    </a:lvl7pPr>
+    <a:lvl8pPr marL="3200400" algn="l" defTabSz="914400" rtl="0" eaLnBrk="1" latinLnBrk="0" hangingPunct="1">
+      <a:defRPr kumimoji="1" sz="1200" kern="1200">
+        <a:solidFill>
+          <a:schemeClr val="tx1"/>
+        </a:solidFill>
+        <a:latin typeface="+mn-lt"/>
+        <a:ea typeface="+mn-ea"/>
+        <a:cs typeface="+mn-cs"/>
+      </a:defRPr>
+    </a:lvl8pPr>
+    <a:lvl9pPr marL="3657600" algn="l" defTabSz="914400" rtl="0" eaLnBrk="1" latinLnBrk="0" hangingPunct="1">
+      <a:defRPr kumimoji="1" sz="1200" kern="1200">
+        <a:solidFill>
+          <a:schemeClr val="tx1"/>
+        </a:solidFill>
+        <a:latin typeface="+mn-lt"/>
+        <a:ea typeface="+mn-ea"/>
+        <a:cs typeface="+mn-cs"/>
+      </a:defRPr>
+    </a:lvl9pPr>
+  </p:notesStyle>
+</p:notesMaster>
+</file>
+
+<file path=ppt/notesSlides/notesSlide1.xml><?xml version="1.0" encoding="utf-8"?>
+<p:notes xmlns:a="http://schemas.openxmlformats.org/drawingml/2006/main" xmlns:r="http://schemas.openxmlformats.org/officeDocument/2006/relationships" xmlns:p="http://schemas.openxmlformats.org/presentationml/2006/main">
+  <p:cSld>
+    <p:spTree>
+      <p:nvGrpSpPr>
+        <p:cNvPr id="1" name=""/>
+        <p:cNvGrpSpPr/>
+        <p:nvPr/>
+      </p:nvGrpSpPr>
+      <p:grpSpPr>
+        <a:xfrm>
+          <a:off x="0" y="0"/>
+          <a:ext cx="0" cy="0"/>
+          <a:chOff x="0" y="0"/>
+          <a:chExt cx="0" cy="0"/>
+        </a:xfrm>
+      </p:grpSpPr>
+      <p:sp>
+        <p:nvSpPr>
+          <p:cNvPr id="2" name="スライド イメージ プレースホルダー 1"/>
+          <p:cNvSpPr>
+            <a:spLocks noGrp="1" noRot="1" noChangeAspect="1"/>
+          </p:cNvSpPr>
+          <p:nvPr>
+            <p:ph type="sldImg"/>
+          </p:nvPr>
+        </p:nvSpPr>
+        <p:spPr/>
+      </p:sp>
+      <p:sp>
+        <p:nvSpPr>
+          <p:cNvPr id="3" name="ノート プレースホルダー 2"/>
+          <p:cNvSpPr>
+            <a:spLocks noGrp="1"/>
+          </p:cNvSpPr>
+          <p:nvPr>
+            <p:ph type="body" idx="1"/>
+          </p:nvPr>
+        </p:nvSpPr>
+        <p:spPr/>
+        <p:txBody>
+          <a:bodyPr/>
+          <a:lstStyle/>
+          <a:p>
+            <a:endParaRPr kumimoji="1" lang="ja-JP" altLang="en-US" dirty="0"/>
+          </a:p>
+        </p:txBody>
+      </p:sp>
+      <p:sp>
+        <p:nvSpPr>
+          <p:cNvPr id="4" name="スライド番号プレースホルダー 3"/>
+          <p:cNvSpPr>
+            <a:spLocks noGrp="1"/>
+          </p:cNvSpPr>
+          <p:nvPr>
+            <p:ph type="sldNum" sz="quarter" idx="5"/>
+          </p:nvPr>
+        </p:nvSpPr>
+        <p:spPr/>
+        <p:txBody>
+          <a:bodyPr/>
+          <a:lstStyle/>
+          <a:p>
+            <a:fld id="{7CF22CC8-8081-4D6F-913F-149B27805C57}" type="slidenum">
+              <a:rPr kumimoji="1" lang="ja-JP" altLang="en-US" smtClean="0"/>
+              <a:t>1</a:t>
+            </a:fld>
+            <a:endParaRPr kumimoji="1" lang="ja-JP" altLang="en-US"/>
+          </a:p>
+        </p:txBody>
+      </p:sp>
+    </p:spTree>
+    <p:extLst>
+      <p:ext uri="{BB962C8B-B14F-4D97-AF65-F5344CB8AC3E}">
+        <p14:creationId xmlns:p14="http://schemas.microsoft.com/office/powerpoint/2010/main" val="96652771"/>
+      </p:ext>
+    </p:extLst>
+  </p:cSld>
+  <p:clrMapOvr>
+    <a:masterClrMapping/>
+  </p:clrMapOvr>
+</p:notes>
 </file>
 
 <file path=ppt/slideLayouts/slideLayout1.xml><?xml version="1.0" encoding="utf-8"?>
@@ -3597,6 +4065,528 @@
           <a:chExt cx="0" cy="0"/>
         </a:xfrm>
       </p:grpSpPr>
+      <p:grpSp>
+        <p:nvGrpSpPr>
+          <p:cNvPr id="68" name="グループ化 67">
+            <a:extLst>
+              <a:ext uri="{FF2B5EF4-FFF2-40B4-BE49-F238E27FC236}">
+                <a16:creationId xmlns:a16="http://schemas.microsoft.com/office/drawing/2014/main" id="{21CC1773-7E71-5AAA-C42D-1C224E2AE31C}"/>
+              </a:ext>
+            </a:extLst>
+          </p:cNvPr>
+          <p:cNvGrpSpPr/>
+          <p:nvPr/>
+        </p:nvGrpSpPr>
+        <p:grpSpPr>
+          <a:xfrm>
+            <a:off x="2339364" y="4286052"/>
+            <a:ext cx="2382211" cy="1647612"/>
+            <a:chOff x="-2962" y="4570118"/>
+            <a:chExt cx="1747193" cy="1208414"/>
+          </a:xfrm>
+          <a:effectLst>
+            <a:outerShdw blurRad="50800" dist="38100" dir="2700000" algn="tl" rotWithShape="0">
+              <a:prstClr val="black">
+                <a:alpha val="40000"/>
+              </a:prstClr>
+            </a:outerShdw>
+          </a:effectLst>
+        </p:grpSpPr>
+        <p:pic>
+          <p:nvPicPr>
+            <p:cNvPr id="63" name="図 62" descr="図形&#10;&#10;低い精度で自動的に生成された説明">
+              <a:extLst>
+                <a:ext uri="{FF2B5EF4-FFF2-40B4-BE49-F238E27FC236}">
+                  <a16:creationId xmlns:a16="http://schemas.microsoft.com/office/drawing/2014/main" id="{CF22B262-D760-4544-BA04-49BD10E0082C}"/>
+                </a:ext>
+              </a:extLst>
+            </p:cNvPr>
+            <p:cNvPicPr>
+              <a:picLocks noChangeAspect="1"/>
+            </p:cNvPicPr>
+            <p:nvPr/>
+          </p:nvPicPr>
+          <p:blipFill>
+            <a:blip r:embed="rId3">
+              <a:extLst>
+                <a:ext uri="{28A0092B-C50C-407E-A947-70E740481C1C}">
+                  <a14:useLocalDpi xmlns:a14="http://schemas.microsoft.com/office/drawing/2010/main" val="0"/>
+                </a:ext>
+              </a:extLst>
+            </a:blip>
+            <a:stretch>
+              <a:fillRect/>
+            </a:stretch>
+          </p:blipFill>
+          <p:spPr>
+            <a:xfrm flipH="1">
+              <a:off x="-2962" y="4787700"/>
+              <a:ext cx="1189010" cy="990832"/>
+            </a:xfrm>
+            <a:prstGeom prst="rect">
+              <a:avLst/>
+            </a:prstGeom>
+            <a:effectLst>
+              <a:glow rad="50800">
+                <a:schemeClr val="accent5">
+                  <a:lumMod val="40000"/>
+                  <a:lumOff val="60000"/>
+                </a:schemeClr>
+              </a:glow>
+            </a:effectLst>
+          </p:spPr>
+        </p:pic>
+        <p:pic>
+          <p:nvPicPr>
+            <p:cNvPr id="58" name="図 57" descr="マップ が含まれている画像&#10;&#10;自動的に生成された説明">
+              <a:extLst>
+                <a:ext uri="{FF2B5EF4-FFF2-40B4-BE49-F238E27FC236}">
+                  <a16:creationId xmlns:a16="http://schemas.microsoft.com/office/drawing/2014/main" id="{BA736519-BEE3-0662-ABA7-A35C162444E9}"/>
+                </a:ext>
+              </a:extLst>
+            </p:cNvPr>
+            <p:cNvPicPr>
+              <a:picLocks noChangeAspect="1"/>
+            </p:cNvPicPr>
+            <p:nvPr/>
+          </p:nvPicPr>
+          <p:blipFill>
+            <a:blip r:embed="rId4">
+              <a:extLst>
+                <a:ext uri="{28A0092B-C50C-407E-A947-70E740481C1C}">
+                  <a14:useLocalDpi xmlns:a14="http://schemas.microsoft.com/office/drawing/2010/main" val="0"/>
+                </a:ext>
+              </a:extLst>
+            </a:blip>
+            <a:stretch>
+              <a:fillRect/>
+            </a:stretch>
+          </p:blipFill>
+          <p:spPr>
+            <a:xfrm flipH="1">
+              <a:off x="1102468" y="4570118"/>
+              <a:ext cx="641763" cy="1190274"/>
+            </a:xfrm>
+            <a:prstGeom prst="rect">
+              <a:avLst/>
+            </a:prstGeom>
+            <a:effectLst>
+              <a:glow rad="50800">
+                <a:srgbClr val="FF0000"/>
+              </a:glow>
+            </a:effectLst>
+          </p:spPr>
+        </p:pic>
+        <p:sp>
+          <p:nvSpPr>
+            <p:cNvPr id="60" name="正方形/長方形 59">
+              <a:extLst>
+                <a:ext uri="{FF2B5EF4-FFF2-40B4-BE49-F238E27FC236}">
+                  <a16:creationId xmlns:a16="http://schemas.microsoft.com/office/drawing/2014/main" id="{CB7C651A-2662-847F-3754-855FD92E82AE}"/>
+                </a:ext>
+              </a:extLst>
+            </p:cNvPr>
+            <p:cNvSpPr/>
+            <p:nvPr/>
+          </p:nvSpPr>
+          <p:spPr>
+            <a:xfrm>
+              <a:off x="922973" y="4658725"/>
+              <a:ext cx="190078" cy="1018190"/>
+            </a:xfrm>
+            <a:prstGeom prst="rect">
+              <a:avLst/>
+            </a:prstGeom>
+            <a:solidFill>
+              <a:schemeClr val="tx1">
+                <a:lumMod val="95000"/>
+                <a:lumOff val="5000"/>
+              </a:schemeClr>
+            </a:solidFill>
+            <a:ln w="38100">
+              <a:solidFill>
+                <a:schemeClr val="bg1"/>
+              </a:solidFill>
+            </a:ln>
+          </p:spPr>
+          <p:style>
+            <a:lnRef idx="2">
+              <a:schemeClr val="accent1">
+                <a:shade val="15000"/>
+              </a:schemeClr>
+            </a:lnRef>
+            <a:fillRef idx="1">
+              <a:schemeClr val="accent1"/>
+            </a:fillRef>
+            <a:effectRef idx="0">
+              <a:schemeClr val="accent1"/>
+            </a:effectRef>
+            <a:fontRef idx="minor">
+              <a:schemeClr val="lt1"/>
+            </a:fontRef>
+          </p:style>
+          <p:txBody>
+            <a:bodyPr rtlCol="0" anchor="ctr"/>
+            <a:lstStyle/>
+            <a:p>
+              <a:pPr algn="ctr"/>
+              <a:endParaRPr kumimoji="1" lang="ja-JP" altLang="en-US" dirty="0"/>
+            </a:p>
+          </p:txBody>
+        </p:sp>
+      </p:grpSp>
+      <p:grpSp>
+        <p:nvGrpSpPr>
+          <p:cNvPr id="45" name="グループ化 44">
+            <a:extLst>
+              <a:ext uri="{FF2B5EF4-FFF2-40B4-BE49-F238E27FC236}">
+                <a16:creationId xmlns:a16="http://schemas.microsoft.com/office/drawing/2014/main" id="{3A0FBCF5-558F-B4C8-7343-99CC7214345B}"/>
+              </a:ext>
+            </a:extLst>
+          </p:cNvPr>
+          <p:cNvGrpSpPr/>
+          <p:nvPr/>
+        </p:nvGrpSpPr>
+        <p:grpSpPr>
+          <a:xfrm>
+            <a:off x="4031805" y="891068"/>
+            <a:ext cx="2180412" cy="2915050"/>
+            <a:chOff x="8541792" y="513490"/>
+            <a:chExt cx="3089663" cy="3609400"/>
+          </a:xfrm>
+          <a:effectLst>
+            <a:outerShdw blurRad="50800" dist="38100" dir="2700000" algn="tl" rotWithShape="0">
+              <a:prstClr val="black">
+                <a:alpha val="40000"/>
+              </a:prstClr>
+            </a:outerShdw>
+          </a:effectLst>
+        </p:grpSpPr>
+        <p:pic>
+          <p:nvPicPr>
+            <p:cNvPr id="35" name="図 34" descr="図形&#10;&#10;低い精度で自動的に生成された説明">
+              <a:extLst>
+                <a:ext uri="{FF2B5EF4-FFF2-40B4-BE49-F238E27FC236}">
+                  <a16:creationId xmlns:a16="http://schemas.microsoft.com/office/drawing/2014/main" id="{DD386DF9-E104-AA9E-0A08-6618D1493A0E}"/>
+                </a:ext>
+              </a:extLst>
+            </p:cNvPr>
+            <p:cNvPicPr>
+              <a:picLocks noChangeAspect="1"/>
+            </p:cNvPicPr>
+            <p:nvPr/>
+          </p:nvPicPr>
+          <p:blipFill>
+            <a:blip r:embed="rId5">
+              <a:extLst>
+                <a:ext uri="{28A0092B-C50C-407E-A947-70E740481C1C}">
+                  <a14:useLocalDpi xmlns:a14="http://schemas.microsoft.com/office/drawing/2010/main" val="0"/>
+                </a:ext>
+              </a:extLst>
+            </a:blip>
+            <a:stretch>
+              <a:fillRect/>
+            </a:stretch>
+          </p:blipFill>
+          <p:spPr>
+            <a:xfrm>
+              <a:off x="9158414" y="513490"/>
+              <a:ext cx="1757564" cy="1757564"/>
+            </a:xfrm>
+            <a:prstGeom prst="rect">
+              <a:avLst/>
+            </a:prstGeom>
+            <a:effectLst>
+              <a:glow rad="50800">
+                <a:srgbClr val="FFC000">
+                  <a:alpha val="40000"/>
+                </a:srgbClr>
+              </a:glow>
+              <a:softEdge rad="31750"/>
+            </a:effectLst>
+          </p:spPr>
+        </p:pic>
+        <p:pic>
+          <p:nvPicPr>
+            <p:cNvPr id="31" name="図 30">
+              <a:extLst>
+                <a:ext uri="{FF2B5EF4-FFF2-40B4-BE49-F238E27FC236}">
+                  <a16:creationId xmlns:a16="http://schemas.microsoft.com/office/drawing/2014/main" id="{D1CCB21A-4CA9-E54A-F1A1-E547A59CAA80}"/>
+                </a:ext>
+              </a:extLst>
+            </p:cNvPr>
+            <p:cNvPicPr>
+              <a:picLocks noChangeAspect="1"/>
+            </p:cNvPicPr>
+            <p:nvPr/>
+          </p:nvPicPr>
+          <p:blipFill>
+            <a:blip r:embed="rId6">
+              <a:extLst>
+                <a:ext uri="{28A0092B-C50C-407E-A947-70E740481C1C}">
+                  <a14:useLocalDpi xmlns:a14="http://schemas.microsoft.com/office/drawing/2010/main" val="0"/>
+                </a:ext>
+              </a:extLst>
+            </a:blip>
+            <a:stretch>
+              <a:fillRect/>
+            </a:stretch>
+          </p:blipFill>
+          <p:spPr>
+            <a:xfrm>
+              <a:off x="8541792" y="1141235"/>
+              <a:ext cx="1327171" cy="1327171"/>
+            </a:xfrm>
+            <a:prstGeom prst="rect">
+              <a:avLst/>
+            </a:prstGeom>
+            <a:effectLst>
+              <a:glow rad="50800">
+                <a:srgbClr val="FF0000"/>
+              </a:glow>
+            </a:effectLst>
+          </p:spPr>
+        </p:pic>
+        <p:pic>
+          <p:nvPicPr>
+            <p:cNvPr id="33" name="図 32" descr="挿絵 が含まれている画像&#10;&#10;自動的に生成された説明">
+              <a:extLst>
+                <a:ext uri="{FF2B5EF4-FFF2-40B4-BE49-F238E27FC236}">
+                  <a16:creationId xmlns:a16="http://schemas.microsoft.com/office/drawing/2014/main" id="{1F41F7E1-344D-4325-0BD4-9D07A322FF3C}"/>
+                </a:ext>
+              </a:extLst>
+            </p:cNvPr>
+            <p:cNvPicPr>
+              <a:picLocks noChangeAspect="1"/>
+            </p:cNvPicPr>
+            <p:nvPr/>
+          </p:nvPicPr>
+          <p:blipFill>
+            <a:blip r:embed="rId7">
+              <a:extLst>
+                <a:ext uri="{28A0092B-C50C-407E-A947-70E740481C1C}">
+                  <a14:useLocalDpi xmlns:a14="http://schemas.microsoft.com/office/drawing/2010/main" val="0"/>
+                </a:ext>
+              </a:extLst>
+            </a:blip>
+            <a:stretch>
+              <a:fillRect/>
+            </a:stretch>
+          </p:blipFill>
+          <p:spPr>
+            <a:xfrm>
+              <a:off x="10063942" y="1334363"/>
+              <a:ext cx="1567513" cy="1254010"/>
+            </a:xfrm>
+            <a:prstGeom prst="rect">
+              <a:avLst/>
+            </a:prstGeom>
+            <a:effectLst>
+              <a:glow rad="50800">
+                <a:srgbClr val="FF0000"/>
+              </a:glow>
+            </a:effectLst>
+          </p:spPr>
+        </p:pic>
+        <p:pic>
+          <p:nvPicPr>
+            <p:cNvPr id="40" name="図 39" descr="光 が含まれている画像&#10;&#10;自動的に生成された説明">
+              <a:extLst>
+                <a:ext uri="{FF2B5EF4-FFF2-40B4-BE49-F238E27FC236}">
+                  <a16:creationId xmlns:a16="http://schemas.microsoft.com/office/drawing/2014/main" id="{0D7E16BD-2661-E2E5-3B1D-D4980FC86F9B}"/>
+                </a:ext>
+              </a:extLst>
+            </p:cNvPr>
+            <p:cNvPicPr>
+              <a:picLocks noChangeAspect="1"/>
+            </p:cNvPicPr>
+            <p:nvPr/>
+          </p:nvPicPr>
+          <p:blipFill>
+            <a:blip r:embed="rId8">
+              <a:extLst>
+                <a:ext uri="{28A0092B-C50C-407E-A947-70E740481C1C}">
+                  <a14:useLocalDpi xmlns:a14="http://schemas.microsoft.com/office/drawing/2010/main" val="0"/>
+                </a:ext>
+              </a:extLst>
+            </a:blip>
+            <a:stretch>
+              <a:fillRect/>
+            </a:stretch>
+          </p:blipFill>
+          <p:spPr>
+            <a:xfrm>
+              <a:off x="9301538" y="1988944"/>
+              <a:ext cx="1280367" cy="2133946"/>
+            </a:xfrm>
+            <a:prstGeom prst="rect">
+              <a:avLst/>
+            </a:prstGeom>
+            <a:effectLst>
+              <a:glow rad="50800">
+                <a:srgbClr val="FFFF00"/>
+              </a:glow>
+            </a:effectLst>
+          </p:spPr>
+        </p:pic>
+      </p:grpSp>
+      <p:grpSp>
+        <p:nvGrpSpPr>
+          <p:cNvPr id="43" name="グループ化 42">
+            <a:extLst>
+              <a:ext uri="{FF2B5EF4-FFF2-40B4-BE49-F238E27FC236}">
+                <a16:creationId xmlns:a16="http://schemas.microsoft.com/office/drawing/2014/main" id="{A9EED63B-33F8-42D1-14F9-F19E9BDBC176}"/>
+              </a:ext>
+            </a:extLst>
+          </p:cNvPr>
+          <p:cNvGrpSpPr/>
+          <p:nvPr/>
+        </p:nvGrpSpPr>
+        <p:grpSpPr>
+          <a:xfrm>
+            <a:off x="-632107" y="1304586"/>
+            <a:ext cx="5330003" cy="2934063"/>
+            <a:chOff x="-232482" y="2204856"/>
+            <a:chExt cx="3156210" cy="1978619"/>
+          </a:xfrm>
+          <a:effectLst>
+            <a:outerShdw blurRad="50800" dist="38100" dir="2700000" algn="tl" rotWithShape="0">
+              <a:prstClr val="black">
+                <a:alpha val="40000"/>
+              </a:prstClr>
+            </a:outerShdw>
+          </a:effectLst>
+        </p:grpSpPr>
+        <p:pic>
+          <p:nvPicPr>
+            <p:cNvPr id="13" name="図 12" descr="図形&#10;&#10;低い精度で自動的に生成された説明">
+              <a:extLst>
+                <a:ext uri="{FF2B5EF4-FFF2-40B4-BE49-F238E27FC236}">
+                  <a16:creationId xmlns:a16="http://schemas.microsoft.com/office/drawing/2014/main" id="{27CC6D27-2C05-4328-7E73-ABC9FE1C1EAD}"/>
+                </a:ext>
+              </a:extLst>
+            </p:cNvPr>
+            <p:cNvPicPr>
+              <a:picLocks noChangeAspect="1"/>
+            </p:cNvPicPr>
+            <p:nvPr/>
+          </p:nvPicPr>
+          <p:blipFill>
+            <a:blip r:embed="rId5">
+              <a:extLst>
+                <a:ext uri="{28A0092B-C50C-407E-A947-70E740481C1C}">
+                  <a14:useLocalDpi xmlns:a14="http://schemas.microsoft.com/office/drawing/2010/main" val="0"/>
+                </a:ext>
+              </a:extLst>
+            </a:blip>
+            <a:stretch>
+              <a:fillRect/>
+            </a:stretch>
+          </p:blipFill>
+          <p:spPr>
+            <a:xfrm>
+              <a:off x="977576" y="2204856"/>
+              <a:ext cx="1946152" cy="1946152"/>
+            </a:xfrm>
+            <a:prstGeom prst="rect">
+              <a:avLst/>
+            </a:prstGeom>
+            <a:effectLst>
+              <a:glow rad="50800">
+                <a:schemeClr val="bg1">
+                  <a:alpha val="40000"/>
+                </a:schemeClr>
+              </a:glow>
+              <a:softEdge rad="31750"/>
+            </a:effectLst>
+          </p:spPr>
+        </p:pic>
+        <p:pic>
+          <p:nvPicPr>
+            <p:cNvPr id="12" name="図 11" descr="図形&#10;&#10;低い精度で自動的に生成された説明">
+              <a:extLst>
+                <a:ext uri="{FF2B5EF4-FFF2-40B4-BE49-F238E27FC236}">
+                  <a16:creationId xmlns:a16="http://schemas.microsoft.com/office/drawing/2014/main" id="{763F487A-C9D5-5F96-7CA6-10EAD208DD84}"/>
+                </a:ext>
+              </a:extLst>
+            </p:cNvPr>
+            <p:cNvPicPr>
+              <a:picLocks noChangeAspect="1"/>
+            </p:cNvPicPr>
+            <p:nvPr/>
+          </p:nvPicPr>
+          <p:blipFill>
+            <a:blip r:embed="rId5">
+              <a:extLst>
+                <a:ext uri="{28A0092B-C50C-407E-A947-70E740481C1C}">
+                  <a14:useLocalDpi xmlns:a14="http://schemas.microsoft.com/office/drawing/2010/main" val="0"/>
+                </a:ext>
+              </a:extLst>
+            </a:blip>
+            <a:stretch>
+              <a:fillRect/>
+            </a:stretch>
+          </p:blipFill>
+          <p:spPr>
+            <a:xfrm>
+              <a:off x="387955" y="2210905"/>
+              <a:ext cx="1946152" cy="1946152"/>
+            </a:xfrm>
+            <a:prstGeom prst="rect">
+              <a:avLst/>
+            </a:prstGeom>
+            <a:effectLst>
+              <a:glow rad="50800">
+                <a:schemeClr val="bg1">
+                  <a:alpha val="40000"/>
+                </a:schemeClr>
+              </a:glow>
+              <a:softEdge rad="31750"/>
+            </a:effectLst>
+          </p:spPr>
+        </p:pic>
+        <p:pic>
+          <p:nvPicPr>
+            <p:cNvPr id="7" name="図 6" descr="図形&#10;&#10;低い精度で自動的に生成された説明">
+              <a:extLst>
+                <a:ext uri="{FF2B5EF4-FFF2-40B4-BE49-F238E27FC236}">
+                  <a16:creationId xmlns:a16="http://schemas.microsoft.com/office/drawing/2014/main" id="{2B16330F-0B39-8F13-C9FE-750F3FED207F}"/>
+                </a:ext>
+              </a:extLst>
+            </p:cNvPr>
+            <p:cNvPicPr>
+              <a:picLocks noChangeAspect="1"/>
+            </p:cNvPicPr>
+            <p:nvPr/>
+          </p:nvPicPr>
+          <p:blipFill>
+            <a:blip r:embed="rId5">
+              <a:extLst>
+                <a:ext uri="{28A0092B-C50C-407E-A947-70E740481C1C}">
+                  <a14:useLocalDpi xmlns:a14="http://schemas.microsoft.com/office/drawing/2010/main" val="0"/>
+                </a:ext>
+              </a:extLst>
+            </a:blip>
+            <a:stretch>
+              <a:fillRect/>
+            </a:stretch>
+          </p:blipFill>
+          <p:spPr>
+            <a:xfrm>
+              <a:off x="-232482" y="2237323"/>
+              <a:ext cx="1946152" cy="1946152"/>
+            </a:xfrm>
+            <a:prstGeom prst="rect">
+              <a:avLst/>
+            </a:prstGeom>
+            <a:effectLst>
+              <a:glow rad="50800">
+                <a:schemeClr val="bg1"/>
+              </a:glow>
+            </a:effectLst>
+          </p:spPr>
+        </p:pic>
+      </p:grpSp>
       <p:sp>
         <p:nvSpPr>
           <p:cNvPr id="4" name="テキスト ボックス 3">
@@ -3611,8 +4601,8 @@
         </p:nvSpPr>
         <p:spPr>
           <a:xfrm>
-            <a:off x="98322" y="147483"/>
-            <a:ext cx="1976283" cy="707886"/>
+            <a:off x="345567" y="47510"/>
+            <a:ext cx="2415218" cy="923330"/>
           </a:xfrm>
           <a:prstGeom prst="rect">
             <a:avLst/>
@@ -3626,10 +4616,17 @@
           <a:lstStyle/>
           <a:p>
             <a:r>
-              <a:rPr kumimoji="1" lang="ja-JP" altLang="en-US" sz="4000" dirty="0">
+              <a:rPr kumimoji="1" lang="ja-JP" altLang="en-US" sz="5400" b="1" dirty="0">
                 <a:solidFill>
-                  <a:schemeClr val="bg1"/>
+                  <a:srgbClr val="7030A0"/>
                 </a:solidFill>
+                <a:effectLst>
+                  <a:glow rad="127000">
+                    <a:schemeClr val="bg1"/>
+                  </a:glow>
+                </a:effectLst>
+                <a:latin typeface="HG正楷書体-PRO" panose="03000600000000000000" pitchFamily="66" charset="-128"/>
+                <a:ea typeface="HG正楷書体-PRO" panose="03000600000000000000" pitchFamily="66" charset="-128"/>
               </a:rPr>
               <a:t>ぴく忍</a:t>
             </a:r>
@@ -3638,10 +4635,10 @@
       </p:sp>
       <p:sp>
         <p:nvSpPr>
-          <p:cNvPr id="5" name="テキスト ボックス 4">
-            <a:extLst>
-              <a:ext uri="{FF2B5EF4-FFF2-40B4-BE49-F238E27FC236}">
-                <a16:creationId xmlns:a16="http://schemas.microsoft.com/office/drawing/2014/main" id="{342E5EE0-50F6-3719-EA91-664119191196}"/>
+          <p:cNvPr id="2" name="テキスト ボックス 1">
+            <a:extLst>
+              <a:ext uri="{FF2B5EF4-FFF2-40B4-BE49-F238E27FC236}">
+                <a16:creationId xmlns:a16="http://schemas.microsoft.com/office/drawing/2014/main" id="{F3CE1E54-E2F1-2723-2ED3-6E45B82AA80F}"/>
               </a:ext>
             </a:extLst>
           </p:cNvPr>
@@ -3650,8 +4647,8 @@
         </p:nvSpPr>
         <p:spPr>
           <a:xfrm>
-            <a:off x="865239" y="2787729"/>
-            <a:ext cx="2807110" cy="369332"/>
+            <a:off x="97013" y="739566"/>
+            <a:ext cx="4744207" cy="1754326"/>
           </a:xfrm>
           <a:prstGeom prst="rect">
             <a:avLst/>
@@ -3665,27 +4662,595 @@
           <a:lstStyle/>
           <a:p>
             <a:r>
-              <a:rPr lang="ja-JP" altLang="en-US" dirty="0">
+              <a:rPr kumimoji="1" lang="ja-JP" altLang="en-US" sz="5400" dirty="0">
                 <a:solidFill>
                   <a:schemeClr val="bg1"/>
                 </a:solidFill>
+                <a:effectLst>
+                  <a:glow rad="76200">
+                    <a:srgbClr val="00B0F0">
+                      <a:alpha val="90000"/>
+                    </a:srgbClr>
+                  </a:glow>
+                </a:effectLst>
+                <a:latin typeface="HG正楷書体-PRO" panose="03000600000000000000" pitchFamily="66" charset="-128"/>
+                <a:ea typeface="HG正楷書体-PRO" panose="03000600000000000000" pitchFamily="66" charset="-128"/>
               </a:rPr>
-              <a:t>分身で高所に登る</a:t>
-            </a:r>
-            <a:endParaRPr kumimoji="1" lang="ja-JP" altLang="en-US" dirty="0">
+              <a:t>使える術は</a:t>
+            </a:r>
+            <a:endParaRPr kumimoji="1" lang="en-US" altLang="ja-JP" sz="5400" dirty="0">
               <a:solidFill>
                 <a:schemeClr val="bg1"/>
               </a:solidFill>
+              <a:effectLst>
+                <a:glow rad="76200">
+                  <a:srgbClr val="00B0F0">
+                    <a:alpha val="90000"/>
+                  </a:srgbClr>
+                </a:glow>
+              </a:effectLst>
+              <a:latin typeface="HG正楷書体-PRO" panose="03000600000000000000" pitchFamily="66" charset="-128"/>
+              <a:ea typeface="HG正楷書体-PRO" panose="03000600000000000000" pitchFamily="66" charset="-128"/>
             </a:endParaRPr>
           </a:p>
-        </p:txBody>
-      </p:sp>
-      <p:sp>
-        <p:nvSpPr>
-          <p:cNvPr id="8" name="テキスト ボックス 7">
-            <a:extLst>
-              <a:ext uri="{FF2B5EF4-FFF2-40B4-BE49-F238E27FC236}">
-                <a16:creationId xmlns:a16="http://schemas.microsoft.com/office/drawing/2014/main" id="{8A878DA7-8DF0-58A0-D01E-7055CA6A649E}"/>
+          <a:p>
+            <a:pPr algn="r"/>
+            <a:r>
+              <a:rPr kumimoji="1" lang="ja-JP" altLang="en-US" sz="5400" dirty="0">
+                <a:effectLst>
+                  <a:glow rad="76200">
+                    <a:srgbClr val="00B0F0">
+                      <a:alpha val="90000"/>
+                    </a:srgbClr>
+                  </a:glow>
+                </a:effectLst>
+                <a:latin typeface="HG正楷書体-PRO" panose="03000600000000000000" pitchFamily="66" charset="-128"/>
+                <a:ea typeface="HG正楷書体-PRO" panose="03000600000000000000" pitchFamily="66" charset="-128"/>
+              </a:rPr>
+              <a:t>分身</a:t>
+            </a:r>
+            <a:r>
+              <a:rPr kumimoji="1" lang="ja-JP" altLang="en-US" sz="5400" dirty="0">
+                <a:solidFill>
+                  <a:schemeClr val="bg1"/>
+                </a:solidFill>
+                <a:effectLst>
+                  <a:glow rad="76200">
+                    <a:srgbClr val="00B0F0">
+                      <a:alpha val="90000"/>
+                    </a:srgbClr>
+                  </a:glow>
+                </a:effectLst>
+                <a:latin typeface="HG正楷書体-PRO" panose="03000600000000000000" pitchFamily="66" charset="-128"/>
+                <a:ea typeface="HG正楷書体-PRO" panose="03000600000000000000" pitchFamily="66" charset="-128"/>
+              </a:rPr>
+              <a:t>のみ</a:t>
+            </a:r>
+          </a:p>
+        </p:txBody>
+      </p:sp>
+      <p:grpSp>
+        <p:nvGrpSpPr>
+          <p:cNvPr id="44" name="グループ化 43">
+            <a:extLst>
+              <a:ext uri="{FF2B5EF4-FFF2-40B4-BE49-F238E27FC236}">
+                <a16:creationId xmlns:a16="http://schemas.microsoft.com/office/drawing/2014/main" id="{F2DE06DB-4CEB-AAC9-5C1A-3FF98ED4A76B}"/>
+              </a:ext>
+            </a:extLst>
+          </p:cNvPr>
+          <p:cNvGrpSpPr/>
+          <p:nvPr/>
+        </p:nvGrpSpPr>
+        <p:grpSpPr>
+          <a:xfrm>
+            <a:off x="5487966" y="1515386"/>
+            <a:ext cx="2968368" cy="2413300"/>
+            <a:chOff x="3202338" y="-52792"/>
+            <a:chExt cx="4988685" cy="4055830"/>
+          </a:xfrm>
+          <a:effectLst>
+            <a:outerShdw blurRad="50800" dist="38100" dir="2700000" algn="tl" rotWithShape="0">
+              <a:prstClr val="black">
+                <a:alpha val="40000"/>
+              </a:prstClr>
+            </a:outerShdw>
+          </a:effectLst>
+        </p:grpSpPr>
+        <p:sp>
+          <p:nvSpPr>
+            <p:cNvPr id="29" name="正方形/長方形 28">
+              <a:extLst>
+                <a:ext uri="{FF2B5EF4-FFF2-40B4-BE49-F238E27FC236}">
+                  <a16:creationId xmlns:a16="http://schemas.microsoft.com/office/drawing/2014/main" id="{948A28BF-436F-D3C1-909A-77F12AFCF5C1}"/>
+                </a:ext>
+              </a:extLst>
+            </p:cNvPr>
+            <p:cNvSpPr/>
+            <p:nvPr/>
+          </p:nvSpPr>
+          <p:spPr>
+            <a:xfrm>
+              <a:off x="7172611" y="971360"/>
+              <a:ext cx="874990" cy="2929960"/>
+            </a:xfrm>
+            <a:prstGeom prst="rect">
+              <a:avLst/>
+            </a:prstGeom>
+            <a:solidFill>
+              <a:schemeClr val="tx1">
+                <a:lumMod val="95000"/>
+                <a:lumOff val="5000"/>
+              </a:schemeClr>
+            </a:solidFill>
+            <a:ln w="38100">
+              <a:solidFill>
+                <a:schemeClr val="bg1"/>
+              </a:solidFill>
+            </a:ln>
+          </p:spPr>
+          <p:style>
+            <a:lnRef idx="2">
+              <a:schemeClr val="accent1">
+                <a:shade val="15000"/>
+              </a:schemeClr>
+            </a:lnRef>
+            <a:fillRef idx="1">
+              <a:schemeClr val="accent1"/>
+            </a:fillRef>
+            <a:effectRef idx="0">
+              <a:schemeClr val="accent1"/>
+            </a:effectRef>
+            <a:fontRef idx="minor">
+              <a:schemeClr val="lt1"/>
+            </a:fontRef>
+          </p:style>
+          <p:txBody>
+            <a:bodyPr rtlCol="0" anchor="ctr"/>
+            <a:lstStyle/>
+            <a:p>
+              <a:pPr algn="ctr"/>
+              <a:endParaRPr kumimoji="1" lang="ja-JP" altLang="en-US" dirty="0"/>
+            </a:p>
+          </p:txBody>
+        </p:sp>
+        <p:grpSp>
+          <p:nvGrpSpPr>
+            <p:cNvPr id="6" name="グループ化 5">
+              <a:extLst>
+                <a:ext uri="{FF2B5EF4-FFF2-40B4-BE49-F238E27FC236}">
+                  <a16:creationId xmlns:a16="http://schemas.microsoft.com/office/drawing/2014/main" id="{315CA156-D795-3B5E-131F-993FC6D6F88A}"/>
+                </a:ext>
+              </a:extLst>
+            </p:cNvPr>
+            <p:cNvGrpSpPr/>
+            <p:nvPr/>
+          </p:nvGrpSpPr>
+          <p:grpSpPr>
+            <a:xfrm>
+              <a:off x="4290349" y="779262"/>
+              <a:ext cx="3146565" cy="3008892"/>
+              <a:chOff x="1186333" y="3735942"/>
+              <a:chExt cx="3146565" cy="3008892"/>
+            </a:xfrm>
+          </p:grpSpPr>
+          <p:pic>
+            <p:nvPicPr>
+              <p:cNvPr id="20" name="図 19" descr="図形&#10;&#10;低い精度で自動的に生成された説明">
+                <a:extLst>
+                  <a:ext uri="{FF2B5EF4-FFF2-40B4-BE49-F238E27FC236}">
+                    <a16:creationId xmlns:a16="http://schemas.microsoft.com/office/drawing/2014/main" id="{EE6082B2-9BA4-6DFF-C8A9-76CBFA5D700E}"/>
+                  </a:ext>
+                </a:extLst>
+              </p:cNvPr>
+              <p:cNvPicPr>
+                <a:picLocks noChangeAspect="1"/>
+              </p:cNvPicPr>
+              <p:nvPr/>
+            </p:nvPicPr>
+            <p:blipFill>
+              <a:blip r:embed="rId5">
+                <a:extLst>
+                  <a:ext uri="{28A0092B-C50C-407E-A947-70E740481C1C}">
+                    <a14:useLocalDpi xmlns:a14="http://schemas.microsoft.com/office/drawing/2010/main" val="0"/>
+                  </a:ext>
+                </a:extLst>
+              </a:blip>
+              <a:stretch>
+                <a:fillRect/>
+              </a:stretch>
+            </p:blipFill>
+            <p:spPr>
+              <a:xfrm rot="2779800">
+                <a:off x="1186333" y="5706330"/>
+                <a:ext cx="1038504" cy="1038504"/>
+              </a:xfrm>
+              <a:prstGeom prst="rect">
+                <a:avLst/>
+              </a:prstGeom>
+              <a:effectLst>
+                <a:glow rad="50800">
+                  <a:schemeClr val="bg1">
+                    <a:alpha val="40000"/>
+                  </a:schemeClr>
+                </a:glow>
+                <a:softEdge rad="31750"/>
+              </a:effectLst>
+            </p:spPr>
+          </p:pic>
+          <p:pic>
+            <p:nvPicPr>
+              <p:cNvPr id="21" name="図 20" descr="図形&#10;&#10;低い精度で自動的に生成された説明">
+                <a:extLst>
+                  <a:ext uri="{FF2B5EF4-FFF2-40B4-BE49-F238E27FC236}">
+                    <a16:creationId xmlns:a16="http://schemas.microsoft.com/office/drawing/2014/main" id="{B5D247B4-B62A-57A8-58AC-0C0E37084C74}"/>
+                  </a:ext>
+                </a:extLst>
+              </p:cNvPr>
+              <p:cNvPicPr>
+                <a:picLocks noChangeAspect="1"/>
+              </p:cNvPicPr>
+              <p:nvPr/>
+            </p:nvPicPr>
+            <p:blipFill>
+              <a:blip r:embed="rId5">
+                <a:extLst>
+                  <a:ext uri="{28A0092B-C50C-407E-A947-70E740481C1C}">
+                    <a14:useLocalDpi xmlns:a14="http://schemas.microsoft.com/office/drawing/2010/main" val="0"/>
+                  </a:ext>
+                </a:extLst>
+              </a:blip>
+              <a:stretch>
+                <a:fillRect/>
+              </a:stretch>
+            </p:blipFill>
+            <p:spPr>
+              <a:xfrm rot="2779800">
+                <a:off x="1570871" y="5341525"/>
+                <a:ext cx="1038504" cy="1038504"/>
+              </a:xfrm>
+              <a:prstGeom prst="rect">
+                <a:avLst/>
+              </a:prstGeom>
+              <a:effectLst>
+                <a:glow rad="50800">
+                  <a:schemeClr val="bg1">
+                    <a:alpha val="40000"/>
+                  </a:schemeClr>
+                </a:glow>
+                <a:softEdge rad="31750"/>
+              </a:effectLst>
+            </p:spPr>
+          </p:pic>
+          <p:pic>
+            <p:nvPicPr>
+              <p:cNvPr id="22" name="図 21" descr="図形&#10;&#10;低い精度で自動的に生成された説明">
+                <a:extLst>
+                  <a:ext uri="{FF2B5EF4-FFF2-40B4-BE49-F238E27FC236}">
+                    <a16:creationId xmlns:a16="http://schemas.microsoft.com/office/drawing/2014/main" id="{A5115E6F-A256-2C11-AB5B-2F36561DC32A}"/>
+                  </a:ext>
+                </a:extLst>
+              </p:cNvPr>
+              <p:cNvPicPr>
+                <a:picLocks noChangeAspect="1"/>
+              </p:cNvPicPr>
+              <p:nvPr/>
+            </p:nvPicPr>
+            <p:blipFill>
+              <a:blip r:embed="rId5">
+                <a:extLst>
+                  <a:ext uri="{28A0092B-C50C-407E-A947-70E740481C1C}">
+                    <a14:useLocalDpi xmlns:a14="http://schemas.microsoft.com/office/drawing/2010/main" val="0"/>
+                  </a:ext>
+                </a:extLst>
+              </a:blip>
+              <a:stretch>
+                <a:fillRect/>
+              </a:stretch>
+            </p:blipFill>
+            <p:spPr>
+              <a:xfrm rot="2779800">
+                <a:off x="1985997" y="4936023"/>
+                <a:ext cx="1038504" cy="1038504"/>
+              </a:xfrm>
+              <a:prstGeom prst="rect">
+                <a:avLst/>
+              </a:prstGeom>
+              <a:effectLst>
+                <a:glow rad="50800">
+                  <a:schemeClr val="bg1">
+                    <a:alpha val="40000"/>
+                  </a:schemeClr>
+                </a:glow>
+                <a:softEdge rad="31750"/>
+              </a:effectLst>
+            </p:spPr>
+          </p:pic>
+          <p:pic>
+            <p:nvPicPr>
+              <p:cNvPr id="23" name="図 22" descr="図形&#10;&#10;低い精度で自動的に生成された説明">
+                <a:extLst>
+                  <a:ext uri="{FF2B5EF4-FFF2-40B4-BE49-F238E27FC236}">
+                    <a16:creationId xmlns:a16="http://schemas.microsoft.com/office/drawing/2014/main" id="{658D8570-C985-72DE-3EE1-D73FB5B3336F}"/>
+                  </a:ext>
+                </a:extLst>
+              </p:cNvPr>
+              <p:cNvPicPr>
+                <a:picLocks noChangeAspect="1"/>
+              </p:cNvPicPr>
+              <p:nvPr/>
+            </p:nvPicPr>
+            <p:blipFill>
+              <a:blip r:embed="rId5">
+                <a:extLst>
+                  <a:ext uri="{28A0092B-C50C-407E-A947-70E740481C1C}">
+                    <a14:useLocalDpi xmlns:a14="http://schemas.microsoft.com/office/drawing/2010/main" val="0"/>
+                  </a:ext>
+                </a:extLst>
+              </a:blip>
+              <a:stretch>
+                <a:fillRect/>
+              </a:stretch>
+            </p:blipFill>
+            <p:spPr>
+              <a:xfrm rot="2779800">
+                <a:off x="2426025" y="4529042"/>
+                <a:ext cx="1038504" cy="1038504"/>
+              </a:xfrm>
+              <a:prstGeom prst="rect">
+                <a:avLst/>
+              </a:prstGeom>
+              <a:effectLst>
+                <a:glow rad="50800">
+                  <a:schemeClr val="bg1">
+                    <a:alpha val="40000"/>
+                  </a:schemeClr>
+                </a:glow>
+                <a:softEdge rad="31750"/>
+              </a:effectLst>
+            </p:spPr>
+          </p:pic>
+          <p:pic>
+            <p:nvPicPr>
+              <p:cNvPr id="24" name="図 23" descr="図形&#10;&#10;低い精度で自動的に生成された説明">
+                <a:extLst>
+                  <a:ext uri="{FF2B5EF4-FFF2-40B4-BE49-F238E27FC236}">
+                    <a16:creationId xmlns:a16="http://schemas.microsoft.com/office/drawing/2014/main" id="{01A414C2-0C94-1082-9D8E-FF7004289CF3}"/>
+                  </a:ext>
+                </a:extLst>
+              </p:cNvPr>
+              <p:cNvPicPr>
+                <a:picLocks noChangeAspect="1"/>
+              </p:cNvPicPr>
+              <p:nvPr/>
+            </p:nvPicPr>
+            <p:blipFill>
+              <a:blip r:embed="rId5">
+                <a:extLst>
+                  <a:ext uri="{28A0092B-C50C-407E-A947-70E740481C1C}">
+                    <a14:useLocalDpi xmlns:a14="http://schemas.microsoft.com/office/drawing/2010/main" val="0"/>
+                  </a:ext>
+                </a:extLst>
+              </a:blip>
+              <a:stretch>
+                <a:fillRect/>
+              </a:stretch>
+            </p:blipFill>
+            <p:spPr>
+              <a:xfrm rot="2779800">
+                <a:off x="2835119" y="4142924"/>
+                <a:ext cx="1038504" cy="1038504"/>
+              </a:xfrm>
+              <a:prstGeom prst="rect">
+                <a:avLst/>
+              </a:prstGeom>
+              <a:effectLst>
+                <a:glow rad="50800">
+                  <a:schemeClr val="bg1">
+                    <a:alpha val="40000"/>
+                  </a:schemeClr>
+                </a:glow>
+                <a:softEdge rad="31750"/>
+              </a:effectLst>
+            </p:spPr>
+          </p:pic>
+          <p:pic>
+            <p:nvPicPr>
+              <p:cNvPr id="25" name="図 24" descr="図形&#10;&#10;低い精度で自動的に生成された説明">
+                <a:extLst>
+                  <a:ext uri="{FF2B5EF4-FFF2-40B4-BE49-F238E27FC236}">
+                    <a16:creationId xmlns:a16="http://schemas.microsoft.com/office/drawing/2014/main" id="{8E94716E-FE14-29F2-BAEE-21C7B4C40550}"/>
+                  </a:ext>
+                </a:extLst>
+              </p:cNvPr>
+              <p:cNvPicPr>
+                <a:picLocks noChangeAspect="1"/>
+              </p:cNvPicPr>
+              <p:nvPr/>
+            </p:nvPicPr>
+            <p:blipFill>
+              <a:blip r:embed="rId5">
+                <a:extLst>
+                  <a:ext uri="{28A0092B-C50C-407E-A947-70E740481C1C}">
+                    <a14:useLocalDpi xmlns:a14="http://schemas.microsoft.com/office/drawing/2010/main" val="0"/>
+                  </a:ext>
+                </a:extLst>
+              </a:blip>
+              <a:stretch>
+                <a:fillRect/>
+              </a:stretch>
+            </p:blipFill>
+            <p:spPr>
+              <a:xfrm rot="2779800">
+                <a:off x="3294394" y="3735942"/>
+                <a:ext cx="1038504" cy="1038504"/>
+              </a:xfrm>
+              <a:prstGeom prst="rect">
+                <a:avLst/>
+              </a:prstGeom>
+              <a:effectLst>
+                <a:glow rad="50800">
+                  <a:schemeClr val="bg1">
+                    <a:alpha val="40000"/>
+                  </a:schemeClr>
+                </a:glow>
+                <a:softEdge rad="31750"/>
+              </a:effectLst>
+            </p:spPr>
+          </p:pic>
+        </p:grpSp>
+        <p:pic>
+          <p:nvPicPr>
+            <p:cNvPr id="19" name="図 18" descr="図形&#10;&#10;低い精度で自動的に生成された説明">
+              <a:extLst>
+                <a:ext uri="{FF2B5EF4-FFF2-40B4-BE49-F238E27FC236}">
+                  <a16:creationId xmlns:a16="http://schemas.microsoft.com/office/drawing/2014/main" id="{74ED5513-62DF-B255-E553-53857FB368AC}"/>
+                </a:ext>
+              </a:extLst>
+            </p:cNvPr>
+            <p:cNvPicPr>
+              <a:picLocks noChangeAspect="1"/>
+            </p:cNvPicPr>
+            <p:nvPr/>
+          </p:nvPicPr>
+          <p:blipFill>
+            <a:blip r:embed="rId3">
+              <a:extLst>
+                <a:ext uri="{28A0092B-C50C-407E-A947-70E740481C1C}">
+                  <a14:useLocalDpi xmlns:a14="http://schemas.microsoft.com/office/drawing/2010/main" val="0"/>
+                </a:ext>
+              </a:extLst>
+            </a:blip>
+            <a:stretch>
+              <a:fillRect/>
+            </a:stretch>
+          </p:blipFill>
+          <p:spPr>
+            <a:xfrm flipH="1">
+              <a:off x="6910656" y="-52792"/>
+              <a:ext cx="1280367" cy="1234340"/>
+            </a:xfrm>
+            <a:prstGeom prst="rect">
+              <a:avLst/>
+            </a:prstGeom>
+            <a:effectLst>
+              <a:glow rad="50800">
+                <a:schemeClr val="accent1">
+                  <a:lumMod val="40000"/>
+                  <a:lumOff val="60000"/>
+                </a:schemeClr>
+              </a:glow>
+            </a:effectLst>
+          </p:spPr>
+        </p:pic>
+        <p:pic>
+          <p:nvPicPr>
+            <p:cNvPr id="26" name="図 25" descr="図形&#10;&#10;低い精度で自動的に生成された説明">
+              <a:extLst>
+                <a:ext uri="{FF2B5EF4-FFF2-40B4-BE49-F238E27FC236}">
+                  <a16:creationId xmlns:a16="http://schemas.microsoft.com/office/drawing/2014/main" id="{B7A98122-AD03-A39D-E9AA-FA5E04FD5506}"/>
+                </a:ext>
+              </a:extLst>
+            </p:cNvPr>
+            <p:cNvPicPr>
+              <a:picLocks noChangeAspect="1"/>
+            </p:cNvPicPr>
+            <p:nvPr/>
+          </p:nvPicPr>
+          <p:blipFill>
+            <a:blip r:embed="rId3">
+              <a:extLst>
+                <a:ext uri="{28A0092B-C50C-407E-A947-70E740481C1C}">
+                  <a14:useLocalDpi xmlns:a14="http://schemas.microsoft.com/office/drawing/2010/main" val="0"/>
+                </a:ext>
+              </a:extLst>
+            </a:blip>
+            <a:stretch>
+              <a:fillRect/>
+            </a:stretch>
+          </p:blipFill>
+          <p:spPr>
+            <a:xfrm flipH="1">
+              <a:off x="3202338" y="2768698"/>
+              <a:ext cx="1280367" cy="1234340"/>
+            </a:xfrm>
+            <a:prstGeom prst="rect">
+              <a:avLst/>
+            </a:prstGeom>
+            <a:effectLst>
+              <a:glow rad="50800">
+                <a:schemeClr val="accent1">
+                  <a:lumMod val="40000"/>
+                  <a:lumOff val="60000"/>
+                  <a:alpha val="67000"/>
+                </a:schemeClr>
+              </a:glow>
+            </a:effectLst>
+          </p:spPr>
+        </p:pic>
+        <p:sp>
+          <p:nvSpPr>
+            <p:cNvPr id="27" name="矢印: 右 26">
+              <a:extLst>
+                <a:ext uri="{FF2B5EF4-FFF2-40B4-BE49-F238E27FC236}">
+                  <a16:creationId xmlns:a16="http://schemas.microsoft.com/office/drawing/2014/main" id="{DBB030A8-6C84-BDC7-D4BA-D555916879DA}"/>
+                </a:ext>
+              </a:extLst>
+            </p:cNvPr>
+            <p:cNvSpPr/>
+            <p:nvPr/>
+          </p:nvSpPr>
+          <p:spPr>
+            <a:xfrm rot="18934351">
+              <a:off x="3906068" y="1833117"/>
+              <a:ext cx="3275336" cy="418223"/>
+            </a:xfrm>
+            <a:prstGeom prst="rightArrow">
+              <a:avLst/>
+            </a:prstGeom>
+            <a:solidFill>
+              <a:schemeClr val="tx1"/>
+            </a:solidFill>
+            <a:ln w="28575">
+              <a:solidFill>
+                <a:schemeClr val="accent1">
+                  <a:lumMod val="60000"/>
+                  <a:lumOff val="40000"/>
+                </a:schemeClr>
+              </a:solidFill>
+            </a:ln>
+          </p:spPr>
+          <p:style>
+            <a:lnRef idx="2">
+              <a:schemeClr val="accent1">
+                <a:shade val="15000"/>
+              </a:schemeClr>
+            </a:lnRef>
+            <a:fillRef idx="1">
+              <a:schemeClr val="accent1"/>
+            </a:fillRef>
+            <a:effectRef idx="0">
+              <a:schemeClr val="accent1"/>
+            </a:effectRef>
+            <a:fontRef idx="minor">
+              <a:schemeClr val="lt1"/>
+            </a:fontRef>
+          </p:style>
+          <p:txBody>
+            <a:bodyPr rtlCol="0" anchor="ctr"/>
+            <a:lstStyle/>
+            <a:p>
+              <a:pPr algn="ctr"/>
+              <a:endParaRPr kumimoji="1" lang="ja-JP" altLang="en-US"/>
+            </a:p>
+          </p:txBody>
+        </p:sp>
+      </p:grpSp>
+      <p:sp>
+        <p:nvSpPr>
+          <p:cNvPr id="17" name="テキスト ボックス 16">
+            <a:extLst>
+              <a:ext uri="{FF2B5EF4-FFF2-40B4-BE49-F238E27FC236}">
+                <a16:creationId xmlns:a16="http://schemas.microsoft.com/office/drawing/2014/main" id="{55AAD83C-48C1-F2E6-A087-603962F4A495}"/>
               </a:ext>
             </a:extLst>
           </p:cNvPr>
@@ -3694,8 +5259,67 @@
         </p:nvSpPr>
         <p:spPr>
           <a:xfrm>
-            <a:off x="8942439" y="1824027"/>
-            <a:ext cx="2182761" cy="369332"/>
+            <a:off x="4307505" y="-6781"/>
+            <a:ext cx="8230192" cy="1107996"/>
+          </a:xfrm>
+          <a:prstGeom prst="rect">
+            <a:avLst/>
+          </a:prstGeom>
+          <a:noFill/>
+          <a:effectLst>
+            <a:outerShdw blurRad="50800" dist="38100" dir="2700000" algn="tl" rotWithShape="0">
+              <a:prstClr val="black">
+                <a:alpha val="40000"/>
+              </a:prstClr>
+            </a:outerShdw>
+          </a:effectLst>
+        </p:spPr>
+        <p:txBody>
+          <a:bodyPr wrap="square" rtlCol="0">
+            <a:spAutoFit/>
+          </a:bodyPr>
+          <a:lstStyle/>
+          <a:p>
+            <a:r>
+              <a:rPr kumimoji="1" lang="ja-JP" altLang="en-US" sz="6600" b="1" dirty="0">
+                <a:solidFill>
+                  <a:srgbClr val="FF0000"/>
+                </a:solidFill>
+                <a:effectLst>
+                  <a:glow rad="76200">
+                    <a:schemeClr val="bg1"/>
+                  </a:glow>
+                  <a:outerShdw blurRad="50800" dist="203200" dir="2700000" algn="tl" rotWithShape="0">
+                    <a:schemeClr val="bg2">
+                      <a:lumMod val="50000"/>
+                      <a:alpha val="40000"/>
+                    </a:schemeClr>
+                  </a:outerShdw>
+                </a:effectLst>
+                <a:latin typeface="HG正楷書体-PRO" panose="03000600000000000000" pitchFamily="66" charset="-128"/>
+                <a:ea typeface="HG正楷書体-PRO" panose="03000600000000000000" pitchFamily="66" charset="-128"/>
+              </a:rPr>
+              <a:t>限りある一人の軍勢</a:t>
+            </a:r>
+          </a:p>
+        </p:txBody>
+      </p:sp>
+      <p:sp>
+        <p:nvSpPr>
+          <p:cNvPr id="49" name="テキスト ボックス 48">
+            <a:extLst>
+              <a:ext uri="{FF2B5EF4-FFF2-40B4-BE49-F238E27FC236}">
+                <a16:creationId xmlns:a16="http://schemas.microsoft.com/office/drawing/2014/main" id="{933B693F-A570-D9E8-42B1-4BA16D567897}"/>
+              </a:ext>
+            </a:extLst>
+          </p:cNvPr>
+          <p:cNvSpPr txBox="1"/>
+          <p:nvPr/>
+        </p:nvSpPr>
+        <p:spPr>
+          <a:xfrm>
+            <a:off x="5659110" y="1190760"/>
+            <a:ext cx="3431786" cy="646331"/>
           </a:xfrm>
           <a:prstGeom prst="rect">
             <a:avLst/>
@@ -3709,27 +5333,45 @@
           <a:lstStyle/>
           <a:p>
             <a:r>
-              <a:rPr lang="ja-JP" altLang="en-US" dirty="0">
+              <a:rPr kumimoji="1" lang="ja-JP" altLang="en-US" sz="3600" dirty="0">
+                <a:effectLst>
+                  <a:glow rad="76200">
+                    <a:schemeClr val="accent6">
+                      <a:alpha val="90000"/>
+                    </a:schemeClr>
+                  </a:glow>
+                </a:effectLst>
+                <a:latin typeface="HG正楷書体-PRO" panose="03000600000000000000" pitchFamily="66" charset="-128"/>
+                <a:ea typeface="HG正楷書体-PRO" panose="03000600000000000000" pitchFamily="66" charset="-128"/>
+              </a:rPr>
+              <a:t>踏み台</a:t>
+            </a:r>
+            <a:r>
+              <a:rPr kumimoji="1" lang="ja-JP" altLang="en-US" sz="3600" dirty="0">
                 <a:solidFill>
                   <a:schemeClr val="bg1"/>
                 </a:solidFill>
+                <a:effectLst>
+                  <a:glow rad="76200">
+                    <a:schemeClr val="accent6">
+                      <a:alpha val="90000"/>
+                    </a:schemeClr>
+                  </a:glow>
+                </a:effectLst>
+                <a:latin typeface="HG正楷書体-PRO" panose="03000600000000000000" pitchFamily="66" charset="-128"/>
+                <a:ea typeface="HG正楷書体-PRO" panose="03000600000000000000" pitchFamily="66" charset="-128"/>
               </a:rPr>
-              <a:t>回数制限あり</a:t>
-            </a:r>
-            <a:endParaRPr kumimoji="1" lang="ja-JP" altLang="en-US" dirty="0">
-              <a:solidFill>
-                <a:schemeClr val="bg1"/>
-              </a:solidFill>
-            </a:endParaRPr>
-          </a:p>
-        </p:txBody>
-      </p:sp>
-      <p:sp>
-        <p:nvSpPr>
-          <p:cNvPr id="9" name="テキスト ボックス 8">
-            <a:extLst>
-              <a:ext uri="{FF2B5EF4-FFF2-40B4-BE49-F238E27FC236}">
-                <a16:creationId xmlns:a16="http://schemas.microsoft.com/office/drawing/2014/main" id="{D6A8936E-6429-6908-03BB-A4D928C9A83F}"/>
+              <a:t>にしたり</a:t>
+            </a:r>
+          </a:p>
+        </p:txBody>
+      </p:sp>
+      <p:sp>
+        <p:nvSpPr>
+          <p:cNvPr id="50" name="テキスト ボックス 49">
+            <a:extLst>
+              <a:ext uri="{FF2B5EF4-FFF2-40B4-BE49-F238E27FC236}">
+                <a16:creationId xmlns:a16="http://schemas.microsoft.com/office/drawing/2014/main" id="{F3B78FCF-74CB-4727-FD1F-A9AC85D0B036}"/>
               </a:ext>
             </a:extLst>
           </p:cNvPr>
@@ -3738,8 +5380,8 @@
         </p:nvSpPr>
         <p:spPr>
           <a:xfrm>
-            <a:off x="7649499" y="3157061"/>
-            <a:ext cx="2182761" cy="369332"/>
+            <a:off x="3986513" y="2649454"/>
+            <a:ext cx="2708806" cy="646331"/>
           </a:xfrm>
           <a:prstGeom prst="rect">
             <a:avLst/>
@@ -3753,27 +5395,45 @@
           <a:lstStyle/>
           <a:p>
             <a:r>
-              <a:rPr lang="ja-JP" altLang="en-US" dirty="0">
+              <a:rPr kumimoji="1" lang="ja-JP" altLang="en-US" sz="3600" dirty="0">
+                <a:effectLst>
+                  <a:glow rad="76200">
+                    <a:schemeClr val="accent6">
+                      <a:alpha val="90000"/>
+                    </a:schemeClr>
+                  </a:glow>
+                </a:effectLst>
+                <a:latin typeface="HG正楷書体-PRO" panose="03000600000000000000" pitchFamily="66" charset="-128"/>
+                <a:ea typeface="HG正楷書体-PRO" panose="03000600000000000000" pitchFamily="66" charset="-128"/>
+              </a:rPr>
+              <a:t>囮</a:t>
+            </a:r>
+            <a:r>
+              <a:rPr kumimoji="1" lang="ja-JP" altLang="en-US" sz="3600" dirty="0">
                 <a:solidFill>
                   <a:schemeClr val="bg1"/>
                 </a:solidFill>
+                <a:effectLst>
+                  <a:glow rad="76200">
+                    <a:schemeClr val="accent6">
+                      <a:alpha val="90000"/>
+                    </a:schemeClr>
+                  </a:glow>
+                </a:effectLst>
+                <a:latin typeface="HG正楷書体-PRO" panose="03000600000000000000" pitchFamily="66" charset="-128"/>
+                <a:ea typeface="HG正楷書体-PRO" panose="03000600000000000000" pitchFamily="66" charset="-128"/>
               </a:rPr>
-              <a:t>使い方は無限大！</a:t>
-            </a:r>
-            <a:endParaRPr kumimoji="1" lang="ja-JP" altLang="en-US" dirty="0">
-              <a:solidFill>
-                <a:schemeClr val="bg1"/>
-              </a:solidFill>
-            </a:endParaRPr>
-          </a:p>
-        </p:txBody>
-      </p:sp>
-      <p:sp>
-        <p:nvSpPr>
-          <p:cNvPr id="10" name="テキスト ボックス 9">
-            <a:extLst>
-              <a:ext uri="{FF2B5EF4-FFF2-40B4-BE49-F238E27FC236}">
-                <a16:creationId xmlns:a16="http://schemas.microsoft.com/office/drawing/2014/main" id="{7858346A-B7F1-D1D0-C4AC-60410B42D272}"/>
+              <a:t>にしたり</a:t>
+            </a:r>
+          </a:p>
+        </p:txBody>
+      </p:sp>
+      <p:sp>
+        <p:nvSpPr>
+          <p:cNvPr id="52" name="テキスト ボックス 51">
+            <a:extLst>
+              <a:ext uri="{FF2B5EF4-FFF2-40B4-BE49-F238E27FC236}">
+                <a16:creationId xmlns:a16="http://schemas.microsoft.com/office/drawing/2014/main" id="{AAE67AFE-04D6-2BFC-769E-2252F2A528C8}"/>
               </a:ext>
             </a:extLst>
           </p:cNvPr>
@@ -3782,8 +5442,8 @@
         </p:nvSpPr>
         <p:spPr>
           <a:xfrm>
-            <a:off x="3436376" y="3952328"/>
-            <a:ext cx="2659624" cy="369332"/>
+            <a:off x="6841439" y="4778644"/>
+            <a:ext cx="5489359" cy="1754326"/>
           </a:xfrm>
           <a:prstGeom prst="rect">
             <a:avLst/>
@@ -3797,27 +5457,62 @@
           <a:lstStyle/>
           <a:p>
             <a:r>
-              <a:rPr lang="ja-JP" altLang="en-US" dirty="0">
+              <a:rPr kumimoji="1" lang="ja-JP" altLang="en-US" sz="5400" dirty="0">
                 <a:solidFill>
                   <a:schemeClr val="bg1"/>
                 </a:solidFill>
+                <a:effectLst>
+                  <a:glow rad="76200">
+                    <a:srgbClr val="00B0F0">
+                      <a:alpha val="90000"/>
+                    </a:srgbClr>
+                  </a:glow>
+                </a:effectLst>
+                <a:latin typeface="HG正楷書体-PRO" panose="03000600000000000000" pitchFamily="66" charset="-128"/>
+                <a:ea typeface="HG正楷書体-PRO" panose="03000600000000000000" pitchFamily="66" charset="-128"/>
               </a:rPr>
-              <a:t>敵引きつけの身代わり</a:t>
-            </a:r>
-            <a:endParaRPr kumimoji="1" lang="ja-JP" altLang="en-US" dirty="0">
+              <a:t>上手く使って</a:t>
+            </a:r>
+            <a:endParaRPr kumimoji="1" lang="en-US" altLang="ja-JP" sz="5400" dirty="0">
               <a:solidFill>
                 <a:schemeClr val="bg1"/>
               </a:solidFill>
+              <a:effectLst>
+                <a:glow rad="76200">
+                  <a:srgbClr val="00B0F0">
+                    <a:alpha val="90000"/>
+                  </a:srgbClr>
+                </a:glow>
+              </a:effectLst>
+              <a:latin typeface="HG正楷書体-PRO" panose="03000600000000000000" pitchFamily="66" charset="-128"/>
+              <a:ea typeface="HG正楷書体-PRO" panose="03000600000000000000" pitchFamily="66" charset="-128"/>
             </a:endParaRPr>
           </a:p>
-        </p:txBody>
-      </p:sp>
-      <p:sp>
-        <p:nvSpPr>
-          <p:cNvPr id="11" name="テキスト ボックス 10">
-            <a:extLst>
-              <a:ext uri="{FF2B5EF4-FFF2-40B4-BE49-F238E27FC236}">
-                <a16:creationId xmlns:a16="http://schemas.microsoft.com/office/drawing/2014/main" id="{4B2C42B5-7D37-0C2D-11F6-AACF36ACDA17}"/>
+          <a:p>
+            <a:pPr algn="r"/>
+            <a:r>
+              <a:rPr kumimoji="1" lang="ja-JP" altLang="en-US" sz="5400" dirty="0">
+                <a:effectLst>
+                  <a:glow rad="76200">
+                    <a:srgbClr val="00B0F0">
+                      <a:alpha val="90000"/>
+                    </a:srgbClr>
+                  </a:glow>
+                </a:effectLst>
+                <a:latin typeface="HG正楷書体-PRO" panose="03000600000000000000" pitchFamily="66" charset="-128"/>
+                <a:ea typeface="HG正楷書体-PRO" panose="03000600000000000000" pitchFamily="66" charset="-128"/>
+              </a:rPr>
+              <a:t>目的地へ向かえ</a:t>
+            </a:r>
+          </a:p>
+        </p:txBody>
+      </p:sp>
+      <p:sp>
+        <p:nvSpPr>
+          <p:cNvPr id="54" name="テキスト ボックス 53">
+            <a:extLst>
+              <a:ext uri="{FF2B5EF4-FFF2-40B4-BE49-F238E27FC236}">
+                <a16:creationId xmlns:a16="http://schemas.microsoft.com/office/drawing/2014/main" id="{89CD5AF6-6034-A24C-3833-71BE77C63DFA}"/>
               </a:ext>
             </a:extLst>
           </p:cNvPr>
@@ -3826,8 +5521,8 @@
         </p:nvSpPr>
         <p:spPr>
           <a:xfrm>
-            <a:off x="7860891" y="5685020"/>
-            <a:ext cx="2816941" cy="369332"/>
+            <a:off x="2760785" y="6011473"/>
+            <a:ext cx="2946511" cy="830997"/>
           </a:xfrm>
           <a:prstGeom prst="rect">
             <a:avLst/>
@@ -3841,22 +5536,95 @@
           <a:lstStyle/>
           <a:p>
             <a:r>
-              <a:rPr kumimoji="1" lang="ja-JP" altLang="en-US" dirty="0">
+              <a:rPr lang="ja-JP" altLang="en-US" sz="2400" dirty="0">
                 <a:solidFill>
                   <a:schemeClr val="bg1"/>
                 </a:solidFill>
+                <a:effectLst>
+                  <a:glow rad="76200">
+                    <a:srgbClr val="C00000">
+                      <a:alpha val="90000"/>
+                    </a:srgbClr>
+                  </a:glow>
+                </a:effectLst>
+                <a:latin typeface="HG正楷書体-PRO" panose="03000600000000000000" pitchFamily="66" charset="-128"/>
+                <a:ea typeface="HG正楷書体-PRO" panose="03000600000000000000" pitchFamily="66" charset="-128"/>
               </a:rPr>
-              <a:t>ゴールに向かうゲーム</a:t>
-            </a:r>
-          </a:p>
-        </p:txBody>
-      </p:sp>
-      <p:sp>
-        <p:nvSpPr>
-          <p:cNvPr id="12" name="テキスト ボックス 11">
-            <a:extLst>
-              <a:ext uri="{FF2B5EF4-FFF2-40B4-BE49-F238E27FC236}">
-                <a16:creationId xmlns:a16="http://schemas.microsoft.com/office/drawing/2014/main" id="{A64B9492-81C7-5EE6-7863-CF069E9A9F76}"/>
+              <a:t>士気を</a:t>
+            </a:r>
+            <a:r>
+              <a:rPr kumimoji="1" lang="ja-JP" altLang="en-US" sz="2400" dirty="0">
+                <a:solidFill>
+                  <a:schemeClr val="bg1"/>
+                </a:solidFill>
+                <a:effectLst>
+                  <a:glow rad="76200">
+                    <a:srgbClr val="C00000">
+                      <a:alpha val="90000"/>
+                    </a:srgbClr>
+                  </a:glow>
+                </a:effectLst>
+                <a:latin typeface="HG正楷書体-PRO" panose="03000600000000000000" pitchFamily="66" charset="-128"/>
+                <a:ea typeface="HG正楷書体-PRO" panose="03000600000000000000" pitchFamily="66" charset="-128"/>
+              </a:rPr>
+              <a:t>上げすぎると</a:t>
+            </a:r>
+            <a:endParaRPr kumimoji="1" lang="en-US" altLang="ja-JP" sz="2400" dirty="0">
+              <a:solidFill>
+                <a:schemeClr val="bg1"/>
+              </a:solidFill>
+              <a:effectLst>
+                <a:glow rad="76200">
+                  <a:srgbClr val="C00000">
+                    <a:alpha val="90000"/>
+                  </a:srgbClr>
+                </a:glow>
+              </a:effectLst>
+              <a:latin typeface="HG正楷書体-PRO" panose="03000600000000000000" pitchFamily="66" charset="-128"/>
+              <a:ea typeface="HG正楷書体-PRO" panose="03000600000000000000" pitchFamily="66" charset="-128"/>
+            </a:endParaRPr>
+          </a:p>
+          <a:p>
+            <a:r>
+              <a:rPr lang="ja-JP" altLang="en-US" sz="2400" dirty="0">
+                <a:solidFill>
+                  <a:schemeClr val="bg1"/>
+                </a:solidFill>
+                <a:effectLst>
+                  <a:glow rad="76200">
+                    <a:srgbClr val="C00000">
+                      <a:alpha val="90000"/>
+                    </a:srgbClr>
+                  </a:glow>
+                </a:effectLst>
+                <a:latin typeface="HG正楷書体-PRO" panose="03000600000000000000" pitchFamily="66" charset="-128"/>
+                <a:ea typeface="HG正楷書体-PRO" panose="03000600000000000000" pitchFamily="66" charset="-128"/>
+              </a:rPr>
+              <a:t>隠密が難しくなる</a:t>
+            </a:r>
+            <a:endParaRPr kumimoji="1" lang="ja-JP" altLang="en-US" sz="2400" dirty="0">
+              <a:solidFill>
+                <a:schemeClr val="bg1"/>
+              </a:solidFill>
+              <a:effectLst>
+                <a:glow rad="76200">
+                  <a:srgbClr val="C00000">
+                    <a:alpha val="90000"/>
+                  </a:srgbClr>
+                </a:glow>
+              </a:effectLst>
+              <a:latin typeface="HG正楷書体-PRO" panose="03000600000000000000" pitchFamily="66" charset="-128"/>
+              <a:ea typeface="HG正楷書体-PRO" panose="03000600000000000000" pitchFamily="66" charset="-128"/>
+            </a:endParaRPr>
+          </a:p>
+        </p:txBody>
+      </p:sp>
+      <p:sp>
+        <p:nvSpPr>
+          <p:cNvPr id="55" name="テキスト ボックス 54">
+            <a:extLst>
+              <a:ext uri="{FF2B5EF4-FFF2-40B4-BE49-F238E27FC236}">
+                <a16:creationId xmlns:a16="http://schemas.microsoft.com/office/drawing/2014/main" id="{1CAFE54E-7BB5-41CF-9977-946037A229B9}"/>
               </a:ext>
             </a:extLst>
           </p:cNvPr>
@@ -3865,8 +5633,8 @@
         </p:nvSpPr>
         <p:spPr>
           <a:xfrm>
-            <a:off x="3913239" y="771910"/>
-            <a:ext cx="2182761" cy="369332"/>
+            <a:off x="70576" y="3679422"/>
+            <a:ext cx="5862513" cy="769441"/>
           </a:xfrm>
           <a:prstGeom prst="rect">
             <a:avLst/>
@@ -3880,17 +5648,1218 @@
           <a:lstStyle/>
           <a:p>
             <a:r>
-              <a:rPr lang="ja-JP" altLang="en-US" dirty="0">
+              <a:rPr kumimoji="1" lang="ja-JP" altLang="en-US" sz="4400" dirty="0">
+                <a:solidFill>
+                  <a:srgbClr val="FFC000"/>
+                </a:solidFill>
+                <a:effectLst>
+                  <a:glow rad="76200">
+                    <a:schemeClr val="accent5">
+                      <a:alpha val="90000"/>
+                    </a:schemeClr>
+                  </a:glow>
+                </a:effectLst>
+                <a:latin typeface="HG正楷書体-PRO" panose="03000600000000000000" pitchFamily="66" charset="-128"/>
+                <a:ea typeface="HG正楷書体-PRO" panose="03000600000000000000" pitchFamily="66" charset="-128"/>
+              </a:rPr>
+              <a:t>士気</a:t>
+            </a:r>
+            <a:r>
+              <a:rPr lang="en-US" altLang="ja-JP" sz="4400" dirty="0">
                 <a:solidFill>
                   <a:schemeClr val="bg1"/>
                 </a:solidFill>
+                <a:effectLst>
+                  <a:glow rad="76200">
+                    <a:schemeClr val="accent5">
+                      <a:alpha val="90000"/>
+                    </a:schemeClr>
+                  </a:glow>
+                </a:effectLst>
+                <a:latin typeface="HG正楷書体-PRO" panose="03000600000000000000" pitchFamily="66" charset="-128"/>
+                <a:ea typeface="HG正楷書体-PRO" panose="03000600000000000000" pitchFamily="66" charset="-128"/>
               </a:rPr>
-              <a:t>舞台は城</a:t>
-            </a:r>
-            <a:endParaRPr kumimoji="1" lang="ja-JP" altLang="en-US" dirty="0">
+              <a:t>&amp;</a:t>
+            </a:r>
+            <a:r>
+              <a:rPr lang="ja-JP" altLang="en-US" sz="4400" dirty="0">
+                <a:solidFill>
+                  <a:schemeClr val="accent4">
+                    <a:lumMod val="60000"/>
+                    <a:lumOff val="40000"/>
+                  </a:schemeClr>
+                </a:solidFill>
+                <a:effectLst>
+                  <a:glow rad="76200">
+                    <a:schemeClr val="accent5">
+                      <a:alpha val="90000"/>
+                    </a:schemeClr>
+                  </a:glow>
+                </a:effectLst>
+                <a:latin typeface="HG正楷書体-PRO" panose="03000600000000000000" pitchFamily="66" charset="-128"/>
+                <a:ea typeface="HG正楷書体-PRO" panose="03000600000000000000" pitchFamily="66" charset="-128"/>
+              </a:rPr>
+              <a:t>耐久力</a:t>
+            </a:r>
+            <a:r>
+              <a:rPr lang="ja-JP" altLang="en-US" sz="4400" dirty="0">
+                <a:solidFill>
+                  <a:schemeClr val="bg1"/>
+                </a:solidFill>
+                <a:effectLst>
+                  <a:glow rad="76200">
+                    <a:schemeClr val="accent5">
+                      <a:alpha val="90000"/>
+                    </a:schemeClr>
+                  </a:glow>
+                </a:effectLst>
+                <a:latin typeface="HG正楷書体-PRO" panose="03000600000000000000" pitchFamily="66" charset="-128"/>
+                <a:ea typeface="HG正楷書体-PRO" panose="03000600000000000000" pitchFamily="66" charset="-128"/>
+              </a:rPr>
+              <a:t>を</a:t>
+            </a:r>
+            <a:r>
+              <a:rPr kumimoji="1" lang="ja-JP" altLang="en-US" sz="4400" dirty="0">
+                <a:solidFill>
+                  <a:schemeClr val="bg1"/>
+                </a:solidFill>
+                <a:effectLst>
+                  <a:glow rad="76200">
+                    <a:schemeClr val="accent5">
+                      <a:alpha val="90000"/>
+                    </a:schemeClr>
+                  </a:glow>
+                </a:effectLst>
+                <a:latin typeface="HG正楷書体-PRO" panose="03000600000000000000" pitchFamily="66" charset="-128"/>
+                <a:ea typeface="HG正楷書体-PRO" panose="03000600000000000000" pitchFamily="66" charset="-128"/>
+              </a:rPr>
+              <a:t>上げろ</a:t>
+            </a:r>
+          </a:p>
+        </p:txBody>
+      </p:sp>
+      <p:sp>
+        <p:nvSpPr>
+          <p:cNvPr id="56" name="テキスト ボックス 55">
+            <a:extLst>
+              <a:ext uri="{FF2B5EF4-FFF2-40B4-BE49-F238E27FC236}">
+                <a16:creationId xmlns:a16="http://schemas.microsoft.com/office/drawing/2014/main" id="{6383490D-670B-19D7-4111-6699FE13A97B}"/>
+              </a:ext>
+            </a:extLst>
+          </p:cNvPr>
+          <p:cNvSpPr txBox="1"/>
+          <p:nvPr/>
+        </p:nvSpPr>
+        <p:spPr>
+          <a:xfrm>
+            <a:off x="3147273" y="4970117"/>
+            <a:ext cx="1160232" cy="646331"/>
+          </a:xfrm>
+          <a:prstGeom prst="rect">
+            <a:avLst/>
+          </a:prstGeom>
+          <a:noFill/>
+        </p:spPr>
+        <p:txBody>
+          <a:bodyPr wrap="square" rtlCol="0">
+            <a:spAutoFit/>
+          </a:bodyPr>
+          <a:lstStyle/>
+          <a:p>
+            <a:r>
+              <a:rPr lang="ja-JP" altLang="en-US" sz="3600" dirty="0">
+                <a:solidFill>
+                  <a:schemeClr val="accent4">
+                    <a:lumMod val="60000"/>
+                    <a:lumOff val="40000"/>
+                  </a:schemeClr>
+                </a:solidFill>
+                <a:effectLst>
+                  <a:glow rad="76200">
+                    <a:schemeClr val="accent5">
+                      <a:alpha val="90000"/>
+                    </a:schemeClr>
+                  </a:glow>
+                </a:effectLst>
+                <a:latin typeface="HG正楷書体-PRO" panose="03000600000000000000" pitchFamily="66" charset="-128"/>
+                <a:ea typeface="HG正楷書体-PRO" panose="03000600000000000000" pitchFamily="66" charset="-128"/>
+              </a:rPr>
+              <a:t>隠密</a:t>
+            </a:r>
+            <a:endParaRPr kumimoji="1" lang="ja-JP" altLang="en-US" sz="3600" dirty="0">
+              <a:solidFill>
+                <a:schemeClr val="accent4">
+                  <a:lumMod val="60000"/>
+                  <a:lumOff val="40000"/>
+                </a:schemeClr>
+              </a:solidFill>
+              <a:effectLst>
+                <a:glow rad="76200">
+                  <a:schemeClr val="accent5">
+                    <a:alpha val="90000"/>
+                  </a:schemeClr>
+                </a:glow>
+              </a:effectLst>
+              <a:latin typeface="HG正楷書体-PRO" panose="03000600000000000000" pitchFamily="66" charset="-128"/>
+              <a:ea typeface="HG正楷書体-PRO" panose="03000600000000000000" pitchFamily="66" charset="-128"/>
+            </a:endParaRPr>
+          </a:p>
+        </p:txBody>
+      </p:sp>
+      <p:grpSp>
+        <p:nvGrpSpPr>
+          <p:cNvPr id="85" name="グループ化 84">
+            <a:extLst>
+              <a:ext uri="{FF2B5EF4-FFF2-40B4-BE49-F238E27FC236}">
+                <a16:creationId xmlns:a16="http://schemas.microsoft.com/office/drawing/2014/main" id="{A68E555E-E7D6-40E6-B86F-6031AA657787}"/>
+              </a:ext>
+            </a:extLst>
+          </p:cNvPr>
+          <p:cNvGrpSpPr/>
+          <p:nvPr/>
+        </p:nvGrpSpPr>
+        <p:grpSpPr>
+          <a:xfrm>
+            <a:off x="100255" y="4760849"/>
+            <a:ext cx="2660530" cy="1958311"/>
+            <a:chOff x="167917" y="4723479"/>
+            <a:chExt cx="2660530" cy="1958311"/>
+          </a:xfrm>
+        </p:grpSpPr>
+        <p:grpSp>
+          <p:nvGrpSpPr>
+            <p:cNvPr id="84" name="グループ化 83">
+              <a:extLst>
+                <a:ext uri="{FF2B5EF4-FFF2-40B4-BE49-F238E27FC236}">
+                  <a16:creationId xmlns:a16="http://schemas.microsoft.com/office/drawing/2014/main" id="{86FA218C-0177-FE63-1B0E-6E8B566C0B01}"/>
+                </a:ext>
+              </a:extLst>
+            </p:cNvPr>
+            <p:cNvGrpSpPr/>
+            <p:nvPr/>
+          </p:nvGrpSpPr>
+          <p:grpSpPr>
+            <a:xfrm>
+              <a:off x="167917" y="5356520"/>
+              <a:ext cx="2660530" cy="1325270"/>
+              <a:chOff x="167917" y="5356520"/>
+              <a:chExt cx="2660530" cy="1325270"/>
+            </a:xfrm>
+          </p:grpSpPr>
+          <p:pic>
+            <p:nvPicPr>
+              <p:cNvPr id="70" name="図 69" descr="マップ が含まれている画像&#10;&#10;自動的に生成された説明">
+                <a:extLst>
+                  <a:ext uri="{FF2B5EF4-FFF2-40B4-BE49-F238E27FC236}">
+                    <a16:creationId xmlns:a16="http://schemas.microsoft.com/office/drawing/2014/main" id="{EC9E4C57-8A4B-9D8B-3495-94D690827A26}"/>
+                  </a:ext>
+                </a:extLst>
+              </p:cNvPr>
+              <p:cNvPicPr>
+                <a:picLocks noChangeAspect="1"/>
+              </p:cNvPicPr>
+              <p:nvPr/>
+            </p:nvPicPr>
+            <p:blipFill>
+              <a:blip r:embed="rId9">
+                <a:extLst>
+                  <a:ext uri="{28A0092B-C50C-407E-A947-70E740481C1C}">
+                    <a14:useLocalDpi xmlns:a14="http://schemas.microsoft.com/office/drawing/2010/main" val="0"/>
+                  </a:ext>
+                </a:extLst>
+              </a:blip>
+              <a:stretch>
+                <a:fillRect/>
+              </a:stretch>
+            </p:blipFill>
+            <p:spPr>
+              <a:xfrm>
+                <a:off x="2165812" y="5356520"/>
+                <a:ext cx="662635" cy="1325270"/>
+              </a:xfrm>
+              <a:prstGeom prst="rect">
+                <a:avLst/>
+              </a:prstGeom>
+              <a:effectLst>
+                <a:glow rad="50800">
+                  <a:srgbClr val="FF0000"/>
+                </a:glow>
+              </a:effectLst>
+            </p:spPr>
+          </p:pic>
+          <p:pic>
+            <p:nvPicPr>
+              <p:cNvPr id="71" name="図 70" descr="図形&#10;&#10;低い精度で自動的に生成された説明">
+                <a:extLst>
+                  <a:ext uri="{FF2B5EF4-FFF2-40B4-BE49-F238E27FC236}">
+                    <a16:creationId xmlns:a16="http://schemas.microsoft.com/office/drawing/2014/main" id="{1379B2DC-D50C-ACFF-F5F9-90D3D8242688}"/>
+                  </a:ext>
+                </a:extLst>
+              </p:cNvPr>
+              <p:cNvPicPr>
+                <a:picLocks noChangeAspect="1"/>
+              </p:cNvPicPr>
+              <p:nvPr/>
+            </p:nvPicPr>
+            <p:blipFill>
+              <a:blip r:embed="rId10">
+                <a:extLst>
+                  <a:ext uri="{28A0092B-C50C-407E-A947-70E740481C1C}">
+                    <a14:useLocalDpi xmlns:a14="http://schemas.microsoft.com/office/drawing/2010/main" val="0"/>
+                  </a:ext>
+                </a:extLst>
+              </a:blip>
+              <a:stretch>
+                <a:fillRect/>
+              </a:stretch>
+            </p:blipFill>
+            <p:spPr>
+              <a:xfrm flipH="1">
+                <a:off x="167917" y="5536975"/>
+                <a:ext cx="294056" cy="294056"/>
+              </a:xfrm>
+              <a:prstGeom prst="rect">
+                <a:avLst/>
+              </a:prstGeom>
+              <a:effectLst>
+                <a:glow rad="50800">
+                  <a:srgbClr val="FF0000"/>
+                </a:glow>
+              </a:effectLst>
+            </p:spPr>
+          </p:pic>
+          <p:pic>
+            <p:nvPicPr>
+              <p:cNvPr id="72" name="図 71" descr="図形&#10;&#10;低い精度で自動的に生成された説明">
+                <a:extLst>
+                  <a:ext uri="{FF2B5EF4-FFF2-40B4-BE49-F238E27FC236}">
+                    <a16:creationId xmlns:a16="http://schemas.microsoft.com/office/drawing/2014/main" id="{EFD47A33-5673-5CB3-885A-00EB58BFC336}"/>
+                  </a:ext>
+                </a:extLst>
+              </p:cNvPr>
+              <p:cNvPicPr>
+                <a:picLocks noChangeAspect="1"/>
+              </p:cNvPicPr>
+              <p:nvPr/>
+            </p:nvPicPr>
+            <p:blipFill>
+              <a:blip r:embed="rId10">
+                <a:extLst>
+                  <a:ext uri="{28A0092B-C50C-407E-A947-70E740481C1C}">
+                    <a14:useLocalDpi xmlns:a14="http://schemas.microsoft.com/office/drawing/2010/main" val="0"/>
+                  </a:ext>
+                </a:extLst>
+              </a:blip>
+              <a:stretch>
+                <a:fillRect/>
+              </a:stretch>
+            </p:blipFill>
+            <p:spPr>
+              <a:xfrm flipH="1">
+                <a:off x="867932" y="5426314"/>
+                <a:ext cx="294056" cy="294056"/>
+              </a:xfrm>
+              <a:prstGeom prst="rect">
+                <a:avLst/>
+              </a:prstGeom>
+              <a:effectLst>
+                <a:glow rad="50800">
+                  <a:srgbClr val="FF0000"/>
+                </a:glow>
+              </a:effectLst>
+            </p:spPr>
+          </p:pic>
+          <p:pic>
+            <p:nvPicPr>
+              <p:cNvPr id="73" name="図 72" descr="図形&#10;&#10;低い精度で自動的に生成された説明">
+                <a:extLst>
+                  <a:ext uri="{FF2B5EF4-FFF2-40B4-BE49-F238E27FC236}">
+                    <a16:creationId xmlns:a16="http://schemas.microsoft.com/office/drawing/2014/main" id="{1E52B0F2-7A2B-DEE8-35BC-BAA1E9192F7F}"/>
+                  </a:ext>
+                </a:extLst>
+              </p:cNvPr>
+              <p:cNvPicPr>
+                <a:picLocks noChangeAspect="1"/>
+              </p:cNvPicPr>
+              <p:nvPr/>
+            </p:nvPicPr>
+            <p:blipFill>
+              <a:blip r:embed="rId10">
+                <a:extLst>
+                  <a:ext uri="{28A0092B-C50C-407E-A947-70E740481C1C}">
+                    <a14:useLocalDpi xmlns:a14="http://schemas.microsoft.com/office/drawing/2010/main" val="0"/>
+                  </a:ext>
+                </a:extLst>
+              </a:blip>
+              <a:stretch>
+                <a:fillRect/>
+              </a:stretch>
+            </p:blipFill>
+            <p:spPr>
+              <a:xfrm flipH="1">
+                <a:off x="1682531" y="5591663"/>
+                <a:ext cx="294056" cy="294056"/>
+              </a:xfrm>
+              <a:prstGeom prst="rect">
+                <a:avLst/>
+              </a:prstGeom>
+              <a:effectLst>
+                <a:glow rad="50800">
+                  <a:srgbClr val="FF0000"/>
+                </a:glow>
+              </a:effectLst>
+            </p:spPr>
+          </p:pic>
+        </p:grpSp>
+        <p:pic>
+          <p:nvPicPr>
+            <p:cNvPr id="75" name="図 74" descr="黒い背景と男性の絵&#10;&#10;低い精度で自動的に生成された説明">
+              <a:extLst>
+                <a:ext uri="{FF2B5EF4-FFF2-40B4-BE49-F238E27FC236}">
+                  <a16:creationId xmlns:a16="http://schemas.microsoft.com/office/drawing/2014/main" id="{7875016B-B213-7C95-9A9D-641D3E075A52}"/>
+                </a:ext>
+              </a:extLst>
+            </p:cNvPr>
+            <p:cNvPicPr>
+              <a:picLocks noChangeAspect="1"/>
+            </p:cNvPicPr>
+            <p:nvPr/>
+          </p:nvPicPr>
+          <p:blipFill rotWithShape="1">
+            <a:blip r:embed="rId11">
+              <a:extLst>
+                <a:ext uri="{28A0092B-C50C-407E-A947-70E740481C1C}">
+                  <a14:useLocalDpi xmlns:a14="http://schemas.microsoft.com/office/drawing/2010/main" val="0"/>
+                </a:ext>
+              </a:extLst>
+            </a:blip>
+            <a:srcRect l="16528"/>
+            <a:stretch/>
+          </p:blipFill>
+          <p:spPr>
+            <a:xfrm rot="730040">
+              <a:off x="215562" y="4723479"/>
+              <a:ext cx="977172" cy="877991"/>
+            </a:xfrm>
+            <a:prstGeom prst="rect">
+              <a:avLst/>
+            </a:prstGeom>
+            <a:effectLst>
+              <a:glow rad="50800">
+                <a:schemeClr val="accent5">
+                  <a:lumMod val="40000"/>
+                  <a:lumOff val="60000"/>
+                </a:schemeClr>
+              </a:glow>
+            </a:effectLst>
+          </p:spPr>
+        </p:pic>
+      </p:grpSp>
+      <p:sp>
+        <p:nvSpPr>
+          <p:cNvPr id="81" name="テキスト ボックス 80">
+            <a:extLst>
+              <a:ext uri="{FF2B5EF4-FFF2-40B4-BE49-F238E27FC236}">
+                <a16:creationId xmlns:a16="http://schemas.microsoft.com/office/drawing/2014/main" id="{EACF1EC4-896F-E93C-FF39-E82D6B27A0C8}"/>
+              </a:ext>
+            </a:extLst>
+          </p:cNvPr>
+          <p:cNvSpPr txBox="1"/>
+          <p:nvPr/>
+        </p:nvSpPr>
+        <p:spPr>
+          <a:xfrm>
+            <a:off x="-53396" y="5690681"/>
+            <a:ext cx="2027528" cy="1200329"/>
+          </a:xfrm>
+          <a:prstGeom prst="rect">
+            <a:avLst/>
+          </a:prstGeom>
+          <a:noFill/>
+        </p:spPr>
+        <p:txBody>
+          <a:bodyPr wrap="square" rtlCol="0">
+            <a:spAutoFit/>
+          </a:bodyPr>
+          <a:lstStyle/>
+          <a:p>
+            <a:r>
+              <a:rPr lang="ja-JP" altLang="en-US" sz="3600" dirty="0">
+                <a:solidFill>
+                  <a:srgbClr val="FFC000"/>
+                </a:solidFill>
+                <a:effectLst>
+                  <a:glow rad="76200">
+                    <a:schemeClr val="accent5">
+                      <a:alpha val="90000"/>
+                    </a:schemeClr>
+                  </a:glow>
+                </a:effectLst>
+                <a:latin typeface="HG正楷書体-PRO" panose="03000600000000000000" pitchFamily="66" charset="-128"/>
+                <a:ea typeface="HG正楷書体-PRO" panose="03000600000000000000" pitchFamily="66" charset="-128"/>
+              </a:rPr>
+              <a:t>ジャスト</a:t>
+            </a:r>
+            <a:endParaRPr lang="en-US" altLang="ja-JP" sz="3600" dirty="0">
+              <a:solidFill>
+                <a:srgbClr val="FFC000"/>
+              </a:solidFill>
+              <a:effectLst>
+                <a:glow rad="76200">
+                  <a:schemeClr val="accent5">
+                    <a:alpha val="90000"/>
+                  </a:schemeClr>
+                </a:glow>
+              </a:effectLst>
+              <a:latin typeface="HG正楷書体-PRO" panose="03000600000000000000" pitchFamily="66" charset="-128"/>
+              <a:ea typeface="HG正楷書体-PRO" panose="03000600000000000000" pitchFamily="66" charset="-128"/>
+            </a:endParaRPr>
+          </a:p>
+          <a:p>
+            <a:pPr algn="r"/>
+            <a:r>
+              <a:rPr lang="ja-JP" altLang="en-US" sz="3600" dirty="0">
+                <a:solidFill>
+                  <a:srgbClr val="FFC000"/>
+                </a:solidFill>
+                <a:effectLst>
+                  <a:glow rad="76200">
+                    <a:schemeClr val="accent5">
+                      <a:alpha val="90000"/>
+                    </a:schemeClr>
+                  </a:glow>
+                </a:effectLst>
+                <a:latin typeface="HG正楷書体-PRO" panose="03000600000000000000" pitchFamily="66" charset="-128"/>
+                <a:ea typeface="HG正楷書体-PRO" panose="03000600000000000000" pitchFamily="66" charset="-128"/>
+              </a:rPr>
+              <a:t>回避</a:t>
+            </a:r>
+            <a:endParaRPr kumimoji="1" lang="ja-JP" altLang="en-US" sz="3600" dirty="0">
+              <a:solidFill>
+                <a:srgbClr val="FFC000"/>
+              </a:solidFill>
+              <a:effectLst>
+                <a:glow rad="76200">
+                  <a:schemeClr val="accent5">
+                    <a:alpha val="90000"/>
+                  </a:schemeClr>
+                </a:glow>
+              </a:effectLst>
+              <a:latin typeface="HG正楷書体-PRO" panose="03000600000000000000" pitchFamily="66" charset="-128"/>
+              <a:ea typeface="HG正楷書体-PRO" panose="03000600000000000000" pitchFamily="66" charset="-128"/>
+            </a:endParaRPr>
+          </a:p>
+        </p:txBody>
+      </p:sp>
+      <p:sp>
+        <p:nvSpPr>
+          <p:cNvPr id="83" name="テキスト ボックス 82">
+            <a:extLst>
+              <a:ext uri="{FF2B5EF4-FFF2-40B4-BE49-F238E27FC236}">
+                <a16:creationId xmlns:a16="http://schemas.microsoft.com/office/drawing/2014/main" id="{5D68A5F1-F992-AECA-8FBE-8CEA3033CF13}"/>
+              </a:ext>
+            </a:extLst>
+          </p:cNvPr>
+          <p:cNvSpPr txBox="1"/>
+          <p:nvPr/>
+        </p:nvSpPr>
+        <p:spPr>
+          <a:xfrm>
+            <a:off x="4861259" y="4893491"/>
+            <a:ext cx="2082666" cy="1754326"/>
+          </a:xfrm>
+          <a:prstGeom prst="rect">
+            <a:avLst/>
+          </a:prstGeom>
+          <a:noFill/>
+        </p:spPr>
+        <p:txBody>
+          <a:bodyPr wrap="square" rtlCol="0">
+            <a:spAutoFit/>
+          </a:bodyPr>
+          <a:lstStyle/>
+          <a:p>
+            <a:r>
+              <a:rPr kumimoji="1" lang="ja-JP" altLang="en-US" sz="3600" dirty="0">
+                <a:solidFill>
+                  <a:schemeClr val="bg1"/>
+                </a:solidFill>
+                <a:effectLst>
+                  <a:glow rad="76200">
+                    <a:schemeClr val="accent5">
+                      <a:alpha val="90000"/>
+                    </a:schemeClr>
+                  </a:glow>
+                </a:effectLst>
+                <a:latin typeface="HG正楷書体-PRO" panose="03000600000000000000" pitchFamily="66" charset="-128"/>
+                <a:ea typeface="HG正楷書体-PRO" panose="03000600000000000000" pitchFamily="66" charset="-128"/>
+              </a:rPr>
+              <a:t>分身の</a:t>
+            </a:r>
+            <a:endParaRPr kumimoji="1" lang="en-US" altLang="ja-JP" sz="3600" dirty="0">
               <a:solidFill>
                 <a:schemeClr val="bg1"/>
               </a:solidFill>
+              <a:effectLst>
+                <a:glow rad="76200">
+                  <a:schemeClr val="accent5">
+                    <a:alpha val="90000"/>
+                  </a:schemeClr>
+                </a:glow>
+              </a:effectLst>
+              <a:latin typeface="HG正楷書体-PRO" panose="03000600000000000000" pitchFamily="66" charset="-128"/>
+              <a:ea typeface="HG正楷書体-PRO" panose="03000600000000000000" pitchFamily="66" charset="-128"/>
+            </a:endParaRPr>
+          </a:p>
+          <a:p>
+            <a:r>
+              <a:rPr kumimoji="1" lang="ja-JP" altLang="en-US" sz="3600" dirty="0">
+                <a:effectLst>
+                  <a:glow rad="76200">
+                    <a:schemeClr val="accent5">
+                      <a:alpha val="90000"/>
+                    </a:schemeClr>
+                  </a:glow>
+                </a:effectLst>
+                <a:latin typeface="HG正楷書体-PRO" panose="03000600000000000000" pitchFamily="66" charset="-128"/>
+                <a:ea typeface="HG正楷書体-PRO" panose="03000600000000000000" pitchFamily="66" charset="-128"/>
+              </a:rPr>
+              <a:t>レベル</a:t>
+            </a:r>
+            <a:r>
+              <a:rPr kumimoji="1" lang="ja-JP" altLang="en-US" sz="3600" dirty="0">
+                <a:solidFill>
+                  <a:schemeClr val="bg1"/>
+                </a:solidFill>
+                <a:effectLst>
+                  <a:glow rad="76200">
+                    <a:schemeClr val="accent5">
+                      <a:alpha val="90000"/>
+                    </a:schemeClr>
+                  </a:glow>
+                </a:effectLst>
+                <a:latin typeface="HG正楷書体-PRO" panose="03000600000000000000" pitchFamily="66" charset="-128"/>
+                <a:ea typeface="HG正楷書体-PRO" panose="03000600000000000000" pitchFamily="66" charset="-128"/>
+              </a:rPr>
+              <a:t>に</a:t>
+            </a:r>
+            <a:endParaRPr kumimoji="1" lang="en-US" altLang="ja-JP" sz="3600" dirty="0">
+              <a:solidFill>
+                <a:schemeClr val="bg1"/>
+              </a:solidFill>
+              <a:effectLst>
+                <a:glow rad="76200">
+                  <a:schemeClr val="accent5">
+                    <a:alpha val="90000"/>
+                  </a:schemeClr>
+                </a:glow>
+              </a:effectLst>
+              <a:latin typeface="HG正楷書体-PRO" panose="03000600000000000000" pitchFamily="66" charset="-128"/>
+              <a:ea typeface="HG正楷書体-PRO" panose="03000600000000000000" pitchFamily="66" charset="-128"/>
+            </a:endParaRPr>
+          </a:p>
+          <a:p>
+            <a:pPr algn="r"/>
+            <a:r>
+              <a:rPr kumimoji="1" lang="ja-JP" altLang="en-US" sz="3600" dirty="0">
+                <a:solidFill>
+                  <a:schemeClr val="bg1"/>
+                </a:solidFill>
+                <a:effectLst>
+                  <a:glow rad="76200">
+                    <a:schemeClr val="accent5">
+                      <a:alpha val="90000"/>
+                    </a:schemeClr>
+                  </a:glow>
+                </a:effectLst>
+                <a:latin typeface="HG正楷書体-PRO" panose="03000600000000000000" pitchFamily="66" charset="-128"/>
+                <a:ea typeface="HG正楷書体-PRO" panose="03000600000000000000" pitchFamily="66" charset="-128"/>
+              </a:rPr>
+              <a:t>影響</a:t>
+            </a:r>
+          </a:p>
+        </p:txBody>
+      </p:sp>
+      <p:sp>
+        <p:nvSpPr>
+          <p:cNvPr id="86" name="正方形/長方形 85">
+            <a:extLst>
+              <a:ext uri="{FF2B5EF4-FFF2-40B4-BE49-F238E27FC236}">
+                <a16:creationId xmlns:a16="http://schemas.microsoft.com/office/drawing/2014/main" id="{48EC11CC-C279-63A4-548F-64D68E7BA01B}"/>
+              </a:ext>
+            </a:extLst>
+          </p:cNvPr>
+          <p:cNvSpPr/>
+          <p:nvPr/>
+        </p:nvSpPr>
+        <p:spPr>
+          <a:xfrm>
+            <a:off x="2808680" y="5606361"/>
+            <a:ext cx="1814023" cy="248672"/>
+          </a:xfrm>
+          <a:prstGeom prst="rect">
+            <a:avLst/>
+          </a:prstGeom>
+          <a:solidFill>
+            <a:schemeClr val="tx1">
+              <a:lumMod val="95000"/>
+              <a:lumOff val="5000"/>
+            </a:schemeClr>
+          </a:solidFill>
+          <a:ln w="38100">
+            <a:solidFill>
+              <a:srgbClr val="7030A0"/>
+            </a:solidFill>
+          </a:ln>
+        </p:spPr>
+        <p:style>
+          <a:lnRef idx="2">
+            <a:schemeClr val="accent1">
+              <a:shade val="15000"/>
+            </a:schemeClr>
+          </a:lnRef>
+          <a:fillRef idx="1">
+            <a:schemeClr val="accent1"/>
+          </a:fillRef>
+          <a:effectRef idx="0">
+            <a:schemeClr val="accent1"/>
+          </a:effectRef>
+          <a:fontRef idx="minor">
+            <a:schemeClr val="lt1"/>
+          </a:fontRef>
+        </p:style>
+        <p:txBody>
+          <a:bodyPr rtlCol="0" anchor="ctr"/>
+          <a:lstStyle/>
+          <a:p>
+            <a:pPr algn="ctr"/>
+            <a:endParaRPr kumimoji="1" lang="ja-JP" altLang="en-US" dirty="0"/>
+          </a:p>
+        </p:txBody>
+      </p:sp>
+      <p:sp>
+        <p:nvSpPr>
+          <p:cNvPr id="87" name="正方形/長方形 86">
+            <a:extLst>
+              <a:ext uri="{FF2B5EF4-FFF2-40B4-BE49-F238E27FC236}">
+                <a16:creationId xmlns:a16="http://schemas.microsoft.com/office/drawing/2014/main" id="{BE3481DC-E98D-895B-961D-854D88B54B60}"/>
+              </a:ext>
+            </a:extLst>
+          </p:cNvPr>
+          <p:cNvSpPr/>
+          <p:nvPr/>
+        </p:nvSpPr>
+        <p:spPr>
+          <a:xfrm>
+            <a:off x="2808682" y="5621572"/>
+            <a:ext cx="1033606" cy="236866"/>
+          </a:xfrm>
+          <a:prstGeom prst="rect">
+            <a:avLst/>
+          </a:prstGeom>
+          <a:solidFill>
+            <a:schemeClr val="tx2">
+              <a:lumMod val="25000"/>
+              <a:lumOff val="75000"/>
+            </a:schemeClr>
+          </a:solidFill>
+          <a:ln w="38100">
+            <a:noFill/>
+          </a:ln>
+        </p:spPr>
+        <p:style>
+          <a:lnRef idx="2">
+            <a:schemeClr val="accent1">
+              <a:shade val="15000"/>
+            </a:schemeClr>
+          </a:lnRef>
+          <a:fillRef idx="1">
+            <a:schemeClr val="accent1"/>
+          </a:fillRef>
+          <a:effectRef idx="0">
+            <a:schemeClr val="accent1"/>
+          </a:effectRef>
+          <a:fontRef idx="minor">
+            <a:schemeClr val="lt1"/>
+          </a:fontRef>
+        </p:style>
+        <p:txBody>
+          <a:bodyPr rtlCol="0" anchor="ctr"/>
+          <a:lstStyle/>
+          <a:p>
+            <a:pPr algn="ctr"/>
+            <a:endParaRPr kumimoji="1" lang="ja-JP" altLang="en-US" dirty="0"/>
+          </a:p>
+        </p:txBody>
+      </p:sp>
+      <p:sp>
+        <p:nvSpPr>
+          <p:cNvPr id="88" name="矢印: 右 87">
+            <a:extLst>
+              <a:ext uri="{FF2B5EF4-FFF2-40B4-BE49-F238E27FC236}">
+                <a16:creationId xmlns:a16="http://schemas.microsoft.com/office/drawing/2014/main" id="{2631B905-D7CF-0EB8-A539-4EC40959DCB5}"/>
+              </a:ext>
+            </a:extLst>
+          </p:cNvPr>
+          <p:cNvSpPr/>
+          <p:nvPr/>
+        </p:nvSpPr>
+        <p:spPr>
+          <a:xfrm>
+            <a:off x="2817185" y="5641482"/>
+            <a:ext cx="1777726" cy="223442"/>
+          </a:xfrm>
+          <a:prstGeom prst="rightArrow">
+            <a:avLst/>
+          </a:prstGeom>
+          <a:gradFill flip="none" rotWithShape="1">
+            <a:gsLst>
+              <a:gs pos="42000">
+                <a:schemeClr val="tx1"/>
+              </a:gs>
+              <a:gs pos="100000">
+                <a:srgbClr val="0070C0"/>
+              </a:gs>
+            </a:gsLst>
+            <a:lin ang="0" scaled="1"/>
+            <a:tileRect/>
+          </a:gradFill>
+          <a:ln>
+            <a:solidFill>
+              <a:schemeClr val="bg1"/>
+            </a:solidFill>
+          </a:ln>
+        </p:spPr>
+        <p:style>
+          <a:lnRef idx="2">
+            <a:schemeClr val="accent1">
+              <a:shade val="15000"/>
+            </a:schemeClr>
+          </a:lnRef>
+          <a:fillRef idx="1">
+            <a:schemeClr val="accent1"/>
+          </a:fillRef>
+          <a:effectRef idx="0">
+            <a:schemeClr val="accent1"/>
+          </a:effectRef>
+          <a:fontRef idx="minor">
+            <a:schemeClr val="lt1"/>
+          </a:fontRef>
+        </p:style>
+        <p:txBody>
+          <a:bodyPr rtlCol="0" anchor="ctr"/>
+          <a:lstStyle/>
+          <a:p>
+            <a:pPr algn="ctr"/>
+            <a:endParaRPr kumimoji="1" lang="ja-JP" altLang="en-US"/>
+          </a:p>
+        </p:txBody>
+      </p:sp>
+      <p:sp>
+        <p:nvSpPr>
+          <p:cNvPr id="76" name="正方形/長方形 75">
+            <a:extLst>
+              <a:ext uri="{FF2B5EF4-FFF2-40B4-BE49-F238E27FC236}">
+                <a16:creationId xmlns:a16="http://schemas.microsoft.com/office/drawing/2014/main" id="{70B444E8-73D2-50CD-1BAB-FF96DFF5FB41}"/>
+              </a:ext>
+            </a:extLst>
+          </p:cNvPr>
+          <p:cNvSpPr/>
+          <p:nvPr/>
+        </p:nvSpPr>
+        <p:spPr>
+          <a:xfrm>
+            <a:off x="2849" y="4440426"/>
+            <a:ext cx="1814023" cy="248672"/>
+          </a:xfrm>
+          <a:prstGeom prst="rect">
+            <a:avLst/>
+          </a:prstGeom>
+          <a:solidFill>
+            <a:schemeClr val="tx1">
+              <a:lumMod val="95000"/>
+              <a:lumOff val="5000"/>
+            </a:schemeClr>
+          </a:solidFill>
+          <a:ln w="38100">
+            <a:solidFill>
+              <a:srgbClr val="7030A0"/>
+            </a:solidFill>
+          </a:ln>
+        </p:spPr>
+        <p:style>
+          <a:lnRef idx="2">
+            <a:schemeClr val="accent1">
+              <a:shade val="15000"/>
+            </a:schemeClr>
+          </a:lnRef>
+          <a:fillRef idx="1">
+            <a:schemeClr val="accent1"/>
+          </a:fillRef>
+          <a:effectRef idx="0">
+            <a:schemeClr val="accent1"/>
+          </a:effectRef>
+          <a:fontRef idx="minor">
+            <a:schemeClr val="lt1"/>
+          </a:fontRef>
+        </p:style>
+        <p:txBody>
+          <a:bodyPr rtlCol="0" anchor="ctr"/>
+          <a:lstStyle/>
+          <a:p>
+            <a:pPr algn="ctr"/>
+            <a:endParaRPr kumimoji="1" lang="ja-JP" altLang="en-US" dirty="0"/>
+          </a:p>
+        </p:txBody>
+      </p:sp>
+      <p:sp>
+        <p:nvSpPr>
+          <p:cNvPr id="77" name="正方形/長方形 76">
+            <a:extLst>
+              <a:ext uri="{FF2B5EF4-FFF2-40B4-BE49-F238E27FC236}">
+                <a16:creationId xmlns:a16="http://schemas.microsoft.com/office/drawing/2014/main" id="{02B30B2E-BD5C-E3AE-A2CB-C0A92BA01B1A}"/>
+              </a:ext>
+            </a:extLst>
+          </p:cNvPr>
+          <p:cNvSpPr/>
+          <p:nvPr/>
+        </p:nvSpPr>
+        <p:spPr>
+          <a:xfrm>
+            <a:off x="2851" y="4455637"/>
+            <a:ext cx="1033606" cy="236866"/>
+          </a:xfrm>
+          <a:prstGeom prst="rect">
+            <a:avLst/>
+          </a:prstGeom>
+          <a:solidFill>
+            <a:srgbClr val="FFFF00"/>
+          </a:solidFill>
+          <a:ln w="38100">
+            <a:noFill/>
+          </a:ln>
+        </p:spPr>
+        <p:style>
+          <a:lnRef idx="2">
+            <a:schemeClr val="accent1">
+              <a:shade val="15000"/>
+            </a:schemeClr>
+          </a:lnRef>
+          <a:fillRef idx="1">
+            <a:schemeClr val="accent1"/>
+          </a:fillRef>
+          <a:effectRef idx="0">
+            <a:schemeClr val="accent1"/>
+          </a:effectRef>
+          <a:fontRef idx="minor">
+            <a:schemeClr val="lt1"/>
+          </a:fontRef>
+        </p:style>
+        <p:txBody>
+          <a:bodyPr rtlCol="0" anchor="ctr"/>
+          <a:lstStyle/>
+          <a:p>
+            <a:pPr algn="ctr"/>
+            <a:endParaRPr kumimoji="1" lang="ja-JP" altLang="en-US" dirty="0"/>
+          </a:p>
+        </p:txBody>
+      </p:sp>
+      <p:sp>
+        <p:nvSpPr>
+          <p:cNvPr id="80" name="矢印: 右 79">
+            <a:extLst>
+              <a:ext uri="{FF2B5EF4-FFF2-40B4-BE49-F238E27FC236}">
+                <a16:creationId xmlns:a16="http://schemas.microsoft.com/office/drawing/2014/main" id="{88A595C9-6B4C-347C-4418-C904D66BE81A}"/>
+              </a:ext>
+            </a:extLst>
+          </p:cNvPr>
+          <p:cNvSpPr/>
+          <p:nvPr/>
+        </p:nvSpPr>
+        <p:spPr>
+          <a:xfrm>
+            <a:off x="11354" y="4475547"/>
+            <a:ext cx="1777726" cy="223442"/>
+          </a:xfrm>
+          <a:prstGeom prst="rightArrow">
+            <a:avLst/>
+          </a:prstGeom>
+          <a:gradFill flip="none" rotWithShape="1">
+            <a:gsLst>
+              <a:gs pos="42000">
+                <a:schemeClr val="tx1"/>
+              </a:gs>
+              <a:gs pos="100000">
+                <a:srgbClr val="FFC000"/>
+              </a:gs>
+            </a:gsLst>
+            <a:lin ang="0" scaled="1"/>
+            <a:tileRect/>
+          </a:gradFill>
+          <a:ln>
+            <a:solidFill>
+              <a:schemeClr val="bg1"/>
+            </a:solidFill>
+          </a:ln>
+        </p:spPr>
+        <p:style>
+          <a:lnRef idx="2">
+            <a:schemeClr val="accent1">
+              <a:shade val="15000"/>
+            </a:schemeClr>
+          </a:lnRef>
+          <a:fillRef idx="1">
+            <a:schemeClr val="accent1"/>
+          </a:fillRef>
+          <a:effectRef idx="0">
+            <a:schemeClr val="accent1"/>
+          </a:effectRef>
+          <a:fontRef idx="minor">
+            <a:schemeClr val="lt1"/>
+          </a:fontRef>
+        </p:style>
+        <p:txBody>
+          <a:bodyPr rtlCol="0" anchor="ctr"/>
+          <a:lstStyle/>
+          <a:p>
+            <a:pPr algn="ctr"/>
+            <a:endParaRPr kumimoji="1" lang="ja-JP" altLang="en-US"/>
+          </a:p>
+        </p:txBody>
+      </p:sp>
+      <p:sp>
+        <p:nvSpPr>
+          <p:cNvPr id="89" name="テキスト ボックス 88">
+            <a:extLst>
+              <a:ext uri="{FF2B5EF4-FFF2-40B4-BE49-F238E27FC236}">
+                <a16:creationId xmlns:a16="http://schemas.microsoft.com/office/drawing/2014/main" id="{0F7BF366-94E0-A0CD-05F0-E81876782712}"/>
+              </a:ext>
+            </a:extLst>
+          </p:cNvPr>
+          <p:cNvSpPr txBox="1"/>
+          <p:nvPr/>
+        </p:nvSpPr>
+        <p:spPr>
+          <a:xfrm>
+            <a:off x="2168174" y="5610712"/>
+            <a:ext cx="706484" cy="646331"/>
+          </a:xfrm>
+          <a:prstGeom prst="rect">
+            <a:avLst/>
+          </a:prstGeom>
+          <a:noFill/>
+        </p:spPr>
+        <p:txBody>
+          <a:bodyPr wrap="square" rtlCol="0">
+            <a:spAutoFit/>
+          </a:bodyPr>
+          <a:lstStyle/>
+          <a:p>
+            <a:r>
+              <a:rPr kumimoji="1" lang="ja-JP" altLang="en-US" sz="3600" dirty="0">
+                <a:solidFill>
+                  <a:schemeClr val="bg1"/>
+                </a:solidFill>
+                <a:effectLst>
+                  <a:glow rad="76200">
+                    <a:schemeClr val="accent5">
+                      <a:alpha val="90000"/>
+                    </a:schemeClr>
+                  </a:glow>
+                </a:effectLst>
+                <a:latin typeface="HG正楷書体-PRO" panose="03000600000000000000" pitchFamily="66" charset="-128"/>
+                <a:ea typeface="HG正楷書体-PRO" panose="03000600000000000000" pitchFamily="66" charset="-128"/>
+              </a:rPr>
+              <a:t>＆</a:t>
+            </a:r>
+          </a:p>
+        </p:txBody>
+      </p:sp>
+      <p:sp>
+        <p:nvSpPr>
+          <p:cNvPr id="90" name="テキスト ボックス 89">
+            <a:extLst>
+              <a:ext uri="{FF2B5EF4-FFF2-40B4-BE49-F238E27FC236}">
+                <a16:creationId xmlns:a16="http://schemas.microsoft.com/office/drawing/2014/main" id="{A3451AEE-716B-C5A2-315A-6CD2F3D5D4A2}"/>
+              </a:ext>
+            </a:extLst>
+          </p:cNvPr>
+          <p:cNvSpPr txBox="1"/>
+          <p:nvPr/>
+        </p:nvSpPr>
+        <p:spPr>
+          <a:xfrm>
+            <a:off x="12330798" y="2336122"/>
+            <a:ext cx="2807110" cy="923330"/>
+          </a:xfrm>
+          <a:prstGeom prst="rect">
+            <a:avLst/>
+          </a:prstGeom>
+          <a:noFill/>
+        </p:spPr>
+        <p:txBody>
+          <a:bodyPr wrap="square" rtlCol="0">
+            <a:spAutoFit/>
+          </a:bodyPr>
+          <a:lstStyle/>
+          <a:p>
+            <a:r>
+              <a:rPr lang="ja-JP" altLang="en-US" dirty="0"/>
+              <a:t>分身の有効活用</a:t>
+            </a:r>
+            <a:endParaRPr lang="en-US" altLang="ja-JP" dirty="0"/>
+          </a:p>
+          <a:p>
+            <a:r>
+              <a:rPr kumimoji="1" lang="en-US" altLang="ja-JP" dirty="0"/>
+              <a:t>(</a:t>
+            </a:r>
+            <a:r>
+              <a:rPr kumimoji="1" lang="ja-JP" altLang="en-US" dirty="0"/>
+              <a:t>敵の攻撃の面、士気の倍率など</a:t>
+            </a:r>
+            <a:r>
+              <a:rPr kumimoji="1" lang="en-US" altLang="ja-JP" dirty="0"/>
+              <a:t>)</a:t>
+            </a:r>
+            <a:endParaRPr kumimoji="1" lang="ja-JP" altLang="en-US" dirty="0"/>
+          </a:p>
+        </p:txBody>
+      </p:sp>
+      <p:sp>
+        <p:nvSpPr>
+          <p:cNvPr id="91" name="テキスト ボックス 90">
+            <a:extLst>
+              <a:ext uri="{FF2B5EF4-FFF2-40B4-BE49-F238E27FC236}">
+                <a16:creationId xmlns:a16="http://schemas.microsoft.com/office/drawing/2014/main" id="{BAB463EF-A1DB-2EE3-3F7A-D56C8D8DC1AC}"/>
+              </a:ext>
+            </a:extLst>
+          </p:cNvPr>
+          <p:cNvSpPr txBox="1"/>
+          <p:nvPr/>
+        </p:nvSpPr>
+        <p:spPr>
+          <a:xfrm>
+            <a:off x="7425380" y="3102700"/>
+            <a:ext cx="3431786" cy="1200329"/>
+          </a:xfrm>
+          <a:prstGeom prst="rect">
+            <a:avLst/>
+          </a:prstGeom>
+          <a:noFill/>
+        </p:spPr>
+        <p:txBody>
+          <a:bodyPr wrap="square" rtlCol="0">
+            <a:spAutoFit/>
+          </a:bodyPr>
+          <a:lstStyle/>
+          <a:p>
+            <a:r>
+              <a:rPr kumimoji="1" lang="ja-JP" altLang="en-US" sz="3600" dirty="0">
+                <a:effectLst>
+                  <a:glow rad="76200">
+                    <a:schemeClr val="accent6">
+                      <a:alpha val="90000"/>
+                    </a:schemeClr>
+                  </a:glow>
+                </a:effectLst>
+                <a:latin typeface="HG正楷書体-PRO" panose="03000600000000000000" pitchFamily="66" charset="-128"/>
+                <a:ea typeface="HG正楷書体-PRO" panose="03000600000000000000" pitchFamily="66" charset="-128"/>
+              </a:rPr>
+              <a:t>複数のボタン</a:t>
+            </a:r>
+            <a:r>
+              <a:rPr kumimoji="1" lang="ja-JP" altLang="en-US" sz="3600" dirty="0">
+                <a:solidFill>
+                  <a:schemeClr val="bg1"/>
+                </a:solidFill>
+                <a:effectLst>
+                  <a:glow rad="76200">
+                    <a:schemeClr val="accent6">
+                      <a:alpha val="90000"/>
+                    </a:schemeClr>
+                  </a:glow>
+                </a:effectLst>
+                <a:latin typeface="HG正楷書体-PRO" panose="03000600000000000000" pitchFamily="66" charset="-128"/>
+                <a:ea typeface="HG正楷書体-PRO" panose="03000600000000000000" pitchFamily="66" charset="-128"/>
+              </a:rPr>
+              <a:t>を押したり</a:t>
+            </a:r>
+          </a:p>
+        </p:txBody>
+      </p:sp>
+      <p:sp>
+        <p:nvSpPr>
+          <p:cNvPr id="92" name="テキスト ボックス 91">
+            <a:extLst>
+              <a:ext uri="{FF2B5EF4-FFF2-40B4-BE49-F238E27FC236}">
+                <a16:creationId xmlns:a16="http://schemas.microsoft.com/office/drawing/2014/main" id="{EF4C3C91-D878-2508-86F9-11F092EC2364}"/>
+              </a:ext>
+            </a:extLst>
+          </p:cNvPr>
+          <p:cNvSpPr txBox="1"/>
+          <p:nvPr/>
+        </p:nvSpPr>
+        <p:spPr>
+          <a:xfrm>
+            <a:off x="8881312" y="1720302"/>
+            <a:ext cx="3431786" cy="646331"/>
+          </a:xfrm>
+          <a:prstGeom prst="rect">
+            <a:avLst/>
+          </a:prstGeom>
+          <a:noFill/>
+        </p:spPr>
+        <p:txBody>
+          <a:bodyPr wrap="square" rtlCol="0">
+            <a:spAutoFit/>
+          </a:bodyPr>
+          <a:lstStyle/>
+          <a:p>
+            <a:r>
+              <a:rPr lang="ja-JP" altLang="en-US" sz="3600" dirty="0">
+                <a:effectLst>
+                  <a:glow rad="76200">
+                    <a:schemeClr val="accent6">
+                      <a:alpha val="90000"/>
+                    </a:schemeClr>
+                  </a:glow>
+                </a:effectLst>
+                <a:latin typeface="HG正楷書体-PRO" panose="03000600000000000000" pitchFamily="66" charset="-128"/>
+                <a:ea typeface="HG正楷書体-PRO" panose="03000600000000000000" pitchFamily="66" charset="-128"/>
+              </a:rPr>
+              <a:t>士気</a:t>
+            </a:r>
+            <a:r>
+              <a:rPr lang="ja-JP" altLang="en-US" sz="3600" dirty="0">
+                <a:solidFill>
+                  <a:schemeClr val="bg1"/>
+                </a:solidFill>
+                <a:effectLst>
+                  <a:glow rad="76200">
+                    <a:schemeClr val="accent6">
+                      <a:alpha val="90000"/>
+                    </a:schemeClr>
+                  </a:glow>
+                </a:effectLst>
+                <a:latin typeface="HG正楷書体-PRO" panose="03000600000000000000" pitchFamily="66" charset="-128"/>
+                <a:ea typeface="HG正楷書体-PRO" panose="03000600000000000000" pitchFamily="66" charset="-128"/>
+              </a:rPr>
+              <a:t>を上げたり</a:t>
+            </a:r>
+            <a:endParaRPr kumimoji="1" lang="ja-JP" altLang="en-US" sz="3600" dirty="0">
+              <a:solidFill>
+                <a:schemeClr val="bg1"/>
+              </a:solidFill>
+              <a:effectLst>
+                <a:glow rad="76200">
+                  <a:schemeClr val="accent6">
+                    <a:alpha val="90000"/>
+                  </a:schemeClr>
+                </a:glow>
+              </a:effectLst>
+              <a:latin typeface="HG正楷書体-PRO" panose="03000600000000000000" pitchFamily="66" charset="-128"/>
+              <a:ea typeface="HG正楷書体-PRO" panose="03000600000000000000" pitchFamily="66" charset="-128"/>
             </a:endParaRPr>
           </a:p>
         </p:txBody>
@@ -3898,7 +6867,7 @@
     </p:spTree>
     <p:extLst>
       <p:ext uri="{BB962C8B-B14F-4D97-AF65-F5344CB8AC3E}">
-        <p14:creationId xmlns:p14="http://schemas.microsoft.com/office/powerpoint/2010/main" val="1127596147"/>
+        <p14:creationId xmlns:p14="http://schemas.microsoft.com/office/powerpoint/2010/main" val="3144047373"/>
       </p:ext>
     </p:extLst>
   </p:cSld>
@@ -3927,107 +6896,6 @@
       </p:grpSpPr>
       <p:sp>
         <p:nvSpPr>
-          <p:cNvPr id="29" name="正方形/長方形 28">
-            <a:extLst>
-              <a:ext uri="{FF2B5EF4-FFF2-40B4-BE49-F238E27FC236}">
-                <a16:creationId xmlns:a16="http://schemas.microsoft.com/office/drawing/2014/main" id="{948A28BF-436F-D3C1-909A-77F12AFCF5C1}"/>
-              </a:ext>
-            </a:extLst>
-          </p:cNvPr>
-          <p:cNvSpPr/>
-          <p:nvPr/>
-        </p:nvSpPr>
-        <p:spPr>
-          <a:xfrm>
-            <a:off x="4068595" y="3928040"/>
-            <a:ext cx="874990" cy="2929960"/>
-          </a:xfrm>
-          <a:prstGeom prst="rect">
-            <a:avLst/>
-          </a:prstGeom>
-          <a:solidFill>
-            <a:schemeClr val="tx1">
-              <a:lumMod val="95000"/>
-              <a:lumOff val="5000"/>
-            </a:schemeClr>
-          </a:solidFill>
-          <a:ln w="38100">
-            <a:solidFill>
-              <a:schemeClr val="bg1"/>
-            </a:solidFill>
-          </a:ln>
-        </p:spPr>
-        <p:style>
-          <a:lnRef idx="2">
-            <a:schemeClr val="accent1">
-              <a:shade val="15000"/>
-            </a:schemeClr>
-          </a:lnRef>
-          <a:fillRef idx="1">
-            <a:schemeClr val="accent1"/>
-          </a:fillRef>
-          <a:effectRef idx="0">
-            <a:schemeClr val="accent1"/>
-          </a:effectRef>
-          <a:fontRef idx="minor">
-            <a:schemeClr val="lt1"/>
-          </a:fontRef>
-        </p:style>
-        <p:txBody>
-          <a:bodyPr rtlCol="0" anchor="ctr"/>
-          <a:lstStyle/>
-          <a:p>
-            <a:pPr algn="ctr"/>
-            <a:endParaRPr kumimoji="1" lang="ja-JP" altLang="en-US"/>
-          </a:p>
-        </p:txBody>
-      </p:sp>
-      <p:pic>
-        <p:nvPicPr>
-          <p:cNvPr id="13" name="図 12" descr="図形&#10;&#10;低い精度で自動的に生成された説明">
-            <a:extLst>
-              <a:ext uri="{FF2B5EF4-FFF2-40B4-BE49-F238E27FC236}">
-                <a16:creationId xmlns:a16="http://schemas.microsoft.com/office/drawing/2014/main" id="{27CC6D27-2C05-4328-7E73-ABC9FE1C1EAD}"/>
-              </a:ext>
-            </a:extLst>
-          </p:cNvPr>
-          <p:cNvPicPr>
-            <a:picLocks noChangeAspect="1"/>
-          </p:cNvPicPr>
-          <p:nvPr/>
-        </p:nvPicPr>
-        <p:blipFill>
-          <a:blip r:embed="rId2">
-            <a:extLst>
-              <a:ext uri="{28A0092B-C50C-407E-A947-70E740481C1C}">
-                <a14:useLocalDpi xmlns:a14="http://schemas.microsoft.com/office/drawing/2010/main" val="0"/>
-              </a:ext>
-            </a:extLst>
-          </a:blip>
-          <a:stretch>
-            <a:fillRect/>
-          </a:stretch>
-        </p:blipFill>
-        <p:spPr>
-          <a:xfrm>
-            <a:off x="977576" y="2204856"/>
-            <a:ext cx="1946152" cy="1946152"/>
-          </a:xfrm>
-          <a:prstGeom prst="rect">
-            <a:avLst/>
-          </a:prstGeom>
-          <a:effectLst>
-            <a:glow rad="50800">
-              <a:schemeClr val="bg1">
-                <a:alpha val="40000"/>
-              </a:schemeClr>
-            </a:glow>
-            <a:softEdge rad="31750"/>
-          </a:effectLst>
-        </p:spPr>
-      </p:pic>
-      <p:sp>
-        <p:nvSpPr>
           <p:cNvPr id="4" name="テキスト ボックス 3">
             <a:extLst>
               <a:ext uri="{FF2B5EF4-FFF2-40B4-BE49-F238E27FC236}">
@@ -4079,7 +6947,7 @@
         </p:nvSpPr>
         <p:spPr>
           <a:xfrm>
-            <a:off x="14984362" y="2964270"/>
+            <a:off x="671050" y="2143335"/>
             <a:ext cx="2807110" cy="369332"/>
           </a:xfrm>
           <a:prstGeom prst="rect">
@@ -4094,10 +6962,18 @@
           <a:lstStyle/>
           <a:p>
             <a:r>
-              <a:rPr lang="ja-JP" altLang="en-US" dirty="0"/>
+              <a:rPr lang="ja-JP" altLang="en-US" dirty="0">
+                <a:solidFill>
+                  <a:schemeClr val="bg1"/>
+                </a:solidFill>
+              </a:rPr>
               <a:t>分身で高所に登る</a:t>
             </a:r>
-            <a:endParaRPr kumimoji="1" lang="ja-JP" altLang="en-US" dirty="0"/>
+            <a:endParaRPr kumimoji="1" lang="ja-JP" altLang="en-US" dirty="0">
+              <a:solidFill>
+                <a:schemeClr val="bg1"/>
+              </a:solidFill>
+            </a:endParaRPr>
           </a:p>
         </p:txBody>
       </p:sp>
@@ -4115,7 +6991,7 @@
         </p:nvSpPr>
         <p:spPr>
           <a:xfrm>
-            <a:off x="13148351" y="1058268"/>
+            <a:off x="8256639" y="587244"/>
             <a:ext cx="2182761" cy="369332"/>
           </a:xfrm>
           <a:prstGeom prst="rect">
@@ -4130,10 +7006,18 @@
           <a:lstStyle/>
           <a:p>
             <a:r>
-              <a:rPr lang="ja-JP" altLang="en-US" dirty="0"/>
+              <a:rPr lang="ja-JP" altLang="en-US" strike="sngStrike" dirty="0">
+                <a:solidFill>
+                  <a:schemeClr val="bg1"/>
+                </a:solidFill>
+              </a:rPr>
               <a:t>回数制限あり</a:t>
             </a:r>
-            <a:endParaRPr kumimoji="1" lang="ja-JP" altLang="en-US" dirty="0"/>
+            <a:endParaRPr kumimoji="1" lang="ja-JP" altLang="en-US" strike="sngStrike" dirty="0">
+              <a:solidFill>
+                <a:schemeClr val="bg1"/>
+              </a:solidFill>
+            </a:endParaRPr>
           </a:p>
         </p:txBody>
       </p:sp>
@@ -4151,7 +7035,7 @@
         </p:nvSpPr>
         <p:spPr>
           <a:xfrm>
-            <a:off x="13892982" y="3776493"/>
+            <a:off x="2421895" y="5869686"/>
             <a:ext cx="2182761" cy="369332"/>
           </a:xfrm>
           <a:prstGeom prst="rect">
@@ -4166,10 +7050,18 @@
           <a:lstStyle/>
           <a:p>
             <a:r>
-              <a:rPr lang="ja-JP" altLang="en-US" dirty="0"/>
+              <a:rPr lang="ja-JP" altLang="en-US" dirty="0">
+                <a:solidFill>
+                  <a:schemeClr val="bg1"/>
+                </a:solidFill>
+              </a:rPr>
               <a:t>使い方は無限大！</a:t>
             </a:r>
-            <a:endParaRPr kumimoji="1" lang="ja-JP" altLang="en-US" dirty="0"/>
+            <a:endParaRPr kumimoji="1" lang="ja-JP" altLang="en-US" dirty="0">
+              <a:solidFill>
+                <a:schemeClr val="bg1"/>
+              </a:solidFill>
+            </a:endParaRPr>
           </a:p>
         </p:txBody>
       </p:sp>
@@ -4187,7 +7079,7 @@
         </p:nvSpPr>
         <p:spPr>
           <a:xfrm>
-            <a:off x="13519358" y="4984850"/>
+            <a:off x="2183463" y="4144041"/>
             <a:ext cx="2659624" cy="369332"/>
           </a:xfrm>
           <a:prstGeom prst="rect">
@@ -4202,10 +7094,18 @@
           <a:lstStyle/>
           <a:p>
             <a:r>
-              <a:rPr lang="ja-JP" altLang="en-US" dirty="0"/>
+              <a:rPr lang="ja-JP" altLang="en-US" dirty="0">
+                <a:solidFill>
+                  <a:schemeClr val="bg1"/>
+                </a:solidFill>
+              </a:rPr>
               <a:t>敵引きつけの身代わり</a:t>
             </a:r>
-            <a:endParaRPr kumimoji="1" lang="ja-JP" altLang="en-US" dirty="0"/>
+            <a:endParaRPr kumimoji="1" lang="ja-JP" altLang="en-US" dirty="0">
+              <a:solidFill>
+                <a:schemeClr val="bg1"/>
+              </a:solidFill>
+            </a:endParaRPr>
           </a:p>
         </p:txBody>
       </p:sp>
@@ -4223,7 +7123,7 @@
         </p:nvSpPr>
         <p:spPr>
           <a:xfrm>
-            <a:off x="12944170" y="6294620"/>
+            <a:off x="7860891" y="5685020"/>
             <a:ext cx="2816941" cy="369332"/>
           </a:xfrm>
           <a:prstGeom prst="rect">
@@ -4238,7 +7138,11 @@
           <a:lstStyle/>
           <a:p>
             <a:r>
-              <a:rPr kumimoji="1" lang="ja-JP" altLang="en-US" dirty="0"/>
+              <a:rPr kumimoji="1" lang="ja-JP" altLang="en-US" dirty="0">
+                <a:solidFill>
+                  <a:schemeClr val="bg1"/>
+                </a:solidFill>
+              </a:rPr>
               <a:t>ゴールに向かうゲーム</a:t>
             </a:r>
           </a:p>
@@ -4246,10 +7150,10 @@
       </p:sp>
       <p:sp>
         <p:nvSpPr>
-          <p:cNvPr id="2" name="テキスト ボックス 1">
-            <a:extLst>
-              <a:ext uri="{FF2B5EF4-FFF2-40B4-BE49-F238E27FC236}">
-                <a16:creationId xmlns:a16="http://schemas.microsoft.com/office/drawing/2014/main" id="{F3CE1E54-E2F1-2723-2ED3-6E45B82AA80F}"/>
+          <p:cNvPr id="12" name="テキスト ボックス 11">
+            <a:extLst>
+              <a:ext uri="{FF2B5EF4-FFF2-40B4-BE49-F238E27FC236}">
+                <a16:creationId xmlns:a16="http://schemas.microsoft.com/office/drawing/2014/main" id="{A64B9492-81C7-5EE6-7863-CF069E9A9F76}"/>
               </a:ext>
             </a:extLst>
           </p:cNvPr>
@@ -4258,7 +7162,7 @@
         </p:nvSpPr>
         <p:spPr>
           <a:xfrm>
-            <a:off x="560545" y="1867991"/>
+            <a:off x="3913239" y="771910"/>
             <a:ext cx="2182761" cy="369332"/>
           </a:xfrm>
           <a:prstGeom prst="rect">
@@ -4278,7 +7182,7 @@
                   <a:schemeClr val="bg1"/>
                 </a:solidFill>
               </a:rPr>
-              <a:t>使うのは分身のみ</a:t>
+              <a:t>舞台は城</a:t>
             </a:r>
             <a:endParaRPr kumimoji="1" lang="ja-JP" altLang="en-US" dirty="0">
               <a:solidFill>
@@ -4290,10 +7194,10 @@
       </p:sp>
       <p:sp>
         <p:nvSpPr>
-          <p:cNvPr id="3" name="テキスト ボックス 2">
-            <a:extLst>
-              <a:ext uri="{FF2B5EF4-FFF2-40B4-BE49-F238E27FC236}">
-                <a16:creationId xmlns:a16="http://schemas.microsoft.com/office/drawing/2014/main" id="{FC76E2D1-C779-C958-EF2A-F2182028572D}"/>
+          <p:cNvPr id="2" name="テキスト ボックス 1">
+            <a:extLst>
+              <a:ext uri="{FF2B5EF4-FFF2-40B4-BE49-F238E27FC236}">
+                <a16:creationId xmlns:a16="http://schemas.microsoft.com/office/drawing/2014/main" id="{1CD37D8A-E2A9-381E-C919-AEC10207192E}"/>
               </a:ext>
             </a:extLst>
           </p:cNvPr>
@@ -4302,8 +7206,8 @@
         </p:nvSpPr>
         <p:spPr>
           <a:xfrm>
-            <a:off x="12563170" y="1688484"/>
-            <a:ext cx="2182761" cy="369332"/>
+            <a:off x="6831313" y="1280175"/>
+            <a:ext cx="4424515" cy="369332"/>
           </a:xfrm>
           <a:prstGeom prst="rect">
             <a:avLst/>
@@ -4317,114 +7221,53 @@
           <a:lstStyle/>
           <a:p>
             <a:r>
-              <a:rPr lang="ja-JP" altLang="en-US" dirty="0"/>
-              <a:t>舞台は城</a:t>
-            </a:r>
-            <a:endParaRPr kumimoji="1" lang="ja-JP" altLang="en-US" dirty="0"/>
-          </a:p>
-        </p:txBody>
-      </p:sp>
-      <p:pic>
-        <p:nvPicPr>
-          <p:cNvPr id="12" name="図 11" descr="図形&#10;&#10;低い精度で自動的に生成された説明">
-            <a:extLst>
-              <a:ext uri="{FF2B5EF4-FFF2-40B4-BE49-F238E27FC236}">
-                <a16:creationId xmlns:a16="http://schemas.microsoft.com/office/drawing/2014/main" id="{763F487A-C9D5-5F96-7CA6-10EAD208DD84}"/>
-              </a:ext>
-            </a:extLst>
-          </p:cNvPr>
-          <p:cNvPicPr>
-            <a:picLocks noChangeAspect="1"/>
-          </p:cNvPicPr>
+              <a:rPr lang="ja-JP" altLang="en-US" dirty="0">
+                <a:solidFill>
+                  <a:schemeClr val="bg1"/>
+                </a:solidFill>
+              </a:rPr>
+              <a:t>スタイリッシュ </a:t>
+            </a:r>
+            <a:r>
+              <a:rPr lang="en-US" altLang="ja-JP" dirty="0">
+                <a:solidFill>
+                  <a:schemeClr val="bg1"/>
+                </a:solidFill>
+              </a:rPr>
+              <a:t>or </a:t>
+            </a:r>
+            <a:r>
+              <a:rPr lang="ja-JP" altLang="en-US" dirty="0">
+                <a:solidFill>
+                  <a:schemeClr val="bg1"/>
+                </a:solidFill>
+              </a:rPr>
+              <a:t>隠密が分身の数に影響</a:t>
+            </a:r>
+            <a:endParaRPr kumimoji="1" lang="ja-JP" altLang="en-US" dirty="0">
+              <a:solidFill>
+                <a:schemeClr val="bg1"/>
+              </a:solidFill>
+            </a:endParaRPr>
+          </a:p>
+        </p:txBody>
+      </p:sp>
+      <p:sp>
+        <p:nvSpPr>
+          <p:cNvPr id="3" name="テキスト ボックス 2">
+            <a:extLst>
+              <a:ext uri="{FF2B5EF4-FFF2-40B4-BE49-F238E27FC236}">
+                <a16:creationId xmlns:a16="http://schemas.microsoft.com/office/drawing/2014/main" id="{AC8AEEAC-9A89-1714-DDC4-298DB5E53C66}"/>
+              </a:ext>
+            </a:extLst>
+          </p:cNvPr>
+          <p:cNvSpPr txBox="1"/>
           <p:nvPr/>
-        </p:nvPicPr>
-        <p:blipFill>
-          <a:blip r:embed="rId2">
-            <a:extLst>
-              <a:ext uri="{28A0092B-C50C-407E-A947-70E740481C1C}">
-                <a14:useLocalDpi xmlns:a14="http://schemas.microsoft.com/office/drawing/2010/main" val="0"/>
-              </a:ext>
-            </a:extLst>
-          </a:blip>
-          <a:stretch>
-            <a:fillRect/>
-          </a:stretch>
-        </p:blipFill>
+        </p:nvSpPr>
         <p:spPr>
           <a:xfrm>
-            <a:off x="387955" y="2210905"/>
-            <a:ext cx="1946152" cy="1946152"/>
-          </a:xfrm>
-          <a:prstGeom prst="rect">
-            <a:avLst/>
-          </a:prstGeom>
-          <a:effectLst>
-            <a:glow rad="50800">
-              <a:schemeClr val="bg1">
-                <a:alpha val="40000"/>
-              </a:schemeClr>
-            </a:glow>
-            <a:softEdge rad="31750"/>
-          </a:effectLst>
-        </p:spPr>
-      </p:pic>
-      <p:pic>
-        <p:nvPicPr>
-          <p:cNvPr id="7" name="図 6" descr="図形&#10;&#10;低い精度で自動的に生成された説明">
-            <a:extLst>
-              <a:ext uri="{FF2B5EF4-FFF2-40B4-BE49-F238E27FC236}">
-                <a16:creationId xmlns:a16="http://schemas.microsoft.com/office/drawing/2014/main" id="{2B16330F-0B39-8F13-C9FE-750F3FED207F}"/>
-              </a:ext>
-            </a:extLst>
-          </p:cNvPr>
-          <p:cNvPicPr>
-            <a:picLocks noChangeAspect="1"/>
-          </p:cNvPicPr>
-          <p:nvPr/>
-        </p:nvPicPr>
-        <p:blipFill>
-          <a:blip r:embed="rId2">
-            <a:extLst>
-              <a:ext uri="{28A0092B-C50C-407E-A947-70E740481C1C}">
-                <a14:useLocalDpi xmlns:a14="http://schemas.microsoft.com/office/drawing/2010/main" val="0"/>
-              </a:ext>
-            </a:extLst>
-          </a:blip>
-          <a:stretch>
-            <a:fillRect/>
-          </a:stretch>
-        </p:blipFill>
-        <p:spPr>
-          <a:xfrm>
-            <a:off x="-232482" y="2237323"/>
-            <a:ext cx="1946152" cy="1946152"/>
-          </a:xfrm>
-          <a:prstGeom prst="rect">
-            <a:avLst/>
-          </a:prstGeom>
-          <a:effectLst>
-            <a:glow rad="50800">
-              <a:schemeClr val="bg1"/>
-            </a:glow>
-          </a:effectLst>
-        </p:spPr>
-      </p:pic>
-      <p:sp>
-        <p:nvSpPr>
-          <p:cNvPr id="17" name="テキスト ボックス 16">
-            <a:extLst>
-              <a:ext uri="{FF2B5EF4-FFF2-40B4-BE49-F238E27FC236}">
-                <a16:creationId xmlns:a16="http://schemas.microsoft.com/office/drawing/2014/main" id="{55AAD83C-48C1-F2E6-A087-603962F4A495}"/>
-              </a:ext>
-            </a:extLst>
-          </p:cNvPr>
-          <p:cNvSpPr txBox="1"/>
-          <p:nvPr/>
-        </p:nvSpPr>
-        <p:spPr>
-          <a:xfrm>
-            <a:off x="738505" y="921997"/>
-            <a:ext cx="5527697" cy="923330"/>
+            <a:off x="7953244" y="1858471"/>
+            <a:ext cx="4424515" cy="369332"/>
           </a:xfrm>
           <a:prstGeom prst="rect">
             <a:avLst/>
@@ -4438,429 +7281,22 @@
           <a:lstStyle/>
           <a:p>
             <a:r>
-              <a:rPr lang="ja-JP" altLang="en-US" sz="5400" dirty="0">
+              <a:rPr kumimoji="1" lang="ja-JP" altLang="en-US" dirty="0">
                 <a:solidFill>
                   <a:schemeClr val="bg1"/>
                 </a:solidFill>
               </a:rPr>
-              <a:t>キャッチコピー</a:t>
-            </a:r>
-            <a:endParaRPr kumimoji="1" lang="ja-JP" altLang="en-US" sz="5400" dirty="0">
-              <a:solidFill>
-                <a:schemeClr val="bg1"/>
-              </a:solidFill>
-            </a:endParaRPr>
-          </a:p>
-        </p:txBody>
-      </p:sp>
-      <p:pic>
-        <p:nvPicPr>
-          <p:cNvPr id="20" name="図 19" descr="図形&#10;&#10;低い精度で自動的に生成された説明">
-            <a:extLst>
-              <a:ext uri="{FF2B5EF4-FFF2-40B4-BE49-F238E27FC236}">
-                <a16:creationId xmlns:a16="http://schemas.microsoft.com/office/drawing/2014/main" id="{EE6082B2-9BA4-6DFF-C8A9-76CBFA5D700E}"/>
-              </a:ext>
-            </a:extLst>
-          </p:cNvPr>
-          <p:cNvPicPr>
-            <a:picLocks noChangeAspect="1"/>
-          </p:cNvPicPr>
-          <p:nvPr/>
-        </p:nvPicPr>
-        <p:blipFill>
-          <a:blip r:embed="rId2">
-            <a:extLst>
-              <a:ext uri="{28A0092B-C50C-407E-A947-70E740481C1C}">
-                <a14:useLocalDpi xmlns:a14="http://schemas.microsoft.com/office/drawing/2010/main" val="0"/>
-              </a:ext>
-            </a:extLst>
-          </a:blip>
-          <a:stretch>
-            <a:fillRect/>
-          </a:stretch>
-        </p:blipFill>
-        <p:spPr>
-          <a:xfrm rot="2779800">
-            <a:off x="1186333" y="5706330"/>
-            <a:ext cx="1038504" cy="1038504"/>
-          </a:xfrm>
-          <a:prstGeom prst="rect">
-            <a:avLst/>
-          </a:prstGeom>
-          <a:effectLst>
-            <a:glow rad="50800">
-              <a:schemeClr val="bg1">
-                <a:alpha val="40000"/>
-              </a:schemeClr>
-            </a:glow>
-            <a:softEdge rad="31750"/>
-          </a:effectLst>
-        </p:spPr>
-      </p:pic>
-      <p:pic>
-        <p:nvPicPr>
-          <p:cNvPr id="21" name="図 20" descr="図形&#10;&#10;低い精度で自動的に生成された説明">
-            <a:extLst>
-              <a:ext uri="{FF2B5EF4-FFF2-40B4-BE49-F238E27FC236}">
-                <a16:creationId xmlns:a16="http://schemas.microsoft.com/office/drawing/2014/main" id="{B5D247B4-B62A-57A8-58AC-0C0E37084C74}"/>
-              </a:ext>
-            </a:extLst>
-          </p:cNvPr>
-          <p:cNvPicPr>
-            <a:picLocks noChangeAspect="1"/>
-          </p:cNvPicPr>
-          <p:nvPr/>
-        </p:nvPicPr>
-        <p:blipFill>
-          <a:blip r:embed="rId2">
-            <a:extLst>
-              <a:ext uri="{28A0092B-C50C-407E-A947-70E740481C1C}">
-                <a14:useLocalDpi xmlns:a14="http://schemas.microsoft.com/office/drawing/2010/main" val="0"/>
-              </a:ext>
-            </a:extLst>
-          </a:blip>
-          <a:stretch>
-            <a:fillRect/>
-          </a:stretch>
-        </p:blipFill>
-        <p:spPr>
-          <a:xfrm rot="2779800">
-            <a:off x="1570871" y="5341525"/>
-            <a:ext cx="1038504" cy="1038504"/>
-          </a:xfrm>
-          <a:prstGeom prst="rect">
-            <a:avLst/>
-          </a:prstGeom>
-          <a:effectLst>
-            <a:glow rad="50800">
-              <a:schemeClr val="bg1">
-                <a:alpha val="40000"/>
-              </a:schemeClr>
-            </a:glow>
-            <a:softEdge rad="31750"/>
-          </a:effectLst>
-        </p:spPr>
-      </p:pic>
-      <p:pic>
-        <p:nvPicPr>
-          <p:cNvPr id="22" name="図 21" descr="図形&#10;&#10;低い精度で自動的に生成された説明">
-            <a:extLst>
-              <a:ext uri="{FF2B5EF4-FFF2-40B4-BE49-F238E27FC236}">
-                <a16:creationId xmlns:a16="http://schemas.microsoft.com/office/drawing/2014/main" id="{A5115E6F-A256-2C11-AB5B-2F36561DC32A}"/>
-              </a:ext>
-            </a:extLst>
-          </p:cNvPr>
-          <p:cNvPicPr>
-            <a:picLocks noChangeAspect="1"/>
-          </p:cNvPicPr>
-          <p:nvPr/>
-        </p:nvPicPr>
-        <p:blipFill>
-          <a:blip r:embed="rId2">
-            <a:extLst>
-              <a:ext uri="{28A0092B-C50C-407E-A947-70E740481C1C}">
-                <a14:useLocalDpi xmlns:a14="http://schemas.microsoft.com/office/drawing/2010/main" val="0"/>
-              </a:ext>
-            </a:extLst>
-          </a:blip>
-          <a:stretch>
-            <a:fillRect/>
-          </a:stretch>
-        </p:blipFill>
-        <p:spPr>
-          <a:xfrm rot="2779800">
-            <a:off x="1985997" y="4936023"/>
-            <a:ext cx="1038504" cy="1038504"/>
-          </a:xfrm>
-          <a:prstGeom prst="rect">
-            <a:avLst/>
-          </a:prstGeom>
-          <a:effectLst>
-            <a:glow rad="50800">
-              <a:schemeClr val="bg1">
-                <a:alpha val="40000"/>
-              </a:schemeClr>
-            </a:glow>
-            <a:softEdge rad="31750"/>
-          </a:effectLst>
-        </p:spPr>
-      </p:pic>
-      <p:pic>
-        <p:nvPicPr>
-          <p:cNvPr id="23" name="図 22" descr="図形&#10;&#10;低い精度で自動的に生成された説明">
-            <a:extLst>
-              <a:ext uri="{FF2B5EF4-FFF2-40B4-BE49-F238E27FC236}">
-                <a16:creationId xmlns:a16="http://schemas.microsoft.com/office/drawing/2014/main" id="{658D8570-C985-72DE-3EE1-D73FB5B3336F}"/>
-              </a:ext>
-            </a:extLst>
-          </p:cNvPr>
-          <p:cNvPicPr>
-            <a:picLocks noChangeAspect="1"/>
-          </p:cNvPicPr>
-          <p:nvPr/>
-        </p:nvPicPr>
-        <p:blipFill>
-          <a:blip r:embed="rId2">
-            <a:extLst>
-              <a:ext uri="{28A0092B-C50C-407E-A947-70E740481C1C}">
-                <a14:useLocalDpi xmlns:a14="http://schemas.microsoft.com/office/drawing/2010/main" val="0"/>
-              </a:ext>
-            </a:extLst>
-          </a:blip>
-          <a:stretch>
-            <a:fillRect/>
-          </a:stretch>
-        </p:blipFill>
-        <p:spPr>
-          <a:xfrm rot="2779800">
-            <a:off x="2426025" y="4529042"/>
-            <a:ext cx="1038504" cy="1038504"/>
-          </a:xfrm>
-          <a:prstGeom prst="rect">
-            <a:avLst/>
-          </a:prstGeom>
-          <a:effectLst>
-            <a:glow rad="50800">
-              <a:schemeClr val="bg1">
-                <a:alpha val="40000"/>
-              </a:schemeClr>
-            </a:glow>
-            <a:softEdge rad="31750"/>
-          </a:effectLst>
-        </p:spPr>
-      </p:pic>
-      <p:pic>
-        <p:nvPicPr>
-          <p:cNvPr id="24" name="図 23" descr="図形&#10;&#10;低い精度で自動的に生成された説明">
-            <a:extLst>
-              <a:ext uri="{FF2B5EF4-FFF2-40B4-BE49-F238E27FC236}">
-                <a16:creationId xmlns:a16="http://schemas.microsoft.com/office/drawing/2014/main" id="{01A414C2-0C94-1082-9D8E-FF7004289CF3}"/>
-              </a:ext>
-            </a:extLst>
-          </p:cNvPr>
-          <p:cNvPicPr>
-            <a:picLocks noChangeAspect="1"/>
-          </p:cNvPicPr>
-          <p:nvPr/>
-        </p:nvPicPr>
-        <p:blipFill>
-          <a:blip r:embed="rId2">
-            <a:extLst>
-              <a:ext uri="{28A0092B-C50C-407E-A947-70E740481C1C}">
-                <a14:useLocalDpi xmlns:a14="http://schemas.microsoft.com/office/drawing/2010/main" val="0"/>
-              </a:ext>
-            </a:extLst>
-          </a:blip>
-          <a:stretch>
-            <a:fillRect/>
-          </a:stretch>
-        </p:blipFill>
-        <p:spPr>
-          <a:xfrm rot="2779800">
-            <a:off x="2835119" y="4142924"/>
-            <a:ext cx="1038504" cy="1038504"/>
-          </a:xfrm>
-          <a:prstGeom prst="rect">
-            <a:avLst/>
-          </a:prstGeom>
-          <a:effectLst>
-            <a:glow rad="50800">
-              <a:schemeClr val="bg1">
-                <a:alpha val="40000"/>
-              </a:schemeClr>
-            </a:glow>
-            <a:softEdge rad="31750"/>
-          </a:effectLst>
-        </p:spPr>
-      </p:pic>
-      <p:pic>
-        <p:nvPicPr>
-          <p:cNvPr id="25" name="図 24" descr="図形&#10;&#10;低い精度で自動的に生成された説明">
-            <a:extLst>
-              <a:ext uri="{FF2B5EF4-FFF2-40B4-BE49-F238E27FC236}">
-                <a16:creationId xmlns:a16="http://schemas.microsoft.com/office/drawing/2014/main" id="{8E94716E-FE14-29F2-BAEE-21C7B4C40550}"/>
-              </a:ext>
-            </a:extLst>
-          </p:cNvPr>
-          <p:cNvPicPr>
-            <a:picLocks noChangeAspect="1"/>
-          </p:cNvPicPr>
-          <p:nvPr/>
-        </p:nvPicPr>
-        <p:blipFill>
-          <a:blip r:embed="rId2">
-            <a:extLst>
-              <a:ext uri="{28A0092B-C50C-407E-A947-70E740481C1C}">
-                <a14:useLocalDpi xmlns:a14="http://schemas.microsoft.com/office/drawing/2010/main" val="0"/>
-              </a:ext>
-            </a:extLst>
-          </a:blip>
-          <a:stretch>
-            <a:fillRect/>
-          </a:stretch>
-        </p:blipFill>
-        <p:spPr>
-          <a:xfrm rot="2779800">
-            <a:off x="3294394" y="3735942"/>
-            <a:ext cx="1038504" cy="1038504"/>
-          </a:xfrm>
-          <a:prstGeom prst="rect">
-            <a:avLst/>
-          </a:prstGeom>
-          <a:effectLst>
-            <a:glow rad="50800">
-              <a:schemeClr val="bg1">
-                <a:alpha val="40000"/>
-              </a:schemeClr>
-            </a:glow>
-            <a:softEdge rad="31750"/>
-          </a:effectLst>
-        </p:spPr>
-      </p:pic>
-      <p:pic>
-        <p:nvPicPr>
-          <p:cNvPr id="19" name="図 18" descr="図形&#10;&#10;低い精度で自動的に生成された説明">
-            <a:extLst>
-              <a:ext uri="{FF2B5EF4-FFF2-40B4-BE49-F238E27FC236}">
-                <a16:creationId xmlns:a16="http://schemas.microsoft.com/office/drawing/2014/main" id="{74ED5513-62DF-B255-E553-53857FB368AC}"/>
-              </a:ext>
-            </a:extLst>
-          </p:cNvPr>
-          <p:cNvPicPr>
-            <a:picLocks noChangeAspect="1"/>
-          </p:cNvPicPr>
-          <p:nvPr/>
-        </p:nvPicPr>
-        <p:blipFill>
-          <a:blip r:embed="rId3">
-            <a:extLst>
-              <a:ext uri="{28A0092B-C50C-407E-A947-70E740481C1C}">
-                <a14:useLocalDpi xmlns:a14="http://schemas.microsoft.com/office/drawing/2010/main" val="0"/>
-              </a:ext>
-            </a:extLst>
-          </a:blip>
-          <a:stretch>
-            <a:fillRect/>
-          </a:stretch>
-        </p:blipFill>
-        <p:spPr>
-          <a:xfrm flipH="1">
-            <a:off x="3806640" y="2903888"/>
-            <a:ext cx="1280367" cy="1234340"/>
-          </a:xfrm>
-          <a:prstGeom prst="rect">
-            <a:avLst/>
-          </a:prstGeom>
-          <a:effectLst>
-            <a:glow rad="50800">
-              <a:schemeClr val="accent1">
-                <a:lumMod val="40000"/>
-                <a:lumOff val="60000"/>
-              </a:schemeClr>
-            </a:glow>
-          </a:effectLst>
-        </p:spPr>
-      </p:pic>
-      <p:pic>
-        <p:nvPicPr>
-          <p:cNvPr id="26" name="図 25" descr="図形&#10;&#10;低い精度で自動的に生成された説明">
-            <a:extLst>
-              <a:ext uri="{FF2B5EF4-FFF2-40B4-BE49-F238E27FC236}">
-                <a16:creationId xmlns:a16="http://schemas.microsoft.com/office/drawing/2014/main" id="{B7A98122-AD03-A39D-E9AA-FA5E04FD5506}"/>
-              </a:ext>
-            </a:extLst>
-          </p:cNvPr>
-          <p:cNvPicPr>
-            <a:picLocks noChangeAspect="1"/>
-          </p:cNvPicPr>
-          <p:nvPr/>
-        </p:nvPicPr>
-        <p:blipFill>
-          <a:blip r:embed="rId3">
-            <a:extLst>
-              <a:ext uri="{28A0092B-C50C-407E-A947-70E740481C1C}">
-                <a14:useLocalDpi xmlns:a14="http://schemas.microsoft.com/office/drawing/2010/main" val="0"/>
-              </a:ext>
-            </a:extLst>
-          </a:blip>
-          <a:stretch>
-            <a:fillRect/>
-          </a:stretch>
-        </p:blipFill>
-        <p:spPr>
-          <a:xfrm flipH="1">
-            <a:off x="98322" y="5725378"/>
-            <a:ext cx="1280367" cy="1234340"/>
-          </a:xfrm>
-          <a:prstGeom prst="rect">
-            <a:avLst/>
-          </a:prstGeom>
-          <a:effectLst>
-            <a:glow rad="50800">
-              <a:schemeClr val="accent1">
-                <a:lumMod val="40000"/>
-                <a:lumOff val="60000"/>
-                <a:alpha val="67000"/>
-              </a:schemeClr>
-            </a:glow>
-          </a:effectLst>
-        </p:spPr>
-      </p:pic>
-      <p:sp>
-        <p:nvSpPr>
-          <p:cNvPr id="27" name="矢印: 右 26">
-            <a:extLst>
-              <a:ext uri="{FF2B5EF4-FFF2-40B4-BE49-F238E27FC236}">
-                <a16:creationId xmlns:a16="http://schemas.microsoft.com/office/drawing/2014/main" id="{DBB030A8-6C84-BDC7-D4BA-D555916879DA}"/>
-              </a:ext>
-            </a:extLst>
-          </p:cNvPr>
-          <p:cNvSpPr/>
-          <p:nvPr/>
-        </p:nvSpPr>
-        <p:spPr>
-          <a:xfrm rot="18934351">
-            <a:off x="802052" y="4789797"/>
-            <a:ext cx="3275336" cy="418223"/>
-          </a:xfrm>
-          <a:prstGeom prst="rightArrow">
-            <a:avLst/>
-          </a:prstGeom>
-          <a:solidFill>
-            <a:schemeClr val="bg1"/>
-          </a:solidFill>
-        </p:spPr>
-        <p:style>
-          <a:lnRef idx="2">
-            <a:schemeClr val="accent1">
-              <a:shade val="15000"/>
-            </a:schemeClr>
-          </a:lnRef>
-          <a:fillRef idx="1">
-            <a:schemeClr val="accent1"/>
-          </a:fillRef>
-          <a:effectRef idx="0">
-            <a:schemeClr val="accent1"/>
-          </a:effectRef>
-          <a:fontRef idx="minor">
-            <a:schemeClr val="lt1"/>
-          </a:fontRef>
-        </p:style>
-        <p:txBody>
-          <a:bodyPr rtlCol="0" anchor="ctr"/>
-          <a:lstStyle/>
-          <a:p>
-            <a:pPr algn="ctr"/>
-            <a:endParaRPr kumimoji="1" lang="ja-JP" altLang="en-US"/>
-          </a:p>
-        </p:txBody>
-      </p:sp>
-      <p:sp>
-        <p:nvSpPr>
-          <p:cNvPr id="28" name="テキスト ボックス 27">
-            <a:extLst>
-              <a:ext uri="{FF2B5EF4-FFF2-40B4-BE49-F238E27FC236}">
-                <a16:creationId xmlns:a16="http://schemas.microsoft.com/office/drawing/2014/main" id="{7060A7B5-8EE4-9991-3136-B6890EF428D9}"/>
+              <a:t>分身増やしすぎても隠密に影響が出る</a:t>
+            </a:r>
+          </a:p>
+        </p:txBody>
+      </p:sp>
+      <p:sp>
+        <p:nvSpPr>
+          <p:cNvPr id="6" name="テキスト ボックス 5">
+            <a:extLst>
+              <a:ext uri="{FF2B5EF4-FFF2-40B4-BE49-F238E27FC236}">
+                <a16:creationId xmlns:a16="http://schemas.microsoft.com/office/drawing/2014/main" id="{C316E670-014C-F891-8C01-C4E73B86F5CF}"/>
               </a:ext>
             </a:extLst>
           </p:cNvPr>
@@ -4869,8 +7305,8 @@
         </p:nvSpPr>
         <p:spPr>
           <a:xfrm>
-            <a:off x="98322" y="4778755"/>
-            <a:ext cx="1852396" cy="646331"/>
+            <a:off x="5408093" y="2189502"/>
+            <a:ext cx="7270954" cy="646331"/>
           </a:xfrm>
           <a:prstGeom prst="rect">
             <a:avLst/>
@@ -4884,28 +7320,195 @@
           <a:lstStyle/>
           <a:p>
             <a:r>
+              <a:rPr lang="ja-JP" altLang="en-US" dirty="0">
+                <a:solidFill>
+                  <a:schemeClr val="bg1"/>
+                </a:solidFill>
+              </a:rPr>
+              <a:t>隠密の危険度が高いほどテンション</a:t>
+            </a:r>
+            <a:r>
+              <a:rPr lang="en-US" altLang="ja-JP" dirty="0">
+                <a:solidFill>
+                  <a:schemeClr val="bg1"/>
+                </a:solidFill>
+              </a:rPr>
+              <a:t>UP</a:t>
+            </a:r>
+          </a:p>
+          <a:p>
+            <a:r>
+              <a:rPr lang="ja-JP" altLang="en-US" dirty="0">
+                <a:solidFill>
+                  <a:schemeClr val="bg1"/>
+                </a:solidFill>
+              </a:rPr>
+              <a:t>隠密が失敗しても、敵の攻撃をジャスト回避でテンション</a:t>
+            </a:r>
+            <a:r>
+              <a:rPr lang="en-US" altLang="ja-JP" dirty="0">
+                <a:solidFill>
+                  <a:schemeClr val="bg1"/>
+                </a:solidFill>
+              </a:rPr>
+              <a:t>UP</a:t>
+            </a:r>
+            <a:endParaRPr kumimoji="1" lang="ja-JP" altLang="en-US" dirty="0">
+              <a:solidFill>
+                <a:schemeClr val="bg1"/>
+              </a:solidFill>
+            </a:endParaRPr>
+          </a:p>
+        </p:txBody>
+      </p:sp>
+      <p:sp>
+        <p:nvSpPr>
+          <p:cNvPr id="7" name="テキスト ボックス 6">
+            <a:extLst>
+              <a:ext uri="{FF2B5EF4-FFF2-40B4-BE49-F238E27FC236}">
+                <a16:creationId xmlns:a16="http://schemas.microsoft.com/office/drawing/2014/main" id="{1C83BEFD-DAF0-CF7A-AE7B-600BCD7836EA}"/>
+              </a:ext>
+            </a:extLst>
+          </p:cNvPr>
+          <p:cNvSpPr txBox="1"/>
+          <p:nvPr/>
+        </p:nvSpPr>
+        <p:spPr>
+          <a:xfrm>
+            <a:off x="4004538" y="3451543"/>
+            <a:ext cx="2807110" cy="369332"/>
+          </a:xfrm>
+          <a:prstGeom prst="rect">
+            <a:avLst/>
+          </a:prstGeom>
+          <a:noFill/>
+        </p:spPr>
+        <p:txBody>
+          <a:bodyPr wrap="square" rtlCol="0">
+            <a:spAutoFit/>
+          </a:bodyPr>
+          <a:lstStyle/>
+          <a:p>
+            <a:r>
+              <a:rPr lang="ja-JP" altLang="en-US" dirty="0">
+                <a:solidFill>
+                  <a:schemeClr val="accent4">
+                    <a:lumMod val="60000"/>
+                    <a:lumOff val="40000"/>
+                  </a:schemeClr>
+                </a:solidFill>
+              </a:rPr>
+              <a:t>分身の有効活用</a:t>
+            </a:r>
+            <a:endParaRPr kumimoji="1" lang="ja-JP" altLang="en-US" dirty="0">
+              <a:solidFill>
+                <a:schemeClr val="accent4">
+                  <a:lumMod val="60000"/>
+                  <a:lumOff val="40000"/>
+                </a:schemeClr>
+              </a:solidFill>
+            </a:endParaRPr>
+          </a:p>
+        </p:txBody>
+      </p:sp>
+      <p:sp>
+        <p:nvSpPr>
+          <p:cNvPr id="13" name="テキスト ボックス 12">
+            <a:extLst>
+              <a:ext uri="{FF2B5EF4-FFF2-40B4-BE49-F238E27FC236}">
+                <a16:creationId xmlns:a16="http://schemas.microsoft.com/office/drawing/2014/main" id="{38275CDE-04A0-F45C-AEFD-7C068323A7D8}"/>
+              </a:ext>
+            </a:extLst>
+          </p:cNvPr>
+          <p:cNvSpPr txBox="1"/>
+          <p:nvPr/>
+        </p:nvSpPr>
+        <p:spPr>
+          <a:xfrm>
+            <a:off x="5053781" y="4770752"/>
+            <a:ext cx="2807110" cy="369332"/>
+          </a:xfrm>
+          <a:prstGeom prst="rect">
+            <a:avLst/>
+          </a:prstGeom>
+          <a:noFill/>
+        </p:spPr>
+        <p:txBody>
+          <a:bodyPr wrap="square" rtlCol="0">
+            <a:spAutoFit/>
+          </a:bodyPr>
+          <a:lstStyle/>
+          <a:p>
+            <a:r>
               <a:rPr kumimoji="1" lang="ja-JP" altLang="en-US" dirty="0">
                 <a:solidFill>
                   <a:schemeClr val="bg1"/>
                 </a:solidFill>
               </a:rPr>
-              <a:t>高いところに</a:t>
-            </a:r>
-            <a:endParaRPr kumimoji="1" lang="en-US" altLang="ja-JP" dirty="0">
+              <a:t>士気と耐久力</a:t>
+            </a:r>
+          </a:p>
+        </p:txBody>
+      </p:sp>
+      <p:sp>
+        <p:nvSpPr>
+          <p:cNvPr id="14" name="テキスト ボックス 13">
+            <a:extLst>
+              <a:ext uri="{FF2B5EF4-FFF2-40B4-BE49-F238E27FC236}">
+                <a16:creationId xmlns:a16="http://schemas.microsoft.com/office/drawing/2014/main" id="{CCBC9F38-6524-C4FA-C6F0-D0C2618281BF}"/>
+              </a:ext>
+            </a:extLst>
+          </p:cNvPr>
+          <p:cNvSpPr txBox="1"/>
+          <p:nvPr/>
+        </p:nvSpPr>
+        <p:spPr>
+          <a:xfrm>
+            <a:off x="8596204" y="3497710"/>
+            <a:ext cx="2659624" cy="646331"/>
+          </a:xfrm>
+          <a:prstGeom prst="rect">
+            <a:avLst/>
+          </a:prstGeom>
+          <a:noFill/>
+        </p:spPr>
+        <p:txBody>
+          <a:bodyPr wrap="square" rtlCol="0">
+            <a:spAutoFit/>
+          </a:bodyPr>
+          <a:lstStyle/>
+          <a:p>
+            <a:r>
+              <a:rPr lang="ja-JP" altLang="en-US" dirty="0">
+                <a:solidFill>
+                  <a:schemeClr val="accent4">
+                    <a:lumMod val="60000"/>
+                    <a:lumOff val="40000"/>
+                  </a:schemeClr>
+                </a:solidFill>
+              </a:rPr>
+              <a:t>ジャスト回避が士気</a:t>
+            </a:r>
+            <a:endParaRPr lang="en-US" altLang="ja-JP" dirty="0">
               <a:solidFill>
-                <a:schemeClr val="bg1"/>
+                <a:schemeClr val="accent4">
+                  <a:lumMod val="60000"/>
+                  <a:lumOff val="40000"/>
+                </a:schemeClr>
               </a:solidFill>
             </a:endParaRPr>
           </a:p>
           <a:p>
-            <a:pPr algn="r"/>
             <a:r>
               <a:rPr kumimoji="1" lang="ja-JP" altLang="en-US" dirty="0">
                 <a:solidFill>
-                  <a:schemeClr val="bg1"/>
+                  <a:schemeClr val="accent4">
+                    <a:lumMod val="60000"/>
+                    <a:lumOff val="40000"/>
+                  </a:schemeClr>
                 </a:solidFill>
               </a:rPr>
-              <a:t>登るのも</a:t>
+              <a:t>隠密が耐久力</a:t>
             </a:r>
           </a:p>
         </p:txBody>
@@ -4913,7 +7516,7 @@
     </p:spTree>
     <p:extLst>
       <p:ext uri="{BB962C8B-B14F-4D97-AF65-F5344CB8AC3E}">
-        <p14:creationId xmlns:p14="http://schemas.microsoft.com/office/powerpoint/2010/main" val="3144047373"/>
+        <p14:creationId xmlns:p14="http://schemas.microsoft.com/office/powerpoint/2010/main" val="1127596147"/>
       </p:ext>
     </p:extLst>
   </p:cSld>
@@ -5236,4 +7839,319 @@
     </a:ext>
   </a:extLst>
 </a:theme>
+</file>
+
+<file path=ppt/theme/theme2.xml><?xml version="1.0" encoding="utf-8"?>
+<a:theme xmlns:a="http://schemas.openxmlformats.org/drawingml/2006/main" name="Office テーマ">
+  <a:themeElements>
+    <a:clrScheme name="Office">
+      <a:dk1>
+        <a:sysClr val="windowText" lastClr="000000"/>
+      </a:dk1>
+      <a:lt1>
+        <a:sysClr val="window" lastClr="FFFFFF"/>
+      </a:lt1>
+      <a:dk2>
+        <a:srgbClr val="0E2841"/>
+      </a:dk2>
+      <a:lt2>
+        <a:srgbClr val="E8E8E8"/>
+      </a:lt2>
+      <a:accent1>
+        <a:srgbClr val="156082"/>
+      </a:accent1>
+      <a:accent2>
+        <a:srgbClr val="E97132"/>
+      </a:accent2>
+      <a:accent3>
+        <a:srgbClr val="196B24"/>
+      </a:accent3>
+      <a:accent4>
+        <a:srgbClr val="0F9ED5"/>
+      </a:accent4>
+      <a:accent5>
+        <a:srgbClr val="A02B93"/>
+      </a:accent5>
+      <a:accent6>
+        <a:srgbClr val="4EA72E"/>
+      </a:accent6>
+      <a:hlink>
+        <a:srgbClr val="467886"/>
+      </a:hlink>
+      <a:folHlink>
+        <a:srgbClr val="96607D"/>
+      </a:folHlink>
+    </a:clrScheme>
+    <a:fontScheme name="Office">
+      <a:majorFont>
+        <a:latin typeface="游ゴシック Light" panose="02110004020202020204"/>
+        <a:ea typeface=""/>
+        <a:cs typeface=""/>
+        <a:font script="Jpan" typeface="游ゴシック Light"/>
+        <a:font script="Hang" typeface="맑은 고딕"/>
+        <a:font script="Hans" typeface="等线 Light"/>
+        <a:font script="Hant" typeface="新細明體"/>
+        <a:font script="Arab" typeface="Times New Roman"/>
+        <a:font script="Hebr" typeface="Times New Roman"/>
+        <a:font script="Thai" typeface="Angsana New"/>
+        <a:font script="Ethi" typeface="Nyala"/>
+        <a:font script="Beng" typeface="Vrinda"/>
+        <a:font script="Gujr" typeface="Shruti"/>
+        <a:font script="Khmr" typeface="MoolBoran"/>
+        <a:font script="Knda" typeface="Tunga"/>
+        <a:font script="Guru" typeface="Raavi"/>
+        <a:font script="Cans" typeface="Euphemia"/>
+        <a:font script="Cher" typeface="Plantagenet Cherokee"/>
+        <a:font script="Yiii" typeface="Microsoft Yi Baiti"/>
+        <a:font script="Tibt" typeface="Microsoft Himalaya"/>
+        <a:font script="Thaa" typeface="MV Boli"/>
+        <a:font script="Deva" typeface="Mangal"/>
+        <a:font script="Telu" typeface="Gautami"/>
+        <a:font script="Taml" typeface="Latha"/>
+        <a:font script="Syrc" typeface="Estrangelo Edessa"/>
+        <a:font script="Orya" typeface="Kalinga"/>
+        <a:font script="Mlym" typeface="Kartika"/>
+        <a:font script="Laoo" typeface="DokChampa"/>
+        <a:font script="Sinh" typeface="Iskoola Pota"/>
+        <a:font script="Mong" typeface="Mongolian Baiti"/>
+        <a:font script="Viet" typeface="Times New Roman"/>
+        <a:font script="Uigh" typeface="Microsoft Uighur"/>
+        <a:font script="Geor" typeface="Sylfaen"/>
+        <a:font script="Armn" typeface="Arial"/>
+        <a:font script="Bugi" typeface="Leelawadee UI"/>
+        <a:font script="Bopo" typeface="Microsoft JhengHei"/>
+        <a:font script="Java" typeface="Javanese Text"/>
+        <a:font script="Lisu" typeface="Segoe UI"/>
+        <a:font script="Mymr" typeface="Myanmar Text"/>
+        <a:font script="Nkoo" typeface="Ebrima"/>
+        <a:font script="Olck" typeface="Nirmala UI"/>
+        <a:font script="Osma" typeface="Ebrima"/>
+        <a:font script="Phag" typeface="Phagspa"/>
+        <a:font script="Syrn" typeface="Estrangelo Edessa"/>
+        <a:font script="Syrj" typeface="Estrangelo Edessa"/>
+        <a:font script="Syre" typeface="Estrangelo Edessa"/>
+        <a:font script="Sora" typeface="Nirmala UI"/>
+        <a:font script="Tale" typeface="Microsoft Tai Le"/>
+        <a:font script="Talu" typeface="Microsoft New Tai Lue"/>
+        <a:font script="Tfng" typeface="Ebrima"/>
+      </a:majorFont>
+      <a:minorFont>
+        <a:latin typeface="游ゴシック" panose="02110004020202020204"/>
+        <a:ea typeface=""/>
+        <a:cs typeface=""/>
+        <a:font script="Jpan" typeface="游ゴシック"/>
+        <a:font script="Hang" typeface="맑은 고딕"/>
+        <a:font script="Hans" typeface="等线"/>
+        <a:font script="Hant" typeface="新細明體"/>
+        <a:font script="Arab" typeface="Arial"/>
+        <a:font script="Hebr" typeface="Arial"/>
+        <a:font script="Thai" typeface="Cordia New"/>
+        <a:font script="Ethi" typeface="Nyala"/>
+        <a:font script="Beng" typeface="Vrinda"/>
+        <a:font script="Gujr" typeface="Shruti"/>
+        <a:font script="Khmr" typeface="DaunPenh"/>
+        <a:font script="Knda" typeface="Tunga"/>
+        <a:font script="Guru" typeface="Raavi"/>
+        <a:font script="Cans" typeface="Euphemia"/>
+        <a:font script="Cher" typeface="Plantagenet Cherokee"/>
+        <a:font script="Yiii" typeface="Microsoft Yi Baiti"/>
+        <a:font script="Tibt" typeface="Microsoft Himalaya"/>
+        <a:font script="Thaa" typeface="MV Boli"/>
+        <a:font script="Deva" typeface="Mangal"/>
+        <a:font script="Telu" typeface="Gautami"/>
+        <a:font script="Taml" typeface="Latha"/>
+        <a:font script="Syrc" typeface="Estrangelo Edessa"/>
+        <a:font script="Orya" typeface="Kalinga"/>
+        <a:font script="Mlym" typeface="Kartika"/>
+        <a:font script="Laoo" typeface="DokChampa"/>
+        <a:font script="Sinh" typeface="Iskoola Pota"/>
+        <a:font script="Mong" typeface="Mongolian Baiti"/>
+        <a:font script="Viet" typeface="Arial"/>
+        <a:font script="Uigh" typeface="Microsoft Uighur"/>
+        <a:font script="Geor" typeface="Sylfaen"/>
+        <a:font script="Armn" typeface="Arial"/>
+        <a:font script="Bugi" typeface="Leelawadee UI"/>
+        <a:font script="Bopo" typeface="Microsoft JhengHei"/>
+        <a:font script="Java" typeface="Javanese Text"/>
+        <a:font script="Lisu" typeface="Segoe UI"/>
+        <a:font script="Mymr" typeface="Myanmar Text"/>
+        <a:font script="Nkoo" typeface="Ebrima"/>
+        <a:font script="Olck" typeface="Nirmala UI"/>
+        <a:font script="Osma" typeface="Ebrima"/>
+        <a:font script="Phag" typeface="Phagspa"/>
+        <a:font script="Syrn" typeface="Estrangelo Edessa"/>
+        <a:font script="Syrj" typeface="Estrangelo Edessa"/>
+        <a:font script="Syre" typeface="Estrangelo Edessa"/>
+        <a:font script="Sora" typeface="Nirmala UI"/>
+        <a:font script="Tale" typeface="Microsoft Tai Le"/>
+        <a:font script="Talu" typeface="Microsoft New Tai Lue"/>
+        <a:font script="Tfng" typeface="Ebrima"/>
+      </a:minorFont>
+    </a:fontScheme>
+    <a:fmtScheme name="Office">
+      <a:fillStyleLst>
+        <a:solidFill>
+          <a:schemeClr val="phClr"/>
+        </a:solidFill>
+        <a:gradFill rotWithShape="1">
+          <a:gsLst>
+            <a:gs pos="0">
+              <a:schemeClr val="phClr">
+                <a:lumMod val="110000"/>
+                <a:satMod val="105000"/>
+                <a:tint val="67000"/>
+              </a:schemeClr>
+            </a:gs>
+            <a:gs pos="50000">
+              <a:schemeClr val="phClr">
+                <a:lumMod val="105000"/>
+                <a:satMod val="103000"/>
+                <a:tint val="73000"/>
+              </a:schemeClr>
+            </a:gs>
+            <a:gs pos="100000">
+              <a:schemeClr val="phClr">
+                <a:lumMod val="105000"/>
+                <a:satMod val="109000"/>
+                <a:tint val="81000"/>
+              </a:schemeClr>
+            </a:gs>
+          </a:gsLst>
+          <a:lin ang="5400000" scaled="0"/>
+        </a:gradFill>
+        <a:gradFill rotWithShape="1">
+          <a:gsLst>
+            <a:gs pos="0">
+              <a:schemeClr val="phClr">
+                <a:satMod val="103000"/>
+                <a:lumMod val="102000"/>
+                <a:tint val="94000"/>
+              </a:schemeClr>
+            </a:gs>
+            <a:gs pos="50000">
+              <a:schemeClr val="phClr">
+                <a:satMod val="110000"/>
+                <a:lumMod val="100000"/>
+                <a:shade val="100000"/>
+              </a:schemeClr>
+            </a:gs>
+            <a:gs pos="100000">
+              <a:schemeClr val="phClr">
+                <a:lumMod val="99000"/>
+                <a:satMod val="120000"/>
+                <a:shade val="78000"/>
+              </a:schemeClr>
+            </a:gs>
+          </a:gsLst>
+          <a:lin ang="5400000" scaled="0"/>
+        </a:gradFill>
+      </a:fillStyleLst>
+      <a:lnStyleLst>
+        <a:ln w="12700" cap="flat" cmpd="sng" algn="ctr">
+          <a:solidFill>
+            <a:schemeClr val="phClr"/>
+          </a:solidFill>
+          <a:prstDash val="solid"/>
+          <a:miter lim="800000"/>
+        </a:ln>
+        <a:ln w="19050" cap="flat" cmpd="sng" algn="ctr">
+          <a:solidFill>
+            <a:schemeClr val="phClr"/>
+          </a:solidFill>
+          <a:prstDash val="solid"/>
+          <a:miter lim="800000"/>
+        </a:ln>
+        <a:ln w="25400" cap="flat" cmpd="sng" algn="ctr">
+          <a:solidFill>
+            <a:schemeClr val="phClr"/>
+          </a:solidFill>
+          <a:prstDash val="solid"/>
+          <a:miter lim="800000"/>
+        </a:ln>
+      </a:lnStyleLst>
+      <a:effectStyleLst>
+        <a:effectStyle>
+          <a:effectLst/>
+        </a:effectStyle>
+        <a:effectStyle>
+          <a:effectLst/>
+        </a:effectStyle>
+        <a:effectStyle>
+          <a:effectLst>
+            <a:outerShdw blurRad="57150" dist="19050" dir="5400000" algn="ctr" rotWithShape="0">
+              <a:srgbClr val="000000">
+                <a:alpha val="63000"/>
+              </a:srgbClr>
+            </a:outerShdw>
+          </a:effectLst>
+        </a:effectStyle>
+      </a:effectStyleLst>
+      <a:bgFillStyleLst>
+        <a:solidFill>
+          <a:schemeClr val="phClr"/>
+        </a:solidFill>
+        <a:solidFill>
+          <a:schemeClr val="phClr">
+            <a:tint val="95000"/>
+            <a:satMod val="170000"/>
+          </a:schemeClr>
+        </a:solidFill>
+        <a:gradFill rotWithShape="1">
+          <a:gsLst>
+            <a:gs pos="0">
+              <a:schemeClr val="phClr">
+                <a:tint val="93000"/>
+                <a:satMod val="150000"/>
+                <a:shade val="98000"/>
+                <a:lumMod val="102000"/>
+              </a:schemeClr>
+            </a:gs>
+            <a:gs pos="50000">
+              <a:schemeClr val="phClr">
+                <a:tint val="98000"/>
+                <a:satMod val="130000"/>
+                <a:shade val="90000"/>
+                <a:lumMod val="103000"/>
+              </a:schemeClr>
+            </a:gs>
+            <a:gs pos="100000">
+              <a:schemeClr val="phClr">
+                <a:shade val="63000"/>
+                <a:satMod val="120000"/>
+              </a:schemeClr>
+            </a:gs>
+          </a:gsLst>
+          <a:lin ang="5400000" scaled="0"/>
+        </a:gradFill>
+      </a:bgFillStyleLst>
+    </a:fmtScheme>
+  </a:themeElements>
+  <a:objectDefaults>
+    <a:lnDef>
+      <a:spPr/>
+      <a:bodyPr/>
+      <a:lstStyle/>
+      <a:style>
+        <a:lnRef idx="2">
+          <a:schemeClr val="accent1"/>
+        </a:lnRef>
+        <a:fillRef idx="0">
+          <a:schemeClr val="accent1"/>
+        </a:fillRef>
+        <a:effectRef idx="1">
+          <a:schemeClr val="accent1"/>
+        </a:effectRef>
+        <a:fontRef idx="minor">
+          <a:schemeClr val="tx1"/>
+        </a:fontRef>
+      </a:style>
+    </a:lnDef>
+  </a:objectDefaults>
+  <a:extraClrSchemeLst/>
+  <a:extLst>
+    <a:ext uri="{05A4C25C-085E-4340-85A3-A5531E510DB2}">
+      <thm15:themeFamily xmlns:thm15="http://schemas.microsoft.com/office/thememl/2012/main" name="Office Theme" id="{2E142A2C-CD16-42D6-873A-C26D2A0506FA}" vid="{1BDDFF52-6CD6-40A5-AB3C-68EB2F1E4D0A}"/>
+    </a:ext>
+  </a:extLst>
+</a:theme>
 </file>
--- a/98_plan/00_pptx/05_pikunin.pptx
+++ b/98_plan/00_pptx/05_pikunin.pptx
@@ -198,7 +198,7 @@
           <a:p>
             <a:fld id="{DA841666-39F0-4B11-B248-7C5B9C6F4648}" type="datetimeFigureOut">
               <a:rPr kumimoji="1" lang="ja-JP" altLang="en-US" smtClean="0"/>
-              <a:t>2024/4/23</a:t>
+              <a:t>2024/4/25</a:t>
             </a:fld>
             <a:endParaRPr kumimoji="1" lang="ja-JP" altLang="en-US"/>
           </a:p>
@@ -621,7 +621,7 @@
           <a:p>
             <a:fld id="{DD1046DA-6FA1-4C1D-833D-57B7185E150C}" type="datetimeFigureOut">
               <a:rPr kumimoji="1" lang="ja-JP" altLang="en-US" smtClean="0"/>
-              <a:t>2024/4/23</a:t>
+              <a:t>2024/4/25</a:t>
             </a:fld>
             <a:endParaRPr kumimoji="1" lang="ja-JP" altLang="en-US"/>
           </a:p>
@@ -940,7 +940,7 @@
           <a:p>
             <a:fld id="{DD1046DA-6FA1-4C1D-833D-57B7185E150C}" type="datetimeFigureOut">
               <a:rPr kumimoji="1" lang="ja-JP" altLang="en-US" smtClean="0"/>
-              <a:t>2024/4/23</a:t>
+              <a:t>2024/4/25</a:t>
             </a:fld>
             <a:endParaRPr kumimoji="1" lang="ja-JP" altLang="en-US"/>
           </a:p>
@@ -1180,7 +1180,7 @@
           <a:p>
             <a:fld id="{DD1046DA-6FA1-4C1D-833D-57B7185E150C}" type="datetimeFigureOut">
               <a:rPr kumimoji="1" lang="ja-JP" altLang="en-US" smtClean="0"/>
-              <a:t>2024/4/23</a:t>
+              <a:t>2024/4/25</a:t>
             </a:fld>
             <a:endParaRPr kumimoji="1" lang="ja-JP" altLang="en-US"/>
           </a:p>
@@ -1410,7 +1410,7 @@
           <a:p>
             <a:fld id="{DD1046DA-6FA1-4C1D-833D-57B7185E150C}" type="datetimeFigureOut">
               <a:rPr kumimoji="1" lang="ja-JP" altLang="en-US" smtClean="0"/>
-              <a:t>2024/4/23</a:t>
+              <a:t>2024/4/25</a:t>
             </a:fld>
             <a:endParaRPr kumimoji="1" lang="ja-JP" altLang="en-US"/>
           </a:p>
@@ -1685,7 +1685,7 @@
           <a:p>
             <a:fld id="{DD1046DA-6FA1-4C1D-833D-57B7185E150C}" type="datetimeFigureOut">
               <a:rPr kumimoji="1" lang="ja-JP" altLang="en-US" smtClean="0"/>
-              <a:t>2024/4/23</a:t>
+              <a:t>2024/4/25</a:t>
             </a:fld>
             <a:endParaRPr kumimoji="1" lang="ja-JP" altLang="en-US"/>
           </a:p>
@@ -2014,7 +2014,7 @@
           <a:p>
             <a:fld id="{DD1046DA-6FA1-4C1D-833D-57B7185E150C}" type="datetimeFigureOut">
               <a:rPr kumimoji="1" lang="ja-JP" altLang="en-US" smtClean="0"/>
-              <a:t>2024/4/23</a:t>
+              <a:t>2024/4/25</a:t>
             </a:fld>
             <a:endParaRPr kumimoji="1" lang="ja-JP" altLang="en-US"/>
           </a:p>
@@ -2490,7 +2490,7 @@
           <a:p>
             <a:fld id="{DD1046DA-6FA1-4C1D-833D-57B7185E150C}" type="datetimeFigureOut">
               <a:rPr kumimoji="1" lang="ja-JP" altLang="en-US" smtClean="0"/>
-              <a:t>2024/4/23</a:t>
+              <a:t>2024/4/25</a:t>
             </a:fld>
             <a:endParaRPr kumimoji="1" lang="ja-JP" altLang="en-US"/>
           </a:p>
@@ -2631,7 +2631,7 @@
           <a:p>
             <a:fld id="{DD1046DA-6FA1-4C1D-833D-57B7185E150C}" type="datetimeFigureOut">
               <a:rPr kumimoji="1" lang="ja-JP" altLang="en-US" smtClean="0"/>
-              <a:t>2024/4/23</a:t>
+              <a:t>2024/4/25</a:t>
             </a:fld>
             <a:endParaRPr kumimoji="1" lang="ja-JP" altLang="en-US"/>
           </a:p>
@@ -2744,7 +2744,7 @@
           <a:p>
             <a:fld id="{DD1046DA-6FA1-4C1D-833D-57B7185E150C}" type="datetimeFigureOut">
               <a:rPr kumimoji="1" lang="ja-JP" altLang="en-US" smtClean="0"/>
-              <a:t>2024/4/23</a:t>
+              <a:t>2024/4/25</a:t>
             </a:fld>
             <a:endParaRPr kumimoji="1" lang="ja-JP" altLang="en-US"/>
           </a:p>
@@ -3087,7 +3087,7 @@
           <a:p>
             <a:fld id="{DD1046DA-6FA1-4C1D-833D-57B7185E150C}" type="datetimeFigureOut">
               <a:rPr kumimoji="1" lang="ja-JP" altLang="en-US" smtClean="0"/>
-              <a:t>2024/4/23</a:t>
+              <a:t>2024/4/25</a:t>
             </a:fld>
             <a:endParaRPr kumimoji="1" lang="ja-JP" altLang="en-US"/>
           </a:p>
@@ -3375,7 +3375,7 @@
           <a:p>
             <a:fld id="{DD1046DA-6FA1-4C1D-833D-57B7185E150C}" type="datetimeFigureOut">
               <a:rPr kumimoji="1" lang="ja-JP" altLang="en-US" smtClean="0"/>
-              <a:t>2024/4/23</a:t>
+              <a:t>2024/4/25</a:t>
             </a:fld>
             <a:endParaRPr kumimoji="1" lang="ja-JP" altLang="en-US"/>
           </a:p>
@@ -3648,7 +3648,7 @@
           <a:p>
             <a:fld id="{DD1046DA-6FA1-4C1D-833D-57B7185E150C}" type="datetimeFigureOut">
               <a:rPr kumimoji="1" lang="ja-JP" altLang="en-US" smtClean="0"/>
-              <a:t>2024/4/23</a:t>
+              <a:t>2024/4/25</a:t>
             </a:fld>
             <a:endParaRPr kumimoji="1" lang="ja-JP" altLang="en-US"/>
           </a:p>
@@ -4249,12 +4249,17 @@
         </p:nvGrpSpPr>
         <p:grpSpPr>
           <a:xfrm>
-            <a:off x="4031805" y="891068"/>
+            <a:off x="4014995" y="898255"/>
             <a:ext cx="2180412" cy="2915050"/>
             <a:chOff x="8541792" y="513490"/>
             <a:chExt cx="3089663" cy="3609400"/>
           </a:xfrm>
           <a:effectLst>
+            <a:glow rad="76200">
+              <a:schemeClr val="bg1">
+                <a:alpha val="46000"/>
+              </a:schemeClr>
+            </a:glow>
             <a:outerShdw blurRad="50800" dist="38100" dir="2700000" algn="tl" rotWithShape="0">
               <a:prstClr val="black">
                 <a:alpha val="40000"/>
@@ -4743,12 +4748,17 @@
         </p:nvGrpSpPr>
         <p:grpSpPr>
           <a:xfrm>
-            <a:off x="5487966" y="1515386"/>
-            <a:ext cx="2968368" cy="2413300"/>
+            <a:off x="5656083" y="2194256"/>
+            <a:ext cx="2753521" cy="2238628"/>
             <a:chOff x="3202338" y="-52792"/>
             <a:chExt cx="4988685" cy="4055830"/>
           </a:xfrm>
           <a:effectLst>
+            <a:glow rad="76200">
+              <a:srgbClr val="FFC000">
+                <a:alpha val="46000"/>
+              </a:srgbClr>
+            </a:glow>
             <a:outerShdw blurRad="50800" dist="38100" dir="2700000" algn="tl" rotWithShape="0">
               <a:prstClr val="black">
                 <a:alpha val="40000"/>
@@ -5306,10 +5316,10 @@
       </p:sp>
       <p:sp>
         <p:nvSpPr>
-          <p:cNvPr id="49" name="テキスト ボックス 48">
-            <a:extLst>
-              <a:ext uri="{FF2B5EF4-FFF2-40B4-BE49-F238E27FC236}">
-                <a16:creationId xmlns:a16="http://schemas.microsoft.com/office/drawing/2014/main" id="{933B693F-A570-D9E8-42B1-4BA16D567897}"/>
+          <p:cNvPr id="50" name="テキスト ボックス 49">
+            <a:extLst>
+              <a:ext uri="{FF2B5EF4-FFF2-40B4-BE49-F238E27FC236}">
+                <a16:creationId xmlns:a16="http://schemas.microsoft.com/office/drawing/2014/main" id="{F3B78FCF-74CB-4727-FD1F-A9AC85D0B036}"/>
               </a:ext>
             </a:extLst>
           </p:cNvPr>
@@ -5318,69 +5328,7 @@
         </p:nvSpPr>
         <p:spPr>
           <a:xfrm>
-            <a:off x="5659110" y="1190760"/>
-            <a:ext cx="3431786" cy="646331"/>
-          </a:xfrm>
-          <a:prstGeom prst="rect">
-            <a:avLst/>
-          </a:prstGeom>
-          <a:noFill/>
-        </p:spPr>
-        <p:txBody>
-          <a:bodyPr wrap="square" rtlCol="0">
-            <a:spAutoFit/>
-          </a:bodyPr>
-          <a:lstStyle/>
-          <a:p>
-            <a:r>
-              <a:rPr kumimoji="1" lang="ja-JP" altLang="en-US" sz="3600" dirty="0">
-                <a:effectLst>
-                  <a:glow rad="76200">
-                    <a:schemeClr val="accent6">
-                      <a:alpha val="90000"/>
-                    </a:schemeClr>
-                  </a:glow>
-                </a:effectLst>
-                <a:latin typeface="HG正楷書体-PRO" panose="03000600000000000000" pitchFamily="66" charset="-128"/>
-                <a:ea typeface="HG正楷書体-PRO" panose="03000600000000000000" pitchFamily="66" charset="-128"/>
-              </a:rPr>
-              <a:t>踏み台</a:t>
-            </a:r>
-            <a:r>
-              <a:rPr kumimoji="1" lang="ja-JP" altLang="en-US" sz="3600" dirty="0">
-                <a:solidFill>
-                  <a:schemeClr val="bg1"/>
-                </a:solidFill>
-                <a:effectLst>
-                  <a:glow rad="76200">
-                    <a:schemeClr val="accent6">
-                      <a:alpha val="90000"/>
-                    </a:schemeClr>
-                  </a:glow>
-                </a:effectLst>
-                <a:latin typeface="HG正楷書体-PRO" panose="03000600000000000000" pitchFamily="66" charset="-128"/>
-                <a:ea typeface="HG正楷書体-PRO" panose="03000600000000000000" pitchFamily="66" charset="-128"/>
-              </a:rPr>
-              <a:t>にしたり</a:t>
-            </a:r>
-          </a:p>
-        </p:txBody>
-      </p:sp>
-      <p:sp>
-        <p:nvSpPr>
-          <p:cNvPr id="50" name="テキスト ボックス 49">
-            <a:extLst>
-              <a:ext uri="{FF2B5EF4-FFF2-40B4-BE49-F238E27FC236}">
-                <a16:creationId xmlns:a16="http://schemas.microsoft.com/office/drawing/2014/main" id="{F3B78FCF-74CB-4727-FD1F-A9AC85D0B036}"/>
-              </a:ext>
-            </a:extLst>
-          </p:cNvPr>
-          <p:cNvSpPr txBox="1"/>
-          <p:nvPr/>
-        </p:nvSpPr>
-        <p:spPr>
-          <a:xfrm>
-            <a:off x="3986513" y="2649454"/>
+            <a:off x="3792757" y="2492310"/>
             <a:ext cx="2708806" cy="646331"/>
           </a:xfrm>
           <a:prstGeom prst="rect">
@@ -5792,351 +5740,6 @@
                   <a:lumMod val="60000"/>
                   <a:lumOff val="40000"/>
                 </a:schemeClr>
-              </a:solidFill>
-              <a:effectLst>
-                <a:glow rad="76200">
-                  <a:schemeClr val="accent5">
-                    <a:alpha val="90000"/>
-                  </a:schemeClr>
-                </a:glow>
-              </a:effectLst>
-              <a:latin typeface="HG正楷書体-PRO" panose="03000600000000000000" pitchFamily="66" charset="-128"/>
-              <a:ea typeface="HG正楷書体-PRO" panose="03000600000000000000" pitchFamily="66" charset="-128"/>
-            </a:endParaRPr>
-          </a:p>
-        </p:txBody>
-      </p:sp>
-      <p:grpSp>
-        <p:nvGrpSpPr>
-          <p:cNvPr id="85" name="グループ化 84">
-            <a:extLst>
-              <a:ext uri="{FF2B5EF4-FFF2-40B4-BE49-F238E27FC236}">
-                <a16:creationId xmlns:a16="http://schemas.microsoft.com/office/drawing/2014/main" id="{A68E555E-E7D6-40E6-B86F-6031AA657787}"/>
-              </a:ext>
-            </a:extLst>
-          </p:cNvPr>
-          <p:cNvGrpSpPr/>
-          <p:nvPr/>
-        </p:nvGrpSpPr>
-        <p:grpSpPr>
-          <a:xfrm>
-            <a:off x="100255" y="4760849"/>
-            <a:ext cx="2660530" cy="1958311"/>
-            <a:chOff x="167917" y="4723479"/>
-            <a:chExt cx="2660530" cy="1958311"/>
-          </a:xfrm>
-        </p:grpSpPr>
-        <p:grpSp>
-          <p:nvGrpSpPr>
-            <p:cNvPr id="84" name="グループ化 83">
-              <a:extLst>
-                <a:ext uri="{FF2B5EF4-FFF2-40B4-BE49-F238E27FC236}">
-                  <a16:creationId xmlns:a16="http://schemas.microsoft.com/office/drawing/2014/main" id="{86FA218C-0177-FE63-1B0E-6E8B566C0B01}"/>
-                </a:ext>
-              </a:extLst>
-            </p:cNvPr>
-            <p:cNvGrpSpPr/>
-            <p:nvPr/>
-          </p:nvGrpSpPr>
-          <p:grpSpPr>
-            <a:xfrm>
-              <a:off x="167917" y="5356520"/>
-              <a:ext cx="2660530" cy="1325270"/>
-              <a:chOff x="167917" y="5356520"/>
-              <a:chExt cx="2660530" cy="1325270"/>
-            </a:xfrm>
-          </p:grpSpPr>
-          <p:pic>
-            <p:nvPicPr>
-              <p:cNvPr id="70" name="図 69" descr="マップ が含まれている画像&#10;&#10;自動的に生成された説明">
-                <a:extLst>
-                  <a:ext uri="{FF2B5EF4-FFF2-40B4-BE49-F238E27FC236}">
-                    <a16:creationId xmlns:a16="http://schemas.microsoft.com/office/drawing/2014/main" id="{EC9E4C57-8A4B-9D8B-3495-94D690827A26}"/>
-                  </a:ext>
-                </a:extLst>
-              </p:cNvPr>
-              <p:cNvPicPr>
-                <a:picLocks noChangeAspect="1"/>
-              </p:cNvPicPr>
-              <p:nvPr/>
-            </p:nvPicPr>
-            <p:blipFill>
-              <a:blip r:embed="rId9">
-                <a:extLst>
-                  <a:ext uri="{28A0092B-C50C-407E-A947-70E740481C1C}">
-                    <a14:useLocalDpi xmlns:a14="http://schemas.microsoft.com/office/drawing/2010/main" val="0"/>
-                  </a:ext>
-                </a:extLst>
-              </a:blip>
-              <a:stretch>
-                <a:fillRect/>
-              </a:stretch>
-            </p:blipFill>
-            <p:spPr>
-              <a:xfrm>
-                <a:off x="2165812" y="5356520"/>
-                <a:ext cx="662635" cy="1325270"/>
-              </a:xfrm>
-              <a:prstGeom prst="rect">
-                <a:avLst/>
-              </a:prstGeom>
-              <a:effectLst>
-                <a:glow rad="50800">
-                  <a:srgbClr val="FF0000"/>
-                </a:glow>
-              </a:effectLst>
-            </p:spPr>
-          </p:pic>
-          <p:pic>
-            <p:nvPicPr>
-              <p:cNvPr id="71" name="図 70" descr="図形&#10;&#10;低い精度で自動的に生成された説明">
-                <a:extLst>
-                  <a:ext uri="{FF2B5EF4-FFF2-40B4-BE49-F238E27FC236}">
-                    <a16:creationId xmlns:a16="http://schemas.microsoft.com/office/drawing/2014/main" id="{1379B2DC-D50C-ACFF-F5F9-90D3D8242688}"/>
-                  </a:ext>
-                </a:extLst>
-              </p:cNvPr>
-              <p:cNvPicPr>
-                <a:picLocks noChangeAspect="1"/>
-              </p:cNvPicPr>
-              <p:nvPr/>
-            </p:nvPicPr>
-            <p:blipFill>
-              <a:blip r:embed="rId10">
-                <a:extLst>
-                  <a:ext uri="{28A0092B-C50C-407E-A947-70E740481C1C}">
-                    <a14:useLocalDpi xmlns:a14="http://schemas.microsoft.com/office/drawing/2010/main" val="0"/>
-                  </a:ext>
-                </a:extLst>
-              </a:blip>
-              <a:stretch>
-                <a:fillRect/>
-              </a:stretch>
-            </p:blipFill>
-            <p:spPr>
-              <a:xfrm flipH="1">
-                <a:off x="167917" y="5536975"/>
-                <a:ext cx="294056" cy="294056"/>
-              </a:xfrm>
-              <a:prstGeom prst="rect">
-                <a:avLst/>
-              </a:prstGeom>
-              <a:effectLst>
-                <a:glow rad="50800">
-                  <a:srgbClr val="FF0000"/>
-                </a:glow>
-              </a:effectLst>
-            </p:spPr>
-          </p:pic>
-          <p:pic>
-            <p:nvPicPr>
-              <p:cNvPr id="72" name="図 71" descr="図形&#10;&#10;低い精度で自動的に生成された説明">
-                <a:extLst>
-                  <a:ext uri="{FF2B5EF4-FFF2-40B4-BE49-F238E27FC236}">
-                    <a16:creationId xmlns:a16="http://schemas.microsoft.com/office/drawing/2014/main" id="{EFD47A33-5673-5CB3-885A-00EB58BFC336}"/>
-                  </a:ext>
-                </a:extLst>
-              </p:cNvPr>
-              <p:cNvPicPr>
-                <a:picLocks noChangeAspect="1"/>
-              </p:cNvPicPr>
-              <p:nvPr/>
-            </p:nvPicPr>
-            <p:blipFill>
-              <a:blip r:embed="rId10">
-                <a:extLst>
-                  <a:ext uri="{28A0092B-C50C-407E-A947-70E740481C1C}">
-                    <a14:useLocalDpi xmlns:a14="http://schemas.microsoft.com/office/drawing/2010/main" val="0"/>
-                  </a:ext>
-                </a:extLst>
-              </a:blip>
-              <a:stretch>
-                <a:fillRect/>
-              </a:stretch>
-            </p:blipFill>
-            <p:spPr>
-              <a:xfrm flipH="1">
-                <a:off x="867932" y="5426314"/>
-                <a:ext cx="294056" cy="294056"/>
-              </a:xfrm>
-              <a:prstGeom prst="rect">
-                <a:avLst/>
-              </a:prstGeom>
-              <a:effectLst>
-                <a:glow rad="50800">
-                  <a:srgbClr val="FF0000"/>
-                </a:glow>
-              </a:effectLst>
-            </p:spPr>
-          </p:pic>
-          <p:pic>
-            <p:nvPicPr>
-              <p:cNvPr id="73" name="図 72" descr="図形&#10;&#10;低い精度で自動的に生成された説明">
-                <a:extLst>
-                  <a:ext uri="{FF2B5EF4-FFF2-40B4-BE49-F238E27FC236}">
-                    <a16:creationId xmlns:a16="http://schemas.microsoft.com/office/drawing/2014/main" id="{1E52B0F2-7A2B-DEE8-35BC-BAA1E9192F7F}"/>
-                  </a:ext>
-                </a:extLst>
-              </p:cNvPr>
-              <p:cNvPicPr>
-                <a:picLocks noChangeAspect="1"/>
-              </p:cNvPicPr>
-              <p:nvPr/>
-            </p:nvPicPr>
-            <p:blipFill>
-              <a:blip r:embed="rId10">
-                <a:extLst>
-                  <a:ext uri="{28A0092B-C50C-407E-A947-70E740481C1C}">
-                    <a14:useLocalDpi xmlns:a14="http://schemas.microsoft.com/office/drawing/2010/main" val="0"/>
-                  </a:ext>
-                </a:extLst>
-              </a:blip>
-              <a:stretch>
-                <a:fillRect/>
-              </a:stretch>
-            </p:blipFill>
-            <p:spPr>
-              <a:xfrm flipH="1">
-                <a:off x="1682531" y="5591663"/>
-                <a:ext cx="294056" cy="294056"/>
-              </a:xfrm>
-              <a:prstGeom prst="rect">
-                <a:avLst/>
-              </a:prstGeom>
-              <a:effectLst>
-                <a:glow rad="50800">
-                  <a:srgbClr val="FF0000"/>
-                </a:glow>
-              </a:effectLst>
-            </p:spPr>
-          </p:pic>
-        </p:grpSp>
-        <p:pic>
-          <p:nvPicPr>
-            <p:cNvPr id="75" name="図 74" descr="黒い背景と男性の絵&#10;&#10;低い精度で自動的に生成された説明">
-              <a:extLst>
-                <a:ext uri="{FF2B5EF4-FFF2-40B4-BE49-F238E27FC236}">
-                  <a16:creationId xmlns:a16="http://schemas.microsoft.com/office/drawing/2014/main" id="{7875016B-B213-7C95-9A9D-641D3E075A52}"/>
-                </a:ext>
-              </a:extLst>
-            </p:cNvPr>
-            <p:cNvPicPr>
-              <a:picLocks noChangeAspect="1"/>
-            </p:cNvPicPr>
-            <p:nvPr/>
-          </p:nvPicPr>
-          <p:blipFill rotWithShape="1">
-            <a:blip r:embed="rId11">
-              <a:extLst>
-                <a:ext uri="{28A0092B-C50C-407E-A947-70E740481C1C}">
-                  <a14:useLocalDpi xmlns:a14="http://schemas.microsoft.com/office/drawing/2010/main" val="0"/>
-                </a:ext>
-              </a:extLst>
-            </a:blip>
-            <a:srcRect l="16528"/>
-            <a:stretch/>
-          </p:blipFill>
-          <p:spPr>
-            <a:xfrm rot="730040">
-              <a:off x="215562" y="4723479"/>
-              <a:ext cx="977172" cy="877991"/>
-            </a:xfrm>
-            <a:prstGeom prst="rect">
-              <a:avLst/>
-            </a:prstGeom>
-            <a:effectLst>
-              <a:glow rad="50800">
-                <a:schemeClr val="accent5">
-                  <a:lumMod val="40000"/>
-                  <a:lumOff val="60000"/>
-                </a:schemeClr>
-              </a:glow>
-            </a:effectLst>
-          </p:spPr>
-        </p:pic>
-      </p:grpSp>
-      <p:sp>
-        <p:nvSpPr>
-          <p:cNvPr id="81" name="テキスト ボックス 80">
-            <a:extLst>
-              <a:ext uri="{FF2B5EF4-FFF2-40B4-BE49-F238E27FC236}">
-                <a16:creationId xmlns:a16="http://schemas.microsoft.com/office/drawing/2014/main" id="{EACF1EC4-896F-E93C-FF39-E82D6B27A0C8}"/>
-              </a:ext>
-            </a:extLst>
-          </p:cNvPr>
-          <p:cNvSpPr txBox="1"/>
-          <p:nvPr/>
-        </p:nvSpPr>
-        <p:spPr>
-          <a:xfrm>
-            <a:off x="-53396" y="5690681"/>
-            <a:ext cx="2027528" cy="1200329"/>
-          </a:xfrm>
-          <a:prstGeom prst="rect">
-            <a:avLst/>
-          </a:prstGeom>
-          <a:noFill/>
-        </p:spPr>
-        <p:txBody>
-          <a:bodyPr wrap="square" rtlCol="0">
-            <a:spAutoFit/>
-          </a:bodyPr>
-          <a:lstStyle/>
-          <a:p>
-            <a:r>
-              <a:rPr lang="ja-JP" altLang="en-US" sz="3600" dirty="0">
-                <a:solidFill>
-                  <a:srgbClr val="FFC000"/>
-                </a:solidFill>
-                <a:effectLst>
-                  <a:glow rad="76200">
-                    <a:schemeClr val="accent5">
-                      <a:alpha val="90000"/>
-                    </a:schemeClr>
-                  </a:glow>
-                </a:effectLst>
-                <a:latin typeface="HG正楷書体-PRO" panose="03000600000000000000" pitchFamily="66" charset="-128"/>
-                <a:ea typeface="HG正楷書体-PRO" panose="03000600000000000000" pitchFamily="66" charset="-128"/>
-              </a:rPr>
-              <a:t>ジャスト</a:t>
-            </a:r>
-            <a:endParaRPr lang="en-US" altLang="ja-JP" sz="3600" dirty="0">
-              <a:solidFill>
-                <a:srgbClr val="FFC000"/>
-              </a:solidFill>
-              <a:effectLst>
-                <a:glow rad="76200">
-                  <a:schemeClr val="accent5">
-                    <a:alpha val="90000"/>
-                  </a:schemeClr>
-                </a:glow>
-              </a:effectLst>
-              <a:latin typeface="HG正楷書体-PRO" panose="03000600000000000000" pitchFamily="66" charset="-128"/>
-              <a:ea typeface="HG正楷書体-PRO" panose="03000600000000000000" pitchFamily="66" charset="-128"/>
-            </a:endParaRPr>
-          </a:p>
-          <a:p>
-            <a:pPr algn="r"/>
-            <a:r>
-              <a:rPr lang="ja-JP" altLang="en-US" sz="3600" dirty="0">
-                <a:solidFill>
-                  <a:srgbClr val="FFC000"/>
-                </a:solidFill>
-                <a:effectLst>
-                  <a:glow rad="76200">
-                    <a:schemeClr val="accent5">
-                      <a:alpha val="90000"/>
-                    </a:schemeClr>
-                  </a:glow>
-                </a:effectLst>
-                <a:latin typeface="HG正楷書体-PRO" panose="03000600000000000000" pitchFamily="66" charset="-128"/>
-                <a:ea typeface="HG正楷書体-PRO" panose="03000600000000000000" pitchFamily="66" charset="-128"/>
-              </a:rPr>
-              <a:t>回避</a:t>
-            </a:r>
-            <a:endParaRPr kumimoji="1" lang="ja-JP" altLang="en-US" sz="3600" dirty="0">
-              <a:solidFill>
-                <a:srgbClr val="FFC000"/>
               </a:solidFill>
               <a:effectLst>
                 <a:glow rad="76200">
@@ -6469,7 +6072,7 @@
         </p:nvSpPr>
         <p:spPr>
           <a:xfrm>
-            <a:off x="2849" y="4440426"/>
+            <a:off x="49032" y="4440889"/>
             <a:ext cx="1814023" cy="248672"/>
           </a:xfrm>
           <a:prstGeom prst="rect">
@@ -6526,7 +6129,7 @@
         </p:nvSpPr>
         <p:spPr>
           <a:xfrm>
-            <a:off x="2851" y="4455637"/>
+            <a:off x="49034" y="4456100"/>
             <a:ext cx="1033606" cy="236866"/>
           </a:xfrm>
           <a:prstGeom prst="rect">
@@ -6578,7 +6181,7 @@
         </p:nvSpPr>
         <p:spPr>
           <a:xfrm>
-            <a:off x="11354" y="4475547"/>
+            <a:off x="57537" y="4476010"/>
             <a:ext cx="1777726" cy="223442"/>
           </a:xfrm>
           <a:prstGeom prst="rightArrow">
@@ -6675,12 +6278,714 @@
           </a:p>
         </p:txBody>
       </p:sp>
-      <p:sp>
-        <p:nvSpPr>
-          <p:cNvPr id="90" name="テキスト ボックス 89">
-            <a:extLst>
-              <a:ext uri="{FF2B5EF4-FFF2-40B4-BE49-F238E27FC236}">
-                <a16:creationId xmlns:a16="http://schemas.microsoft.com/office/drawing/2014/main" id="{A3451AEE-716B-C5A2-315A-6CD2F3D5D4A2}"/>
+      <p:grpSp>
+        <p:nvGrpSpPr>
+          <p:cNvPr id="14" name="グループ化 13">
+            <a:extLst>
+              <a:ext uri="{FF2B5EF4-FFF2-40B4-BE49-F238E27FC236}">
+                <a16:creationId xmlns:a16="http://schemas.microsoft.com/office/drawing/2014/main" id="{9CB71B88-A66D-9E33-5A77-E5534C5C7A3D}"/>
+              </a:ext>
+            </a:extLst>
+          </p:cNvPr>
+          <p:cNvGrpSpPr/>
+          <p:nvPr/>
+        </p:nvGrpSpPr>
+        <p:grpSpPr>
+          <a:xfrm>
+            <a:off x="9275689" y="760669"/>
+            <a:ext cx="2084976" cy="1739397"/>
+            <a:chOff x="6180169" y="3110488"/>
+            <a:chExt cx="1632390" cy="1361826"/>
+          </a:xfrm>
+          <a:effectLst>
+            <a:glow rad="127000">
+              <a:schemeClr val="accent1">
+                <a:lumMod val="60000"/>
+                <a:lumOff val="40000"/>
+                <a:alpha val="46000"/>
+              </a:schemeClr>
+            </a:glow>
+          </a:effectLst>
+        </p:grpSpPr>
+        <p:sp>
+          <p:nvSpPr>
+            <p:cNvPr id="5" name="正方形/長方形 4">
+              <a:extLst>
+                <a:ext uri="{FF2B5EF4-FFF2-40B4-BE49-F238E27FC236}">
+                  <a16:creationId xmlns:a16="http://schemas.microsoft.com/office/drawing/2014/main" id="{FEF238FD-B4FF-B462-2D3D-93BC324081F6}"/>
+                </a:ext>
+              </a:extLst>
+            </p:cNvPr>
+            <p:cNvSpPr/>
+            <p:nvPr/>
+          </p:nvSpPr>
+          <p:spPr>
+            <a:xfrm>
+              <a:off x="6214260" y="3677413"/>
+              <a:ext cx="200220" cy="194499"/>
+            </a:xfrm>
+            <a:prstGeom prst="rect">
+              <a:avLst/>
+            </a:prstGeom>
+            <a:solidFill>
+              <a:schemeClr val="tx1">
+                <a:lumMod val="95000"/>
+                <a:lumOff val="5000"/>
+              </a:schemeClr>
+            </a:solidFill>
+            <a:ln w="38100">
+              <a:solidFill>
+                <a:srgbClr val="FFC000"/>
+              </a:solidFill>
+            </a:ln>
+          </p:spPr>
+          <p:style>
+            <a:lnRef idx="2">
+              <a:schemeClr val="accent1">
+                <a:shade val="15000"/>
+              </a:schemeClr>
+            </a:lnRef>
+            <a:fillRef idx="1">
+              <a:schemeClr val="accent1"/>
+            </a:fillRef>
+            <a:effectRef idx="0">
+              <a:schemeClr val="accent1"/>
+            </a:effectRef>
+            <a:fontRef idx="minor">
+              <a:schemeClr val="lt1"/>
+            </a:fontRef>
+          </p:style>
+          <p:txBody>
+            <a:bodyPr rtlCol="0" anchor="ctr"/>
+            <a:lstStyle/>
+            <a:p>
+              <a:pPr algn="ctr"/>
+              <a:endParaRPr kumimoji="1" lang="ja-JP" altLang="en-US" dirty="0"/>
+            </a:p>
+          </p:txBody>
+        </p:sp>
+        <p:sp>
+          <p:nvSpPr>
+            <p:cNvPr id="3" name="正方形/長方形 2">
+              <a:extLst>
+                <a:ext uri="{FF2B5EF4-FFF2-40B4-BE49-F238E27FC236}">
+                  <a16:creationId xmlns:a16="http://schemas.microsoft.com/office/drawing/2014/main" id="{3EC4E004-CB96-8B5F-860F-CF93ABC5BD2D}"/>
+                </a:ext>
+              </a:extLst>
+            </p:cNvPr>
+            <p:cNvSpPr/>
+            <p:nvPr/>
+          </p:nvSpPr>
+          <p:spPr>
+            <a:xfrm>
+              <a:off x="6180169" y="3474403"/>
+              <a:ext cx="45719" cy="863285"/>
+            </a:xfrm>
+            <a:prstGeom prst="rect">
+              <a:avLst/>
+            </a:prstGeom>
+            <a:solidFill>
+              <a:schemeClr val="tx1">
+                <a:lumMod val="95000"/>
+                <a:lumOff val="5000"/>
+              </a:schemeClr>
+            </a:solidFill>
+            <a:ln w="38100">
+              <a:solidFill>
+                <a:schemeClr val="bg1"/>
+              </a:solidFill>
+            </a:ln>
+          </p:spPr>
+          <p:style>
+            <a:lnRef idx="2">
+              <a:schemeClr val="accent1">
+                <a:shade val="15000"/>
+              </a:schemeClr>
+            </a:lnRef>
+            <a:fillRef idx="1">
+              <a:schemeClr val="accent1"/>
+            </a:fillRef>
+            <a:effectRef idx="0">
+              <a:schemeClr val="accent1"/>
+            </a:effectRef>
+            <a:fontRef idx="minor">
+              <a:schemeClr val="lt1"/>
+            </a:fontRef>
+          </p:style>
+          <p:txBody>
+            <a:bodyPr rtlCol="0" anchor="ctr"/>
+            <a:lstStyle/>
+            <a:p>
+              <a:pPr algn="ctr"/>
+              <a:endParaRPr kumimoji="1" lang="ja-JP" altLang="en-US" dirty="0"/>
+            </a:p>
+          </p:txBody>
+        </p:sp>
+        <p:pic>
+          <p:nvPicPr>
+            <p:cNvPr id="8" name="図 7" descr="図形&#10;&#10;低い精度で自動的に生成された説明">
+              <a:extLst>
+                <a:ext uri="{FF2B5EF4-FFF2-40B4-BE49-F238E27FC236}">
+                  <a16:creationId xmlns:a16="http://schemas.microsoft.com/office/drawing/2014/main" id="{1BC403D9-455C-7FE9-3839-27D0F9DFB996}"/>
+                </a:ext>
+              </a:extLst>
+            </p:cNvPr>
+            <p:cNvPicPr>
+              <a:picLocks noChangeAspect="1"/>
+            </p:cNvPicPr>
+            <p:nvPr/>
+          </p:nvPicPr>
+          <p:blipFill>
+            <a:blip r:embed="rId3">
+              <a:extLst>
+                <a:ext uri="{28A0092B-C50C-407E-A947-70E740481C1C}">
+                  <a14:useLocalDpi xmlns:a14="http://schemas.microsoft.com/office/drawing/2010/main" val="0"/>
+                </a:ext>
+              </a:extLst>
+            </a:blip>
+            <a:stretch>
+              <a:fillRect/>
+            </a:stretch>
+          </p:blipFill>
+          <p:spPr>
+            <a:xfrm flipH="1">
+              <a:off x="6215896" y="3630069"/>
+              <a:ext cx="873651" cy="842245"/>
+            </a:xfrm>
+            <a:prstGeom prst="rect">
+              <a:avLst/>
+            </a:prstGeom>
+            <a:effectLst>
+              <a:glow rad="50800">
+                <a:srgbClr val="FFFF00">
+                  <a:alpha val="67000"/>
+                </a:srgbClr>
+              </a:glow>
+            </a:effectLst>
+          </p:spPr>
+        </p:pic>
+        <p:sp>
+          <p:nvSpPr>
+            <p:cNvPr id="9" name="正方形/長方形 8">
+              <a:extLst>
+                <a:ext uri="{FF2B5EF4-FFF2-40B4-BE49-F238E27FC236}">
+                  <a16:creationId xmlns:a16="http://schemas.microsoft.com/office/drawing/2014/main" id="{E1634B7C-351E-0341-559F-A45E117DC214}"/>
+                </a:ext>
+              </a:extLst>
+            </p:cNvPr>
+            <p:cNvSpPr/>
+            <p:nvPr/>
+          </p:nvSpPr>
+          <p:spPr>
+            <a:xfrm>
+              <a:off x="7563209" y="3253800"/>
+              <a:ext cx="200220" cy="194499"/>
+            </a:xfrm>
+            <a:prstGeom prst="rect">
+              <a:avLst/>
+            </a:prstGeom>
+            <a:solidFill>
+              <a:schemeClr val="tx1">
+                <a:lumMod val="95000"/>
+                <a:lumOff val="5000"/>
+              </a:schemeClr>
+            </a:solidFill>
+            <a:ln w="38100">
+              <a:solidFill>
+                <a:srgbClr val="FFC000"/>
+              </a:solidFill>
+            </a:ln>
+          </p:spPr>
+          <p:style>
+            <a:lnRef idx="2">
+              <a:schemeClr val="accent1">
+                <a:shade val="15000"/>
+              </a:schemeClr>
+            </a:lnRef>
+            <a:fillRef idx="1">
+              <a:schemeClr val="accent1"/>
+            </a:fillRef>
+            <a:effectRef idx="0">
+              <a:schemeClr val="accent1"/>
+            </a:effectRef>
+            <a:fontRef idx="minor">
+              <a:schemeClr val="lt1"/>
+            </a:fontRef>
+          </p:style>
+          <p:txBody>
+            <a:bodyPr rtlCol="0" anchor="ctr"/>
+            <a:lstStyle/>
+            <a:p>
+              <a:pPr algn="ctr"/>
+              <a:endParaRPr kumimoji="1" lang="ja-JP" altLang="en-US" dirty="0"/>
+            </a:p>
+          </p:txBody>
+        </p:sp>
+        <p:sp>
+          <p:nvSpPr>
+            <p:cNvPr id="10" name="正方形/長方形 9">
+              <a:extLst>
+                <a:ext uri="{FF2B5EF4-FFF2-40B4-BE49-F238E27FC236}">
+                  <a16:creationId xmlns:a16="http://schemas.microsoft.com/office/drawing/2014/main" id="{4DFC9BC6-AD98-D8FD-882F-AA6CB0F06680}"/>
+                </a:ext>
+              </a:extLst>
+            </p:cNvPr>
+            <p:cNvSpPr/>
+            <p:nvPr/>
+          </p:nvSpPr>
+          <p:spPr>
+            <a:xfrm>
+              <a:off x="7766840" y="3110488"/>
+              <a:ext cx="45719" cy="863285"/>
+            </a:xfrm>
+            <a:prstGeom prst="rect">
+              <a:avLst/>
+            </a:prstGeom>
+            <a:solidFill>
+              <a:schemeClr val="tx1">
+                <a:lumMod val="95000"/>
+                <a:lumOff val="5000"/>
+              </a:schemeClr>
+            </a:solidFill>
+            <a:ln w="38100">
+              <a:solidFill>
+                <a:schemeClr val="bg1"/>
+              </a:solidFill>
+            </a:ln>
+          </p:spPr>
+          <p:style>
+            <a:lnRef idx="2">
+              <a:schemeClr val="accent1">
+                <a:shade val="15000"/>
+              </a:schemeClr>
+            </a:lnRef>
+            <a:fillRef idx="1">
+              <a:schemeClr val="accent1"/>
+            </a:fillRef>
+            <a:effectRef idx="0">
+              <a:schemeClr val="accent1"/>
+            </a:effectRef>
+            <a:fontRef idx="minor">
+              <a:schemeClr val="lt1"/>
+            </a:fontRef>
+          </p:style>
+          <p:txBody>
+            <a:bodyPr rtlCol="0" anchor="ctr"/>
+            <a:lstStyle/>
+            <a:p>
+              <a:pPr algn="ctr"/>
+              <a:endParaRPr kumimoji="1" lang="ja-JP" altLang="en-US" dirty="0"/>
+            </a:p>
+          </p:txBody>
+        </p:sp>
+        <p:pic>
+          <p:nvPicPr>
+            <p:cNvPr id="11" name="図 10" descr="図形&#10;&#10;低い精度で自動的に生成された説明">
+              <a:extLst>
+                <a:ext uri="{FF2B5EF4-FFF2-40B4-BE49-F238E27FC236}">
+                  <a16:creationId xmlns:a16="http://schemas.microsoft.com/office/drawing/2014/main" id="{7134E841-96F1-2EDE-08CB-FBE59E37B1EB}"/>
+                </a:ext>
+              </a:extLst>
+            </p:cNvPr>
+            <p:cNvPicPr>
+              <a:picLocks noChangeAspect="1"/>
+            </p:cNvPicPr>
+            <p:nvPr/>
+          </p:nvPicPr>
+          <p:blipFill>
+            <a:blip r:embed="rId3">
+              <a:extLst>
+                <a:ext uri="{28A0092B-C50C-407E-A947-70E740481C1C}">
+                  <a14:useLocalDpi xmlns:a14="http://schemas.microsoft.com/office/drawing/2010/main" val="0"/>
+                </a:ext>
+              </a:extLst>
+            </a:blip>
+            <a:stretch>
+              <a:fillRect/>
+            </a:stretch>
+          </p:blipFill>
+          <p:spPr>
+            <a:xfrm>
+              <a:off x="6866165" y="3216726"/>
+              <a:ext cx="873652" cy="842245"/>
+            </a:xfrm>
+            <a:prstGeom prst="rect">
+              <a:avLst/>
+            </a:prstGeom>
+            <a:effectLst>
+              <a:glow rad="50800">
+                <a:srgbClr val="FFFF00">
+                  <a:alpha val="67000"/>
+                </a:srgbClr>
+              </a:glow>
+            </a:effectLst>
+          </p:spPr>
+        </p:pic>
+      </p:grpSp>
+      <p:grpSp>
+        <p:nvGrpSpPr>
+          <p:cNvPr id="48" name="グループ化 47">
+            <a:extLst>
+              <a:ext uri="{FF2B5EF4-FFF2-40B4-BE49-F238E27FC236}">
+                <a16:creationId xmlns:a16="http://schemas.microsoft.com/office/drawing/2014/main" id="{E0015F37-15EC-C68D-D80E-12FC2B0F5C7D}"/>
+              </a:ext>
+            </a:extLst>
+          </p:cNvPr>
+          <p:cNvGrpSpPr/>
+          <p:nvPr/>
+        </p:nvGrpSpPr>
+        <p:grpSpPr>
+          <a:xfrm>
+            <a:off x="100255" y="4760849"/>
+            <a:ext cx="2660530" cy="1958311"/>
+            <a:chOff x="100255" y="4760849"/>
+            <a:chExt cx="2660530" cy="1958311"/>
+          </a:xfrm>
+        </p:grpSpPr>
+        <p:grpSp>
+          <p:nvGrpSpPr>
+            <p:cNvPr id="85" name="グループ化 84">
+              <a:extLst>
+                <a:ext uri="{FF2B5EF4-FFF2-40B4-BE49-F238E27FC236}">
+                  <a16:creationId xmlns:a16="http://schemas.microsoft.com/office/drawing/2014/main" id="{A68E555E-E7D6-40E6-B86F-6031AA657787}"/>
+                </a:ext>
+              </a:extLst>
+            </p:cNvPr>
+            <p:cNvGrpSpPr/>
+            <p:nvPr/>
+          </p:nvGrpSpPr>
+          <p:grpSpPr>
+            <a:xfrm>
+              <a:off x="100255" y="4760849"/>
+              <a:ext cx="2660530" cy="1958311"/>
+              <a:chOff x="167917" y="4723479"/>
+              <a:chExt cx="2660530" cy="1958311"/>
+            </a:xfrm>
+          </p:grpSpPr>
+          <p:grpSp>
+            <p:nvGrpSpPr>
+              <p:cNvPr id="84" name="グループ化 83">
+                <a:extLst>
+                  <a:ext uri="{FF2B5EF4-FFF2-40B4-BE49-F238E27FC236}">
+                    <a16:creationId xmlns:a16="http://schemas.microsoft.com/office/drawing/2014/main" id="{86FA218C-0177-FE63-1B0E-6E8B566C0B01}"/>
+                  </a:ext>
+                </a:extLst>
+              </p:cNvPr>
+              <p:cNvGrpSpPr/>
+              <p:nvPr/>
+            </p:nvGrpSpPr>
+            <p:grpSpPr>
+              <a:xfrm>
+                <a:off x="167917" y="5356520"/>
+                <a:ext cx="2660530" cy="1325270"/>
+                <a:chOff x="167917" y="5356520"/>
+                <a:chExt cx="2660530" cy="1325270"/>
+              </a:xfrm>
+            </p:grpSpPr>
+            <p:pic>
+              <p:nvPicPr>
+                <p:cNvPr id="70" name="図 69" descr="マップ が含まれている画像&#10;&#10;自動的に生成された説明">
+                  <a:extLst>
+                    <a:ext uri="{FF2B5EF4-FFF2-40B4-BE49-F238E27FC236}">
+                      <a16:creationId xmlns:a16="http://schemas.microsoft.com/office/drawing/2014/main" id="{EC9E4C57-8A4B-9D8B-3495-94D690827A26}"/>
+                    </a:ext>
+                  </a:extLst>
+                </p:cNvPr>
+                <p:cNvPicPr>
+                  <a:picLocks noChangeAspect="1"/>
+                </p:cNvPicPr>
+                <p:nvPr/>
+              </p:nvPicPr>
+              <p:blipFill>
+                <a:blip r:embed="rId9">
+                  <a:extLst>
+                    <a:ext uri="{28A0092B-C50C-407E-A947-70E740481C1C}">
+                      <a14:useLocalDpi xmlns:a14="http://schemas.microsoft.com/office/drawing/2010/main" val="0"/>
+                    </a:ext>
+                  </a:extLst>
+                </a:blip>
+                <a:stretch>
+                  <a:fillRect/>
+                </a:stretch>
+              </p:blipFill>
+              <p:spPr>
+                <a:xfrm>
+                  <a:off x="2165812" y="5356520"/>
+                  <a:ext cx="662635" cy="1325270"/>
+                </a:xfrm>
+                <a:prstGeom prst="rect">
+                  <a:avLst/>
+                </a:prstGeom>
+                <a:effectLst>
+                  <a:glow rad="50800">
+                    <a:srgbClr val="FF0000"/>
+                  </a:glow>
+                </a:effectLst>
+              </p:spPr>
+            </p:pic>
+            <p:pic>
+              <p:nvPicPr>
+                <p:cNvPr id="71" name="図 70" descr="図形&#10;&#10;低い精度で自動的に生成された説明">
+                  <a:extLst>
+                    <a:ext uri="{FF2B5EF4-FFF2-40B4-BE49-F238E27FC236}">
+                      <a16:creationId xmlns:a16="http://schemas.microsoft.com/office/drawing/2014/main" id="{1379B2DC-D50C-ACFF-F5F9-90D3D8242688}"/>
+                    </a:ext>
+                  </a:extLst>
+                </p:cNvPr>
+                <p:cNvPicPr>
+                  <a:picLocks noChangeAspect="1"/>
+                </p:cNvPicPr>
+                <p:nvPr/>
+              </p:nvPicPr>
+              <p:blipFill>
+                <a:blip r:embed="rId10">
+                  <a:extLst>
+                    <a:ext uri="{28A0092B-C50C-407E-A947-70E740481C1C}">
+                      <a14:useLocalDpi xmlns:a14="http://schemas.microsoft.com/office/drawing/2010/main" val="0"/>
+                    </a:ext>
+                  </a:extLst>
+                </a:blip>
+                <a:stretch>
+                  <a:fillRect/>
+                </a:stretch>
+              </p:blipFill>
+              <p:spPr>
+                <a:xfrm flipH="1">
+                  <a:off x="167917" y="5536975"/>
+                  <a:ext cx="294056" cy="294056"/>
+                </a:xfrm>
+                <a:prstGeom prst="rect">
+                  <a:avLst/>
+                </a:prstGeom>
+                <a:effectLst>
+                  <a:glow rad="50800">
+                    <a:srgbClr val="FF0000"/>
+                  </a:glow>
+                </a:effectLst>
+              </p:spPr>
+            </p:pic>
+            <p:pic>
+              <p:nvPicPr>
+                <p:cNvPr id="73" name="図 72" descr="図形&#10;&#10;低い精度で自動的に生成された説明">
+                  <a:extLst>
+                    <a:ext uri="{FF2B5EF4-FFF2-40B4-BE49-F238E27FC236}">
+                      <a16:creationId xmlns:a16="http://schemas.microsoft.com/office/drawing/2014/main" id="{1E52B0F2-7A2B-DEE8-35BC-BAA1E9192F7F}"/>
+                    </a:ext>
+                  </a:extLst>
+                </p:cNvPr>
+                <p:cNvPicPr>
+                  <a:picLocks noChangeAspect="1"/>
+                </p:cNvPicPr>
+                <p:nvPr/>
+              </p:nvPicPr>
+              <p:blipFill>
+                <a:blip r:embed="rId10">
+                  <a:extLst>
+                    <a:ext uri="{28A0092B-C50C-407E-A947-70E740481C1C}">
+                      <a14:useLocalDpi xmlns:a14="http://schemas.microsoft.com/office/drawing/2010/main" val="0"/>
+                    </a:ext>
+                  </a:extLst>
+                </a:blip>
+                <a:stretch>
+                  <a:fillRect/>
+                </a:stretch>
+              </p:blipFill>
+              <p:spPr>
+                <a:xfrm flipH="1">
+                  <a:off x="1682531" y="5591663"/>
+                  <a:ext cx="294056" cy="294056"/>
+                </a:xfrm>
+                <a:prstGeom prst="rect">
+                  <a:avLst/>
+                </a:prstGeom>
+                <a:effectLst>
+                  <a:glow rad="50800">
+                    <a:srgbClr val="FF0000"/>
+                  </a:glow>
+                </a:effectLst>
+              </p:spPr>
+            </p:pic>
+            <p:pic>
+              <p:nvPicPr>
+                <p:cNvPr id="72" name="図 71" descr="図形&#10;&#10;低い精度で自動的に生成された説明">
+                  <a:extLst>
+                    <a:ext uri="{FF2B5EF4-FFF2-40B4-BE49-F238E27FC236}">
+                      <a16:creationId xmlns:a16="http://schemas.microsoft.com/office/drawing/2014/main" id="{EFD47A33-5673-5CB3-885A-00EB58BFC336}"/>
+                    </a:ext>
+                  </a:extLst>
+                </p:cNvPr>
+                <p:cNvPicPr>
+                  <a:picLocks noChangeAspect="1"/>
+                </p:cNvPicPr>
+                <p:nvPr/>
+              </p:nvPicPr>
+              <p:blipFill>
+                <a:blip r:embed="rId10">
+                  <a:extLst>
+                    <a:ext uri="{28A0092B-C50C-407E-A947-70E740481C1C}">
+                      <a14:useLocalDpi xmlns:a14="http://schemas.microsoft.com/office/drawing/2010/main" val="0"/>
+                    </a:ext>
+                  </a:extLst>
+                </a:blip>
+                <a:stretch>
+                  <a:fillRect/>
+                </a:stretch>
+              </p:blipFill>
+              <p:spPr>
+                <a:xfrm flipH="1">
+                  <a:off x="867932" y="5426314"/>
+                  <a:ext cx="294056" cy="294056"/>
+                </a:xfrm>
+                <a:prstGeom prst="rect">
+                  <a:avLst/>
+                </a:prstGeom>
+                <a:effectLst>
+                  <a:glow rad="50800">
+                    <a:srgbClr val="FF0000"/>
+                  </a:glow>
+                </a:effectLst>
+              </p:spPr>
+            </p:pic>
+          </p:grpSp>
+          <p:pic>
+            <p:nvPicPr>
+              <p:cNvPr id="75" name="図 74" descr="黒い背景と男性の絵&#10;&#10;低い精度で自動的に生成された説明">
+                <a:extLst>
+                  <a:ext uri="{FF2B5EF4-FFF2-40B4-BE49-F238E27FC236}">
+                    <a16:creationId xmlns:a16="http://schemas.microsoft.com/office/drawing/2014/main" id="{7875016B-B213-7C95-9A9D-641D3E075A52}"/>
+                  </a:ext>
+                </a:extLst>
+              </p:cNvPr>
+              <p:cNvPicPr>
+                <a:picLocks noChangeAspect="1"/>
+              </p:cNvPicPr>
+              <p:nvPr/>
+            </p:nvPicPr>
+            <p:blipFill rotWithShape="1">
+              <a:blip r:embed="rId11">
+                <a:extLst>
+                  <a:ext uri="{28A0092B-C50C-407E-A947-70E740481C1C}">
+                    <a14:useLocalDpi xmlns:a14="http://schemas.microsoft.com/office/drawing/2010/main" val="0"/>
+                  </a:ext>
+                </a:extLst>
+              </a:blip>
+              <a:srcRect l="16528"/>
+              <a:stretch/>
+            </p:blipFill>
+            <p:spPr>
+              <a:xfrm rot="730040">
+                <a:off x="215562" y="4723479"/>
+                <a:ext cx="977172" cy="877991"/>
+              </a:xfrm>
+              <a:prstGeom prst="rect">
+                <a:avLst/>
+              </a:prstGeom>
+              <a:effectLst>
+                <a:glow rad="50800">
+                  <a:schemeClr val="accent5">
+                    <a:lumMod val="40000"/>
+                    <a:lumOff val="60000"/>
+                    <a:alpha val="67000"/>
+                  </a:schemeClr>
+                </a:glow>
+              </a:effectLst>
+            </p:spPr>
+          </p:pic>
+        </p:grpSp>
+        <p:pic>
+          <p:nvPicPr>
+            <p:cNvPr id="46" name="図 45" descr="黒い背景と男性の絵&#10;&#10;低い精度で自動的に生成された説明">
+              <a:extLst>
+                <a:ext uri="{FF2B5EF4-FFF2-40B4-BE49-F238E27FC236}">
+                  <a16:creationId xmlns:a16="http://schemas.microsoft.com/office/drawing/2014/main" id="{B71D58D9-7954-D9AB-8C55-0C16A1295EB7}"/>
+                </a:ext>
+              </a:extLst>
+            </p:cNvPr>
+            <p:cNvPicPr>
+              <a:picLocks noChangeAspect="1"/>
+            </p:cNvPicPr>
+            <p:nvPr/>
+          </p:nvPicPr>
+          <p:blipFill rotWithShape="1">
+            <a:blip r:embed="rId11">
+              <a:extLst>
+                <a:ext uri="{28A0092B-C50C-407E-A947-70E740481C1C}">
+                  <a14:useLocalDpi xmlns:a14="http://schemas.microsoft.com/office/drawing/2010/main" val="0"/>
+                </a:ext>
+              </a:extLst>
+            </a:blip>
+            <a:srcRect l="16528"/>
+            <a:stretch/>
+          </p:blipFill>
+          <p:spPr>
+            <a:xfrm rot="730040">
+              <a:off x="717075" y="4768897"/>
+              <a:ext cx="977172" cy="877991"/>
+            </a:xfrm>
+            <a:prstGeom prst="rect">
+              <a:avLst/>
+            </a:prstGeom>
+            <a:effectLst>
+              <a:glow rad="50800">
+                <a:schemeClr val="accent5">
+                  <a:lumMod val="40000"/>
+                  <a:lumOff val="60000"/>
+                  <a:alpha val="67000"/>
+                </a:schemeClr>
+              </a:glow>
+            </a:effectLst>
+          </p:spPr>
+        </p:pic>
+        <p:pic>
+          <p:nvPicPr>
+            <p:cNvPr id="47" name="図 46" descr="黒い背景と男性の絵&#10;&#10;低い精度で自動的に生成された説明">
+              <a:extLst>
+                <a:ext uri="{FF2B5EF4-FFF2-40B4-BE49-F238E27FC236}">
+                  <a16:creationId xmlns:a16="http://schemas.microsoft.com/office/drawing/2014/main" id="{3EBE9CEF-D15A-2621-8AA0-9CAAC40B9842}"/>
+                </a:ext>
+              </a:extLst>
+            </p:cNvPr>
+            <p:cNvPicPr>
+              <a:picLocks noChangeAspect="1"/>
+            </p:cNvPicPr>
+            <p:nvPr/>
+          </p:nvPicPr>
+          <p:blipFill rotWithShape="1">
+            <a:blip r:embed="rId11">
+              <a:extLst>
+                <a:ext uri="{28A0092B-C50C-407E-A947-70E740481C1C}">
+                  <a14:useLocalDpi xmlns:a14="http://schemas.microsoft.com/office/drawing/2010/main" val="0"/>
+                </a:ext>
+              </a:extLst>
+            </a:blip>
+            <a:srcRect l="16528"/>
+            <a:stretch/>
+          </p:blipFill>
+          <p:spPr>
+            <a:xfrm rot="730040">
+              <a:off x="1315642" y="4761398"/>
+              <a:ext cx="977172" cy="877991"/>
+            </a:xfrm>
+            <a:prstGeom prst="rect">
+              <a:avLst/>
+            </a:prstGeom>
+            <a:effectLst>
+              <a:glow rad="50800">
+                <a:schemeClr val="accent5">
+                  <a:lumMod val="40000"/>
+                  <a:lumOff val="60000"/>
+                </a:schemeClr>
+              </a:glow>
+            </a:effectLst>
+          </p:spPr>
+        </p:pic>
+      </p:grpSp>
+      <p:sp>
+        <p:nvSpPr>
+          <p:cNvPr id="37" name="テキスト ボックス 36">
+            <a:extLst>
+              <a:ext uri="{FF2B5EF4-FFF2-40B4-BE49-F238E27FC236}">
+                <a16:creationId xmlns:a16="http://schemas.microsoft.com/office/drawing/2014/main" id="{9B3DEE61-33F5-B243-AA7F-FEF8AD60D1CA}"/>
               </a:ext>
             </a:extLst>
           </p:cNvPr>
@@ -6689,8 +6994,8 @@
         </p:nvSpPr>
         <p:spPr>
           <a:xfrm>
-            <a:off x="12330798" y="2336122"/>
-            <a:ext cx="2807110" cy="923330"/>
+            <a:off x="723203" y="4988855"/>
+            <a:ext cx="909407" cy="369332"/>
           </a:xfrm>
           <a:prstGeom prst="rect">
             <a:avLst/>
@@ -6704,34 +7009,62 @@
           <a:lstStyle/>
           <a:p>
             <a:r>
-              <a:rPr lang="ja-JP" altLang="en-US" dirty="0"/>
-              <a:t>分身の有効活用</a:t>
-            </a:r>
-            <a:endParaRPr lang="en-US" altLang="ja-JP" dirty="0"/>
-          </a:p>
-          <a:p>
-            <a:r>
-              <a:rPr kumimoji="1" lang="en-US" altLang="ja-JP" dirty="0"/>
-              <a:t>(</a:t>
-            </a:r>
-            <a:r>
-              <a:rPr kumimoji="1" lang="ja-JP" altLang="en-US" dirty="0"/>
-              <a:t>敵の攻撃の面、士気の倍率など</a:t>
-            </a:r>
-            <a:r>
-              <a:rPr kumimoji="1" lang="en-US" altLang="ja-JP" dirty="0"/>
-              <a:t>)</a:t>
-            </a:r>
-            <a:endParaRPr kumimoji="1" lang="ja-JP" altLang="en-US" dirty="0"/>
-          </a:p>
-        </p:txBody>
-      </p:sp>
-      <p:sp>
-        <p:nvSpPr>
-          <p:cNvPr id="91" name="テキスト ボックス 90">
-            <a:extLst>
-              <a:ext uri="{FF2B5EF4-FFF2-40B4-BE49-F238E27FC236}">
-                <a16:creationId xmlns:a16="http://schemas.microsoft.com/office/drawing/2014/main" id="{BAB463EF-A1DB-2EE3-3F7A-D56C8D8DC1AC}"/>
+              <a:rPr lang="en-US" altLang="ja-JP" dirty="0">
+                <a:solidFill>
+                  <a:schemeClr val="bg1"/>
+                </a:solidFill>
+                <a:effectLst>
+                  <a:glow rad="76200">
+                    <a:srgbClr val="C00000">
+                      <a:alpha val="90000"/>
+                    </a:srgbClr>
+                  </a:glow>
+                </a:effectLst>
+                <a:latin typeface="HG正楷書体-PRO" panose="03000600000000000000" pitchFamily="66" charset="-128"/>
+                <a:ea typeface="HG正楷書体-PRO" panose="03000600000000000000" pitchFamily="66" charset="-128"/>
+              </a:rPr>
+              <a:t>1.0</a:t>
+            </a:r>
+            <a:r>
+              <a:rPr lang="ja-JP" altLang="en-US" dirty="0">
+                <a:solidFill>
+                  <a:schemeClr val="bg1"/>
+                </a:solidFill>
+                <a:effectLst>
+                  <a:glow rad="76200">
+                    <a:srgbClr val="C00000">
+                      <a:alpha val="90000"/>
+                    </a:srgbClr>
+                  </a:glow>
+                </a:effectLst>
+                <a:latin typeface="HG正楷書体-PRO" panose="03000600000000000000" pitchFamily="66" charset="-128"/>
+                <a:ea typeface="HG正楷書体-PRO" panose="03000600000000000000" pitchFamily="66" charset="-128"/>
+              </a:rPr>
+              <a:t>倍</a:t>
+            </a:r>
+            <a:endParaRPr lang="en-US" altLang="ja-JP" dirty="0">
+              <a:solidFill>
+                <a:schemeClr val="bg1"/>
+              </a:solidFill>
+              <a:effectLst>
+                <a:glow rad="76200">
+                  <a:srgbClr val="C00000">
+                    <a:alpha val="90000"/>
+                  </a:srgbClr>
+                </a:glow>
+              </a:effectLst>
+              <a:latin typeface="HG正楷書体-PRO" panose="03000600000000000000" pitchFamily="66" charset="-128"/>
+              <a:ea typeface="HG正楷書体-PRO" panose="03000600000000000000" pitchFamily="66" charset="-128"/>
+            </a:endParaRPr>
+          </a:p>
+        </p:txBody>
+      </p:sp>
+      <p:sp>
+        <p:nvSpPr>
+          <p:cNvPr id="39" name="テキスト ボックス 38">
+            <a:extLst>
+              <a:ext uri="{FF2B5EF4-FFF2-40B4-BE49-F238E27FC236}">
+                <a16:creationId xmlns:a16="http://schemas.microsoft.com/office/drawing/2014/main" id="{9B33125A-3BDC-D1FA-7502-F226C9C1BAC9}"/>
               </a:ext>
             </a:extLst>
           </p:cNvPr>
@@ -6740,8 +7073,1046 @@
         </p:nvSpPr>
         <p:spPr>
           <a:xfrm>
-            <a:off x="7425380" y="3102700"/>
-            <a:ext cx="3431786" cy="1200329"/>
+            <a:off x="65739" y="4996354"/>
+            <a:ext cx="909407" cy="369332"/>
+          </a:xfrm>
+          <a:prstGeom prst="rect">
+            <a:avLst/>
+          </a:prstGeom>
+          <a:noFill/>
+        </p:spPr>
+        <p:txBody>
+          <a:bodyPr wrap="square" rtlCol="0">
+            <a:spAutoFit/>
+          </a:bodyPr>
+          <a:lstStyle/>
+          <a:p>
+            <a:r>
+              <a:rPr lang="en-US" altLang="ja-JP" dirty="0">
+                <a:solidFill>
+                  <a:schemeClr val="bg1"/>
+                </a:solidFill>
+                <a:effectLst>
+                  <a:glow rad="76200">
+                    <a:srgbClr val="C00000">
+                      <a:alpha val="90000"/>
+                    </a:srgbClr>
+                  </a:glow>
+                </a:effectLst>
+                <a:latin typeface="HG正楷書体-PRO" panose="03000600000000000000" pitchFamily="66" charset="-128"/>
+                <a:ea typeface="HG正楷書体-PRO" panose="03000600000000000000" pitchFamily="66" charset="-128"/>
+              </a:rPr>
+              <a:t>0.8</a:t>
+            </a:r>
+            <a:r>
+              <a:rPr lang="ja-JP" altLang="en-US" dirty="0">
+                <a:solidFill>
+                  <a:schemeClr val="bg1"/>
+                </a:solidFill>
+                <a:effectLst>
+                  <a:glow rad="76200">
+                    <a:srgbClr val="C00000">
+                      <a:alpha val="90000"/>
+                    </a:srgbClr>
+                  </a:glow>
+                </a:effectLst>
+                <a:latin typeface="HG正楷書体-PRO" panose="03000600000000000000" pitchFamily="66" charset="-128"/>
+                <a:ea typeface="HG正楷書体-PRO" panose="03000600000000000000" pitchFamily="66" charset="-128"/>
+              </a:rPr>
+              <a:t>倍</a:t>
+            </a:r>
+            <a:endParaRPr lang="en-US" altLang="ja-JP" dirty="0">
+              <a:solidFill>
+                <a:schemeClr val="bg1"/>
+              </a:solidFill>
+              <a:effectLst>
+                <a:glow rad="76200">
+                  <a:srgbClr val="C00000">
+                    <a:alpha val="90000"/>
+                  </a:srgbClr>
+                </a:glow>
+              </a:effectLst>
+              <a:latin typeface="HG正楷書体-PRO" panose="03000600000000000000" pitchFamily="66" charset="-128"/>
+              <a:ea typeface="HG正楷書体-PRO" panose="03000600000000000000" pitchFamily="66" charset="-128"/>
+            </a:endParaRPr>
+          </a:p>
+        </p:txBody>
+      </p:sp>
+      <p:sp>
+        <p:nvSpPr>
+          <p:cNvPr id="81" name="テキスト ボックス 80">
+            <a:extLst>
+              <a:ext uri="{FF2B5EF4-FFF2-40B4-BE49-F238E27FC236}">
+                <a16:creationId xmlns:a16="http://schemas.microsoft.com/office/drawing/2014/main" id="{EACF1EC4-896F-E93C-FF39-E82D6B27A0C8}"/>
+              </a:ext>
+            </a:extLst>
+          </p:cNvPr>
+          <p:cNvSpPr txBox="1"/>
+          <p:nvPr/>
+        </p:nvSpPr>
+        <p:spPr>
+          <a:xfrm>
+            <a:off x="-53396" y="5690681"/>
+            <a:ext cx="2027528" cy="1200329"/>
+          </a:xfrm>
+          <a:prstGeom prst="rect">
+            <a:avLst/>
+          </a:prstGeom>
+          <a:noFill/>
+        </p:spPr>
+        <p:txBody>
+          <a:bodyPr wrap="square" rtlCol="0">
+            <a:spAutoFit/>
+          </a:bodyPr>
+          <a:lstStyle/>
+          <a:p>
+            <a:r>
+              <a:rPr lang="ja-JP" altLang="en-US" sz="3600" dirty="0">
+                <a:solidFill>
+                  <a:srgbClr val="FFC000"/>
+                </a:solidFill>
+                <a:effectLst>
+                  <a:glow rad="76200">
+                    <a:schemeClr val="accent5">
+                      <a:alpha val="90000"/>
+                    </a:schemeClr>
+                  </a:glow>
+                </a:effectLst>
+                <a:latin typeface="HG正楷書体-PRO" panose="03000600000000000000" pitchFamily="66" charset="-128"/>
+                <a:ea typeface="HG正楷書体-PRO" panose="03000600000000000000" pitchFamily="66" charset="-128"/>
+              </a:rPr>
+              <a:t>ジャスト</a:t>
+            </a:r>
+            <a:endParaRPr lang="en-US" altLang="ja-JP" sz="3600" dirty="0">
+              <a:solidFill>
+                <a:srgbClr val="FFC000"/>
+              </a:solidFill>
+              <a:effectLst>
+                <a:glow rad="76200">
+                  <a:schemeClr val="accent5">
+                    <a:alpha val="90000"/>
+                  </a:schemeClr>
+                </a:glow>
+              </a:effectLst>
+              <a:latin typeface="HG正楷書体-PRO" panose="03000600000000000000" pitchFamily="66" charset="-128"/>
+              <a:ea typeface="HG正楷書体-PRO" panose="03000600000000000000" pitchFamily="66" charset="-128"/>
+            </a:endParaRPr>
+          </a:p>
+          <a:p>
+            <a:pPr algn="r"/>
+            <a:r>
+              <a:rPr lang="ja-JP" altLang="en-US" sz="3600" dirty="0">
+                <a:solidFill>
+                  <a:srgbClr val="FFC000"/>
+                </a:solidFill>
+                <a:effectLst>
+                  <a:glow rad="76200">
+                    <a:schemeClr val="accent5">
+                      <a:alpha val="90000"/>
+                    </a:schemeClr>
+                  </a:glow>
+                </a:effectLst>
+                <a:latin typeface="HG正楷書体-PRO" panose="03000600000000000000" pitchFamily="66" charset="-128"/>
+                <a:ea typeface="HG正楷書体-PRO" panose="03000600000000000000" pitchFamily="66" charset="-128"/>
+              </a:rPr>
+              <a:t>回避</a:t>
+            </a:r>
+            <a:endParaRPr kumimoji="1" lang="ja-JP" altLang="en-US" sz="3600" dirty="0">
+              <a:solidFill>
+                <a:srgbClr val="FFC000"/>
+              </a:solidFill>
+              <a:effectLst>
+                <a:glow rad="76200">
+                  <a:schemeClr val="accent5">
+                    <a:alpha val="90000"/>
+                  </a:schemeClr>
+                </a:glow>
+              </a:effectLst>
+              <a:latin typeface="HG正楷書体-PRO" panose="03000600000000000000" pitchFamily="66" charset="-128"/>
+              <a:ea typeface="HG正楷書体-PRO" panose="03000600000000000000" pitchFamily="66" charset="-128"/>
+            </a:endParaRPr>
+          </a:p>
+        </p:txBody>
+      </p:sp>
+      <p:grpSp>
+        <p:nvGrpSpPr>
+          <p:cNvPr id="74" name="グループ化 73">
+            <a:extLst>
+              <a:ext uri="{FF2B5EF4-FFF2-40B4-BE49-F238E27FC236}">
+                <a16:creationId xmlns:a16="http://schemas.microsoft.com/office/drawing/2014/main" id="{8CF5A287-655B-9B0A-1E9D-8A4F1AA901AD}"/>
+              </a:ext>
+            </a:extLst>
+          </p:cNvPr>
+          <p:cNvGrpSpPr/>
+          <p:nvPr/>
+        </p:nvGrpSpPr>
+        <p:grpSpPr>
+          <a:xfrm>
+            <a:off x="8914614" y="2697007"/>
+            <a:ext cx="1668132" cy="2196484"/>
+            <a:chOff x="6614024" y="2993764"/>
+            <a:chExt cx="1430657" cy="1883793"/>
+          </a:xfrm>
+          <a:effectLst>
+            <a:glow rad="76200">
+              <a:schemeClr val="accent1">
+                <a:lumMod val="40000"/>
+                <a:lumOff val="60000"/>
+                <a:alpha val="46000"/>
+              </a:schemeClr>
+            </a:glow>
+          </a:effectLst>
+        </p:grpSpPr>
+        <p:pic>
+          <p:nvPicPr>
+            <p:cNvPr id="57" name="図 56" descr="木, 挿絵 が含まれている画像&#10;&#10;自動的に生成された説明">
+              <a:extLst>
+                <a:ext uri="{FF2B5EF4-FFF2-40B4-BE49-F238E27FC236}">
+                  <a16:creationId xmlns:a16="http://schemas.microsoft.com/office/drawing/2014/main" id="{31C18EC9-770C-7188-8D54-D806F41C2975}"/>
+                </a:ext>
+              </a:extLst>
+            </p:cNvPr>
+            <p:cNvPicPr>
+              <a:picLocks noChangeAspect="1"/>
+            </p:cNvPicPr>
+            <p:nvPr/>
+          </p:nvPicPr>
+          <p:blipFill>
+            <a:blip r:embed="rId12">
+              <a:extLst>
+                <a:ext uri="{28A0092B-C50C-407E-A947-70E740481C1C}">
+                  <a14:useLocalDpi xmlns:a14="http://schemas.microsoft.com/office/drawing/2010/main" val="0"/>
+                </a:ext>
+              </a:extLst>
+            </a:blip>
+            <a:stretch>
+              <a:fillRect/>
+            </a:stretch>
+          </p:blipFill>
+          <p:spPr>
+            <a:xfrm>
+              <a:off x="7294072" y="4126948"/>
+              <a:ext cx="750609" cy="750609"/>
+            </a:xfrm>
+            <a:prstGeom prst="rect">
+              <a:avLst/>
+            </a:prstGeom>
+            <a:effectLst>
+              <a:glow rad="50800">
+                <a:schemeClr val="accent2">
+                  <a:lumMod val="60000"/>
+                  <a:lumOff val="40000"/>
+                  <a:alpha val="67000"/>
+                </a:schemeClr>
+              </a:glow>
+            </a:effectLst>
+          </p:spPr>
+        </p:pic>
+        <p:pic>
+          <p:nvPicPr>
+            <p:cNvPr id="59" name="図 58" descr="木, 挿絵 が含まれている画像&#10;&#10;自動的に生成された説明">
+              <a:extLst>
+                <a:ext uri="{FF2B5EF4-FFF2-40B4-BE49-F238E27FC236}">
+                  <a16:creationId xmlns:a16="http://schemas.microsoft.com/office/drawing/2014/main" id="{8EC7F367-8DAE-1326-B54F-E71332F28F62}"/>
+                </a:ext>
+              </a:extLst>
+            </p:cNvPr>
+            <p:cNvPicPr>
+              <a:picLocks noChangeAspect="1"/>
+            </p:cNvPicPr>
+            <p:nvPr/>
+          </p:nvPicPr>
+          <p:blipFill>
+            <a:blip r:embed="rId12">
+              <a:extLst>
+                <a:ext uri="{28A0092B-C50C-407E-A947-70E740481C1C}">
+                  <a14:useLocalDpi xmlns:a14="http://schemas.microsoft.com/office/drawing/2010/main" val="0"/>
+                </a:ext>
+              </a:extLst>
+            </a:blip>
+            <a:stretch>
+              <a:fillRect/>
+            </a:stretch>
+          </p:blipFill>
+          <p:spPr>
+            <a:xfrm flipH="1">
+              <a:off x="6614024" y="4123662"/>
+              <a:ext cx="785219" cy="750609"/>
+            </a:xfrm>
+            <a:prstGeom prst="rect">
+              <a:avLst/>
+            </a:prstGeom>
+            <a:effectLst>
+              <a:glow rad="50800">
+                <a:schemeClr val="accent2">
+                  <a:lumMod val="60000"/>
+                  <a:lumOff val="40000"/>
+                  <a:alpha val="67000"/>
+                </a:schemeClr>
+              </a:glow>
+            </a:effectLst>
+          </p:spPr>
+        </p:pic>
+        <p:pic>
+          <p:nvPicPr>
+            <p:cNvPr id="61" name="図 60" descr="黒い背景と男性の絵&#10;&#10;低い精度で自動的に生成された説明">
+              <a:extLst>
+                <a:ext uri="{FF2B5EF4-FFF2-40B4-BE49-F238E27FC236}">
+                  <a16:creationId xmlns:a16="http://schemas.microsoft.com/office/drawing/2014/main" id="{09A89B0B-AB5A-5939-8498-C5A0C6A5A773}"/>
+                </a:ext>
+              </a:extLst>
+            </p:cNvPr>
+            <p:cNvPicPr>
+              <a:picLocks noChangeAspect="1"/>
+            </p:cNvPicPr>
+            <p:nvPr/>
+          </p:nvPicPr>
+          <p:blipFill rotWithShape="1">
+            <a:blip r:embed="rId11">
+              <a:extLst>
+                <a:ext uri="{28A0092B-C50C-407E-A947-70E740481C1C}">
+                  <a14:useLocalDpi xmlns:a14="http://schemas.microsoft.com/office/drawing/2010/main" val="0"/>
+                </a:ext>
+              </a:extLst>
+            </a:blip>
+            <a:srcRect l="16528"/>
+            <a:stretch/>
+          </p:blipFill>
+          <p:spPr>
+            <a:xfrm>
+              <a:off x="6979650" y="2993764"/>
+              <a:ext cx="785218" cy="705520"/>
+            </a:xfrm>
+            <a:prstGeom prst="rect">
+              <a:avLst/>
+            </a:prstGeom>
+            <a:effectLst>
+              <a:glow rad="50800">
+                <a:schemeClr val="accent2">
+                  <a:lumMod val="60000"/>
+                  <a:lumOff val="40000"/>
+                </a:schemeClr>
+              </a:glow>
+            </a:effectLst>
+          </p:spPr>
+        </p:pic>
+        <p:cxnSp>
+          <p:nvCxnSpPr>
+            <p:cNvPr id="65" name="直線コネクタ 64">
+              <a:extLst>
+                <a:ext uri="{FF2B5EF4-FFF2-40B4-BE49-F238E27FC236}">
+                  <a16:creationId xmlns:a16="http://schemas.microsoft.com/office/drawing/2014/main" id="{D375BA2A-E176-349F-7C4D-903AD3CECD94}"/>
+                </a:ext>
+              </a:extLst>
+            </p:cNvPr>
+            <p:cNvCxnSpPr>
+              <a:cxnSpLocks/>
+            </p:cNvCxnSpPr>
+            <p:nvPr/>
+          </p:nvCxnSpPr>
+          <p:spPr>
+            <a:xfrm>
+              <a:off x="7165354" y="3760160"/>
+              <a:ext cx="0" cy="275976"/>
+            </a:xfrm>
+            <a:prstGeom prst="line">
+              <a:avLst/>
+            </a:prstGeom>
+            <a:ln w="38100">
+              <a:solidFill>
+                <a:schemeClr val="bg1"/>
+              </a:solidFill>
+            </a:ln>
+          </p:spPr>
+          <p:style>
+            <a:lnRef idx="2">
+              <a:schemeClr val="accent1"/>
+            </a:lnRef>
+            <a:fillRef idx="0">
+              <a:schemeClr val="accent1"/>
+            </a:fillRef>
+            <a:effectRef idx="1">
+              <a:schemeClr val="accent1"/>
+            </a:effectRef>
+            <a:fontRef idx="minor">
+              <a:schemeClr val="tx1"/>
+            </a:fontRef>
+          </p:style>
+        </p:cxnSp>
+        <p:cxnSp>
+          <p:nvCxnSpPr>
+            <p:cNvPr id="67" name="直線コネクタ 66">
+              <a:extLst>
+                <a:ext uri="{FF2B5EF4-FFF2-40B4-BE49-F238E27FC236}">
+                  <a16:creationId xmlns:a16="http://schemas.microsoft.com/office/drawing/2014/main" id="{9E216EEA-A874-63D2-D7B9-B92CB660648D}"/>
+                </a:ext>
+              </a:extLst>
+            </p:cNvPr>
+            <p:cNvCxnSpPr>
+              <a:cxnSpLocks/>
+            </p:cNvCxnSpPr>
+            <p:nvPr/>
+          </p:nvCxnSpPr>
+          <p:spPr>
+            <a:xfrm>
+              <a:off x="7294072" y="3712816"/>
+              <a:ext cx="0" cy="275976"/>
+            </a:xfrm>
+            <a:prstGeom prst="line">
+              <a:avLst/>
+            </a:prstGeom>
+            <a:ln w="38100">
+              <a:solidFill>
+                <a:schemeClr val="bg1"/>
+              </a:solidFill>
+            </a:ln>
+          </p:spPr>
+          <p:style>
+            <a:lnRef idx="2">
+              <a:schemeClr val="accent1"/>
+            </a:lnRef>
+            <a:fillRef idx="0">
+              <a:schemeClr val="accent1"/>
+            </a:fillRef>
+            <a:effectRef idx="1">
+              <a:schemeClr val="accent1"/>
+            </a:effectRef>
+            <a:fontRef idx="minor">
+              <a:schemeClr val="tx1"/>
+            </a:fontRef>
+          </p:style>
+        </p:cxnSp>
+        <p:cxnSp>
+          <p:nvCxnSpPr>
+            <p:cNvPr id="69" name="直線コネクタ 68">
+              <a:extLst>
+                <a:ext uri="{FF2B5EF4-FFF2-40B4-BE49-F238E27FC236}">
+                  <a16:creationId xmlns:a16="http://schemas.microsoft.com/office/drawing/2014/main" id="{8DBCE675-E843-4DF2-18E5-759A04D66F95}"/>
+                </a:ext>
+              </a:extLst>
+            </p:cNvPr>
+            <p:cNvCxnSpPr>
+              <a:cxnSpLocks/>
+            </p:cNvCxnSpPr>
+            <p:nvPr/>
+          </p:nvCxnSpPr>
+          <p:spPr>
+            <a:xfrm>
+              <a:off x="7427180" y="3743664"/>
+              <a:ext cx="0" cy="275976"/>
+            </a:xfrm>
+            <a:prstGeom prst="line">
+              <a:avLst/>
+            </a:prstGeom>
+            <a:ln w="38100">
+              <a:solidFill>
+                <a:schemeClr val="bg1"/>
+              </a:solidFill>
+            </a:ln>
+          </p:spPr>
+          <p:style>
+            <a:lnRef idx="2">
+              <a:schemeClr val="accent1"/>
+            </a:lnRef>
+            <a:fillRef idx="0">
+              <a:schemeClr val="accent1"/>
+            </a:fillRef>
+            <a:effectRef idx="1">
+              <a:schemeClr val="accent1"/>
+            </a:effectRef>
+            <a:fontRef idx="minor">
+              <a:schemeClr val="tx1"/>
+            </a:fontRef>
+          </p:style>
+        </p:cxnSp>
+      </p:grpSp>
+      <p:grpSp>
+        <p:nvGrpSpPr>
+          <p:cNvPr id="100" name="グループ化 99">
+            <a:extLst>
+              <a:ext uri="{FF2B5EF4-FFF2-40B4-BE49-F238E27FC236}">
+                <a16:creationId xmlns:a16="http://schemas.microsoft.com/office/drawing/2014/main" id="{A57ACC96-B652-C3EC-A456-531341033797}"/>
+              </a:ext>
+            </a:extLst>
+          </p:cNvPr>
+          <p:cNvGrpSpPr/>
+          <p:nvPr/>
+        </p:nvGrpSpPr>
+        <p:grpSpPr>
+          <a:xfrm>
+            <a:off x="6453002" y="1025088"/>
+            <a:ext cx="2682156" cy="1968095"/>
+            <a:chOff x="9426735" y="1880885"/>
+            <a:chExt cx="2196201" cy="1611514"/>
+          </a:xfrm>
+          <a:effectLst>
+            <a:glow rad="76200">
+              <a:schemeClr val="accent2">
+                <a:lumMod val="40000"/>
+                <a:lumOff val="60000"/>
+                <a:alpha val="46000"/>
+              </a:schemeClr>
+            </a:glow>
+          </a:effectLst>
+        </p:grpSpPr>
+        <p:sp>
+          <p:nvSpPr>
+            <p:cNvPr id="96" name="正方形/長方形 95">
+              <a:extLst>
+                <a:ext uri="{FF2B5EF4-FFF2-40B4-BE49-F238E27FC236}">
+                  <a16:creationId xmlns:a16="http://schemas.microsoft.com/office/drawing/2014/main" id="{03788AAA-DF94-D6C4-6914-DE0FB4DDB9C6}"/>
+                </a:ext>
+              </a:extLst>
+            </p:cNvPr>
+            <p:cNvSpPr/>
+            <p:nvPr/>
+          </p:nvSpPr>
+          <p:spPr>
+            <a:xfrm>
+              <a:off x="11426196" y="2413211"/>
+              <a:ext cx="144078" cy="1062380"/>
+            </a:xfrm>
+            <a:prstGeom prst="rect">
+              <a:avLst/>
+            </a:prstGeom>
+            <a:solidFill>
+              <a:schemeClr val="tx1">
+                <a:lumMod val="95000"/>
+                <a:lumOff val="5000"/>
+              </a:schemeClr>
+            </a:solidFill>
+            <a:ln w="38100">
+              <a:solidFill>
+                <a:schemeClr val="bg1"/>
+              </a:solidFill>
+            </a:ln>
+          </p:spPr>
+          <p:style>
+            <a:lnRef idx="2">
+              <a:schemeClr val="accent1">
+                <a:shade val="15000"/>
+              </a:schemeClr>
+            </a:lnRef>
+            <a:fillRef idx="1">
+              <a:schemeClr val="accent1"/>
+            </a:fillRef>
+            <a:effectRef idx="0">
+              <a:schemeClr val="accent1"/>
+            </a:effectRef>
+            <a:fontRef idx="minor">
+              <a:schemeClr val="lt1"/>
+            </a:fontRef>
+          </p:style>
+          <p:txBody>
+            <a:bodyPr rtlCol="0" anchor="ctr"/>
+            <a:lstStyle/>
+            <a:p>
+              <a:pPr algn="ctr"/>
+              <a:endParaRPr kumimoji="1" lang="ja-JP" altLang="en-US" dirty="0"/>
+            </a:p>
+          </p:txBody>
+        </p:sp>
+        <p:sp>
+          <p:nvSpPr>
+            <p:cNvPr id="78" name="正方形/長方形 77">
+              <a:extLst>
+                <a:ext uri="{FF2B5EF4-FFF2-40B4-BE49-F238E27FC236}">
+                  <a16:creationId xmlns:a16="http://schemas.microsoft.com/office/drawing/2014/main" id="{620748C0-D937-550F-D1EA-A9B8C28A955D}"/>
+                </a:ext>
+              </a:extLst>
+            </p:cNvPr>
+            <p:cNvSpPr/>
+            <p:nvPr/>
+          </p:nvSpPr>
+          <p:spPr>
+            <a:xfrm>
+              <a:off x="9548940" y="2430019"/>
+              <a:ext cx="144078" cy="1062380"/>
+            </a:xfrm>
+            <a:prstGeom prst="rect">
+              <a:avLst/>
+            </a:prstGeom>
+            <a:solidFill>
+              <a:schemeClr val="tx1">
+                <a:lumMod val="95000"/>
+                <a:lumOff val="5000"/>
+              </a:schemeClr>
+            </a:solidFill>
+            <a:ln w="38100">
+              <a:solidFill>
+                <a:schemeClr val="bg1"/>
+              </a:solidFill>
+            </a:ln>
+          </p:spPr>
+          <p:style>
+            <a:lnRef idx="2">
+              <a:schemeClr val="accent1">
+                <a:shade val="15000"/>
+              </a:schemeClr>
+            </a:lnRef>
+            <a:fillRef idx="1">
+              <a:schemeClr val="accent1"/>
+            </a:fillRef>
+            <a:effectRef idx="0">
+              <a:schemeClr val="accent1"/>
+            </a:effectRef>
+            <a:fontRef idx="minor">
+              <a:schemeClr val="lt1"/>
+            </a:fontRef>
+          </p:style>
+          <p:txBody>
+            <a:bodyPr rtlCol="0" anchor="ctr"/>
+            <a:lstStyle/>
+            <a:p>
+              <a:pPr algn="ctr"/>
+              <a:endParaRPr kumimoji="1" lang="ja-JP" altLang="en-US" dirty="0"/>
+            </a:p>
+          </p:txBody>
+        </p:sp>
+        <p:pic>
+          <p:nvPicPr>
+            <p:cNvPr id="79" name="図 78" descr="図形&#10;&#10;低い精度で自動的に生成された説明">
+              <a:extLst>
+                <a:ext uri="{FF2B5EF4-FFF2-40B4-BE49-F238E27FC236}">
+                  <a16:creationId xmlns:a16="http://schemas.microsoft.com/office/drawing/2014/main" id="{D353DB02-A1BD-0698-79FC-76F722178EB7}"/>
+                </a:ext>
+              </a:extLst>
+            </p:cNvPr>
+            <p:cNvPicPr>
+              <a:picLocks noChangeAspect="1"/>
+            </p:cNvPicPr>
+            <p:nvPr/>
+          </p:nvPicPr>
+          <p:blipFill rotWithShape="1">
+            <a:blip r:embed="rId5">
+              <a:extLst>
+                <a:ext uri="{28A0092B-C50C-407E-A947-70E740481C1C}">
+                  <a14:useLocalDpi xmlns:a14="http://schemas.microsoft.com/office/drawing/2010/main" val="0"/>
+                </a:ext>
+              </a:extLst>
+            </a:blip>
+            <a:srcRect l="25383" r="23202"/>
+            <a:stretch/>
+          </p:blipFill>
+          <p:spPr>
+            <a:xfrm rot="5400000">
+              <a:off x="9720000" y="2168542"/>
+              <a:ext cx="349262" cy="596507"/>
+            </a:xfrm>
+            <a:prstGeom prst="rect">
+              <a:avLst/>
+            </a:prstGeom>
+            <a:effectLst>
+              <a:glow rad="50800">
+                <a:srgbClr val="FFFF00">
+                  <a:alpha val="40000"/>
+                </a:srgbClr>
+              </a:glow>
+              <a:softEdge rad="31750"/>
+            </a:effectLst>
+          </p:spPr>
+        </p:pic>
+        <p:pic>
+          <p:nvPicPr>
+            <p:cNvPr id="82" name="図 81" descr="図形&#10;&#10;低い精度で自動的に生成された説明">
+              <a:extLst>
+                <a:ext uri="{FF2B5EF4-FFF2-40B4-BE49-F238E27FC236}">
+                  <a16:creationId xmlns:a16="http://schemas.microsoft.com/office/drawing/2014/main" id="{8777CE78-C42D-FDD8-BE3F-41EC84E73714}"/>
+                </a:ext>
+              </a:extLst>
+            </p:cNvPr>
+            <p:cNvPicPr>
+              <a:picLocks noChangeAspect="1"/>
+            </p:cNvPicPr>
+            <p:nvPr/>
+          </p:nvPicPr>
+          <p:blipFill rotWithShape="1">
+            <a:blip r:embed="rId5">
+              <a:extLst>
+                <a:ext uri="{28A0092B-C50C-407E-A947-70E740481C1C}">
+                  <a14:useLocalDpi xmlns:a14="http://schemas.microsoft.com/office/drawing/2010/main" val="0"/>
+                </a:ext>
+              </a:extLst>
+            </a:blip>
+            <a:srcRect l="25383" r="23202"/>
+            <a:stretch/>
+          </p:blipFill>
+          <p:spPr>
+            <a:xfrm rot="5400000">
+              <a:off x="10065690" y="2175662"/>
+              <a:ext cx="349262" cy="596507"/>
+            </a:xfrm>
+            <a:prstGeom prst="rect">
+              <a:avLst/>
+            </a:prstGeom>
+            <a:effectLst>
+              <a:glow rad="50800">
+                <a:srgbClr val="FFFF00">
+                  <a:alpha val="40000"/>
+                </a:srgbClr>
+              </a:glow>
+              <a:softEdge rad="31750"/>
+            </a:effectLst>
+          </p:spPr>
+        </p:pic>
+        <p:pic>
+          <p:nvPicPr>
+            <p:cNvPr id="93" name="図 92" descr="図形&#10;&#10;低い精度で自動的に生成された説明">
+              <a:extLst>
+                <a:ext uri="{FF2B5EF4-FFF2-40B4-BE49-F238E27FC236}">
+                  <a16:creationId xmlns:a16="http://schemas.microsoft.com/office/drawing/2014/main" id="{7576AF07-F21C-E8B3-8389-F462296DF3BC}"/>
+                </a:ext>
+              </a:extLst>
+            </p:cNvPr>
+            <p:cNvPicPr>
+              <a:picLocks noChangeAspect="1"/>
+            </p:cNvPicPr>
+            <p:nvPr/>
+          </p:nvPicPr>
+          <p:blipFill rotWithShape="1">
+            <a:blip r:embed="rId5">
+              <a:extLst>
+                <a:ext uri="{28A0092B-C50C-407E-A947-70E740481C1C}">
+                  <a14:useLocalDpi xmlns:a14="http://schemas.microsoft.com/office/drawing/2010/main" val="0"/>
+                </a:ext>
+              </a:extLst>
+            </a:blip>
+            <a:srcRect l="25383" r="23202"/>
+            <a:stretch/>
+          </p:blipFill>
+          <p:spPr>
+            <a:xfrm rot="5400000">
+              <a:off x="10411157" y="2189087"/>
+              <a:ext cx="349262" cy="596507"/>
+            </a:xfrm>
+            <a:prstGeom prst="rect">
+              <a:avLst/>
+            </a:prstGeom>
+            <a:effectLst>
+              <a:glow rad="50800">
+                <a:srgbClr val="FFFF00">
+                  <a:alpha val="40000"/>
+                </a:srgbClr>
+              </a:glow>
+              <a:softEdge rad="31750"/>
+            </a:effectLst>
+          </p:spPr>
+        </p:pic>
+        <p:pic>
+          <p:nvPicPr>
+            <p:cNvPr id="94" name="図 93" descr="図形&#10;&#10;低い精度で自動的に生成された説明">
+              <a:extLst>
+                <a:ext uri="{FF2B5EF4-FFF2-40B4-BE49-F238E27FC236}">
+                  <a16:creationId xmlns:a16="http://schemas.microsoft.com/office/drawing/2014/main" id="{C864AEBE-99BA-5936-6ECC-55D1175BFC0D}"/>
+                </a:ext>
+              </a:extLst>
+            </p:cNvPr>
+            <p:cNvPicPr>
+              <a:picLocks noChangeAspect="1"/>
+            </p:cNvPicPr>
+            <p:nvPr/>
+          </p:nvPicPr>
+          <p:blipFill rotWithShape="1">
+            <a:blip r:embed="rId5">
+              <a:extLst>
+                <a:ext uri="{28A0092B-C50C-407E-A947-70E740481C1C}">
+                  <a14:useLocalDpi xmlns:a14="http://schemas.microsoft.com/office/drawing/2010/main" val="0"/>
+                </a:ext>
+              </a:extLst>
+            </a:blip>
+            <a:srcRect l="25383" r="23202"/>
+            <a:stretch/>
+          </p:blipFill>
+          <p:spPr>
+            <a:xfrm rot="5400000">
+              <a:off x="10745176" y="2176872"/>
+              <a:ext cx="349262" cy="596507"/>
+            </a:xfrm>
+            <a:prstGeom prst="rect">
+              <a:avLst/>
+            </a:prstGeom>
+            <a:effectLst>
+              <a:glow rad="50800">
+                <a:srgbClr val="FFFF00">
+                  <a:alpha val="40000"/>
+                </a:srgbClr>
+              </a:glow>
+              <a:softEdge rad="31750"/>
+            </a:effectLst>
+          </p:spPr>
+        </p:pic>
+        <p:pic>
+          <p:nvPicPr>
+            <p:cNvPr id="95" name="図 94" descr="図形&#10;&#10;低い精度で自動的に生成された説明">
+              <a:extLst>
+                <a:ext uri="{FF2B5EF4-FFF2-40B4-BE49-F238E27FC236}">
+                  <a16:creationId xmlns:a16="http://schemas.microsoft.com/office/drawing/2014/main" id="{BCA9E6A1-83AB-A0B0-508A-42237495855B}"/>
+                </a:ext>
+              </a:extLst>
+            </p:cNvPr>
+            <p:cNvPicPr>
+              <a:picLocks noChangeAspect="1"/>
+            </p:cNvPicPr>
+            <p:nvPr/>
+          </p:nvPicPr>
+          <p:blipFill rotWithShape="1">
+            <a:blip r:embed="rId5">
+              <a:extLst>
+                <a:ext uri="{28A0092B-C50C-407E-A947-70E740481C1C}">
+                  <a14:useLocalDpi xmlns:a14="http://schemas.microsoft.com/office/drawing/2010/main" val="0"/>
+                </a:ext>
+              </a:extLst>
+            </a:blip>
+            <a:srcRect l="25383" r="23202"/>
+            <a:stretch/>
+          </p:blipFill>
+          <p:spPr>
+            <a:xfrm rot="5400000">
+              <a:off x="11107000" y="2189087"/>
+              <a:ext cx="349262" cy="596507"/>
+            </a:xfrm>
+            <a:prstGeom prst="rect">
+              <a:avLst/>
+            </a:prstGeom>
+            <a:effectLst>
+              <a:glow rad="50800">
+                <a:srgbClr val="FFFF00">
+                  <a:alpha val="40000"/>
+                </a:srgbClr>
+              </a:glow>
+              <a:softEdge rad="31750"/>
+            </a:effectLst>
+          </p:spPr>
+        </p:pic>
+        <p:pic>
+          <p:nvPicPr>
+            <p:cNvPr id="97" name="図 96" descr="図形&#10;&#10;低い精度で自動的に生成された説明">
+              <a:extLst>
+                <a:ext uri="{FF2B5EF4-FFF2-40B4-BE49-F238E27FC236}">
+                  <a16:creationId xmlns:a16="http://schemas.microsoft.com/office/drawing/2014/main" id="{9D1E6E15-7C72-D16E-AD57-D48B14D14F12}"/>
+                </a:ext>
+              </a:extLst>
+            </p:cNvPr>
+            <p:cNvPicPr>
+              <a:picLocks noChangeAspect="1"/>
+            </p:cNvPicPr>
+            <p:nvPr/>
+          </p:nvPicPr>
+          <p:blipFill>
+            <a:blip r:embed="rId5">
+              <a:extLst>
+                <a:ext uri="{28A0092B-C50C-407E-A947-70E740481C1C}">
+                  <a14:useLocalDpi xmlns:a14="http://schemas.microsoft.com/office/drawing/2010/main" val="0"/>
+                </a:ext>
+              </a:extLst>
+            </a:blip>
+            <a:stretch>
+              <a:fillRect/>
+            </a:stretch>
+          </p:blipFill>
+          <p:spPr>
+            <a:xfrm flipH="1">
+              <a:off x="11042163" y="1893026"/>
+              <a:ext cx="580773" cy="550913"/>
+            </a:xfrm>
+            <a:prstGeom prst="rect">
+              <a:avLst/>
+            </a:prstGeom>
+            <a:effectLst>
+              <a:glow rad="50800">
+                <a:srgbClr val="FFFF00"/>
+              </a:glow>
+            </a:effectLst>
+          </p:spPr>
+        </p:pic>
+        <p:pic>
+          <p:nvPicPr>
+            <p:cNvPr id="98" name="図 97" descr="図形&#10;&#10;低い精度で自動的に生成された説明">
+              <a:extLst>
+                <a:ext uri="{FF2B5EF4-FFF2-40B4-BE49-F238E27FC236}">
+                  <a16:creationId xmlns:a16="http://schemas.microsoft.com/office/drawing/2014/main" id="{7C67C6F0-79EB-66B6-10F9-B650767A14AF}"/>
+                </a:ext>
+              </a:extLst>
+            </p:cNvPr>
+            <p:cNvPicPr>
+              <a:picLocks noChangeAspect="1"/>
+            </p:cNvPicPr>
+            <p:nvPr/>
+          </p:nvPicPr>
+          <p:blipFill>
+            <a:blip r:embed="rId5">
+              <a:extLst>
+                <a:ext uri="{28A0092B-C50C-407E-A947-70E740481C1C}">
+                  <a14:useLocalDpi xmlns:a14="http://schemas.microsoft.com/office/drawing/2010/main" val="0"/>
+                </a:ext>
+              </a:extLst>
+            </a:blip>
+            <a:stretch>
+              <a:fillRect/>
+            </a:stretch>
+          </p:blipFill>
+          <p:spPr>
+            <a:xfrm flipH="1">
+              <a:off x="9426735" y="1880885"/>
+              <a:ext cx="580773" cy="550913"/>
+            </a:xfrm>
+            <a:prstGeom prst="rect">
+              <a:avLst/>
+            </a:prstGeom>
+            <a:effectLst>
+              <a:glow rad="50800">
+                <a:srgbClr val="FFFF00"/>
+              </a:glow>
+            </a:effectLst>
+          </p:spPr>
+        </p:pic>
+        <p:sp>
+          <p:nvSpPr>
+            <p:cNvPr id="99" name="矢印: 右 98">
+              <a:extLst>
+                <a:ext uri="{FF2B5EF4-FFF2-40B4-BE49-F238E27FC236}">
+                  <a16:creationId xmlns:a16="http://schemas.microsoft.com/office/drawing/2014/main" id="{511A9DAB-AA65-C2F7-4632-24A66531313B}"/>
+                </a:ext>
+              </a:extLst>
+            </p:cNvPr>
+            <p:cNvSpPr/>
+            <p:nvPr/>
+          </p:nvSpPr>
+          <p:spPr>
+            <a:xfrm>
+              <a:off x="9923220" y="2003000"/>
+              <a:ext cx="1230710" cy="248851"/>
+            </a:xfrm>
+            <a:prstGeom prst="rightArrow">
+              <a:avLst/>
+            </a:prstGeom>
+            <a:solidFill>
+              <a:schemeClr val="tx1"/>
+            </a:solidFill>
+            <a:ln w="28575">
+              <a:solidFill>
+                <a:srgbClr val="FFFF00"/>
+              </a:solidFill>
+            </a:ln>
+          </p:spPr>
+          <p:style>
+            <a:lnRef idx="2">
+              <a:schemeClr val="accent1">
+                <a:shade val="15000"/>
+              </a:schemeClr>
+            </a:lnRef>
+            <a:fillRef idx="1">
+              <a:schemeClr val="accent1"/>
+            </a:fillRef>
+            <a:effectRef idx="0">
+              <a:schemeClr val="accent1"/>
+            </a:effectRef>
+            <a:fontRef idx="minor">
+              <a:schemeClr val="lt1"/>
+            </a:fontRef>
+          </p:style>
+          <p:txBody>
+            <a:bodyPr rtlCol="0" anchor="ctr"/>
+            <a:lstStyle/>
+            <a:p>
+              <a:pPr algn="ctr"/>
+              <a:endParaRPr kumimoji="1" lang="ja-JP" altLang="en-US"/>
+            </a:p>
+          </p:txBody>
+        </p:sp>
+      </p:grpSp>
+      <p:sp>
+        <p:nvSpPr>
+          <p:cNvPr id="51" name="テキスト ボックス 50">
+            <a:extLst>
+              <a:ext uri="{FF2B5EF4-FFF2-40B4-BE49-F238E27FC236}">
+                <a16:creationId xmlns:a16="http://schemas.microsoft.com/office/drawing/2014/main" id="{947EF257-C387-23C7-6375-1E63AAE75AB1}"/>
+              </a:ext>
+            </a:extLst>
+          </p:cNvPr>
+          <p:cNvSpPr txBox="1"/>
+          <p:nvPr/>
+        </p:nvSpPr>
+        <p:spPr>
+          <a:xfrm>
+            <a:off x="6192639" y="1709700"/>
+            <a:ext cx="3431786" cy="646331"/>
+          </a:xfrm>
+          <a:prstGeom prst="rect">
+            <a:avLst/>
+          </a:prstGeom>
+          <a:noFill/>
+        </p:spPr>
+        <p:txBody>
+          <a:bodyPr wrap="square" rtlCol="0">
+            <a:spAutoFit/>
+          </a:bodyPr>
+          <a:lstStyle/>
+          <a:p>
+            <a:r>
+              <a:rPr lang="ja-JP" altLang="en-US" sz="3600" dirty="0">
+                <a:effectLst>
+                  <a:glow rad="76200">
+                    <a:schemeClr val="accent6">
+                      <a:alpha val="90000"/>
+                    </a:schemeClr>
+                  </a:glow>
+                </a:effectLst>
+                <a:latin typeface="HG正楷書体-PRO" panose="03000600000000000000" pitchFamily="66" charset="-128"/>
+                <a:ea typeface="HG正楷書体-PRO" panose="03000600000000000000" pitchFamily="66" charset="-128"/>
+              </a:rPr>
+              <a:t>橋</a:t>
+            </a:r>
+            <a:r>
+              <a:rPr lang="ja-JP" altLang="en-US" sz="3600" dirty="0">
+                <a:solidFill>
+                  <a:schemeClr val="bg1"/>
+                </a:solidFill>
+                <a:effectLst>
+                  <a:glow rad="76200">
+                    <a:schemeClr val="accent6">
+                      <a:alpha val="90000"/>
+                    </a:schemeClr>
+                  </a:glow>
+                </a:effectLst>
+                <a:latin typeface="HG正楷書体-PRO" panose="03000600000000000000" pitchFamily="66" charset="-128"/>
+                <a:ea typeface="HG正楷書体-PRO" panose="03000600000000000000" pitchFamily="66" charset="-128"/>
+              </a:rPr>
+              <a:t>にしたり</a:t>
+            </a:r>
+            <a:endParaRPr kumimoji="1" lang="ja-JP" altLang="en-US" sz="3600" dirty="0">
+              <a:solidFill>
+                <a:schemeClr val="bg1"/>
+              </a:solidFill>
+              <a:effectLst>
+                <a:glow rad="76200">
+                  <a:schemeClr val="accent6">
+                    <a:alpha val="90000"/>
+                  </a:schemeClr>
+                </a:glow>
+              </a:effectLst>
+              <a:latin typeface="HG正楷書体-PRO" panose="03000600000000000000" pitchFamily="66" charset="-128"/>
+              <a:ea typeface="HG正楷書体-PRO" panose="03000600000000000000" pitchFamily="66" charset="-128"/>
+            </a:endParaRPr>
+          </a:p>
+        </p:txBody>
+      </p:sp>
+      <p:sp>
+        <p:nvSpPr>
+          <p:cNvPr id="49" name="テキスト ボックス 48">
+            <a:extLst>
+              <a:ext uri="{FF2B5EF4-FFF2-40B4-BE49-F238E27FC236}">
+                <a16:creationId xmlns:a16="http://schemas.microsoft.com/office/drawing/2014/main" id="{933B693F-A570-D9E8-42B1-4BA16D567897}"/>
+              </a:ext>
+            </a:extLst>
+          </p:cNvPr>
+          <p:cNvSpPr txBox="1"/>
+          <p:nvPr/>
+        </p:nvSpPr>
+        <p:spPr>
+          <a:xfrm>
+            <a:off x="5470120" y="3317140"/>
+            <a:ext cx="3431786" cy="646331"/>
           </a:xfrm>
           <a:prstGeom prst="rect">
             <a:avLst/>
@@ -6766,7 +8137,7 @@
                 <a:latin typeface="HG正楷書体-PRO" panose="03000600000000000000" pitchFamily="66" charset="-128"/>
                 <a:ea typeface="HG正楷書体-PRO" panose="03000600000000000000" pitchFamily="66" charset="-128"/>
               </a:rPr>
-              <a:t>複数のボタン</a:t>
+              <a:t>踏み台</a:t>
             </a:r>
             <a:r>
               <a:rPr kumimoji="1" lang="ja-JP" altLang="en-US" sz="3600" dirty="0">
@@ -6783,17 +8154,17 @@
                 <a:latin typeface="HG正楷書体-PRO" panose="03000600000000000000" pitchFamily="66" charset="-128"/>
                 <a:ea typeface="HG正楷書体-PRO" panose="03000600000000000000" pitchFamily="66" charset="-128"/>
               </a:rPr>
-              <a:t>を押したり</a:t>
-            </a:r>
-          </a:p>
-        </p:txBody>
-      </p:sp>
-      <p:sp>
-        <p:nvSpPr>
-          <p:cNvPr id="92" name="テキスト ボックス 91">
-            <a:extLst>
-              <a:ext uri="{FF2B5EF4-FFF2-40B4-BE49-F238E27FC236}">
-                <a16:creationId xmlns:a16="http://schemas.microsoft.com/office/drawing/2014/main" id="{EF4C3C91-D878-2508-86F9-11F092EC2364}"/>
+              <a:t>にしたり</a:t>
+            </a:r>
+          </a:p>
+        </p:txBody>
+      </p:sp>
+      <p:sp>
+        <p:nvSpPr>
+          <p:cNvPr id="42" name="テキスト ボックス 41">
+            <a:extLst>
+              <a:ext uri="{FF2B5EF4-FFF2-40B4-BE49-F238E27FC236}">
+                <a16:creationId xmlns:a16="http://schemas.microsoft.com/office/drawing/2014/main" id="{50FF072D-1C1F-CF97-8F16-EF2C79B1E237}"/>
               </a:ext>
             </a:extLst>
           </p:cNvPr>
@@ -6802,8 +8173,8 @@
         </p:nvSpPr>
         <p:spPr>
           <a:xfrm>
-            <a:off x="8881312" y="1720302"/>
-            <a:ext cx="3431786" cy="646331"/>
+            <a:off x="9093062" y="3499686"/>
+            <a:ext cx="3178888" cy="1200329"/>
           </a:xfrm>
           <a:prstGeom prst="rect">
             <a:avLst/>
@@ -6828,7 +8199,7 @@
                 <a:latin typeface="HG正楷書体-PRO" panose="03000600000000000000" pitchFamily="66" charset="-128"/>
                 <a:ea typeface="HG正楷書体-PRO" panose="03000600000000000000" pitchFamily="66" charset="-128"/>
               </a:rPr>
-              <a:t>士気</a:t>
+              <a:t>ジャンプ台</a:t>
             </a:r>
             <a:r>
               <a:rPr lang="ja-JP" altLang="en-US" sz="3600" dirty="0">
@@ -6845,7 +8216,41 @@
                 <a:latin typeface="HG正楷書体-PRO" panose="03000600000000000000" pitchFamily="66" charset="-128"/>
                 <a:ea typeface="HG正楷書体-PRO" panose="03000600000000000000" pitchFamily="66" charset="-128"/>
               </a:rPr>
-              <a:t>を上げたり</a:t>
+              <a:t>に</a:t>
+            </a:r>
+            <a:endParaRPr lang="en-US" altLang="ja-JP" sz="3600" dirty="0">
+              <a:solidFill>
+                <a:schemeClr val="bg1"/>
+              </a:solidFill>
+              <a:effectLst>
+                <a:glow rad="76200">
+                  <a:schemeClr val="accent6">
+                    <a:alpha val="90000"/>
+                  </a:schemeClr>
+                </a:glow>
+              </a:effectLst>
+              <a:latin typeface="HG正楷書体-PRO" panose="03000600000000000000" pitchFamily="66" charset="-128"/>
+              <a:ea typeface="HG正楷書体-PRO" panose="03000600000000000000" pitchFamily="66" charset="-128"/>
+            </a:endParaRPr>
+          </a:p>
+          <a:p>
+            <a:pPr algn="r"/>
+            <a:r>
+              <a:rPr lang="ja-JP" altLang="en-US" sz="3600" dirty="0">
+                <a:solidFill>
+                  <a:schemeClr val="bg1"/>
+                </a:solidFill>
+                <a:effectLst>
+                  <a:glow rad="76200">
+                    <a:schemeClr val="accent6">
+                      <a:alpha val="90000"/>
+                    </a:schemeClr>
+                  </a:glow>
+                </a:effectLst>
+                <a:latin typeface="HG正楷書体-PRO" panose="03000600000000000000" pitchFamily="66" charset="-128"/>
+                <a:ea typeface="HG正楷書体-PRO" panose="03000600000000000000" pitchFamily="66" charset="-128"/>
+              </a:rPr>
+              <a:t>したり</a:t>
             </a:r>
             <a:endParaRPr kumimoji="1" lang="ja-JP" altLang="en-US" sz="3600" dirty="0">
               <a:solidFill>
@@ -6861,6 +8266,176 @@
               <a:latin typeface="HG正楷書体-PRO" panose="03000600000000000000" pitchFamily="66" charset="-128"/>
               <a:ea typeface="HG正楷書体-PRO" panose="03000600000000000000" pitchFamily="66" charset="-128"/>
             </a:endParaRPr>
+          </a:p>
+        </p:txBody>
+      </p:sp>
+      <p:sp>
+        <p:nvSpPr>
+          <p:cNvPr id="101" name="テキスト ボックス 100">
+            <a:extLst>
+              <a:ext uri="{FF2B5EF4-FFF2-40B4-BE49-F238E27FC236}">
+                <a16:creationId xmlns:a16="http://schemas.microsoft.com/office/drawing/2014/main" id="{42EE4E2A-8206-0D67-0545-394DB20150B2}"/>
+              </a:ext>
+            </a:extLst>
+          </p:cNvPr>
+          <p:cNvSpPr txBox="1"/>
+          <p:nvPr/>
+        </p:nvSpPr>
+        <p:spPr>
+          <a:xfrm>
+            <a:off x="2087773" y="5472103"/>
+            <a:ext cx="743187" cy="646331"/>
+          </a:xfrm>
+          <a:prstGeom prst="rect">
+            <a:avLst/>
+          </a:prstGeom>
+          <a:noFill/>
+        </p:spPr>
+        <p:txBody>
+          <a:bodyPr wrap="square" rtlCol="0">
+            <a:spAutoFit/>
+          </a:bodyPr>
+          <a:lstStyle/>
+          <a:p>
+            <a:r>
+              <a:rPr kumimoji="1" lang="ja-JP" altLang="en-US" sz="3600" dirty="0">
+                <a:solidFill>
+                  <a:schemeClr val="bg1"/>
+                </a:solidFill>
+                <a:effectLst>
+                  <a:glow rad="76200">
+                    <a:schemeClr val="accent5">
+                      <a:alpha val="90000"/>
+                    </a:schemeClr>
+                  </a:glow>
+                </a:effectLst>
+                <a:latin typeface="HG正楷書体-PRO" panose="03000600000000000000" pitchFamily="66" charset="-128"/>
+                <a:ea typeface="HG正楷書体-PRO" panose="03000600000000000000" pitchFamily="66" charset="-128"/>
+              </a:rPr>
+              <a:t>＆</a:t>
+            </a:r>
+          </a:p>
+        </p:txBody>
+      </p:sp>
+      <p:sp>
+        <p:nvSpPr>
+          <p:cNvPr id="91" name="テキスト ボックス 90">
+            <a:extLst>
+              <a:ext uri="{FF2B5EF4-FFF2-40B4-BE49-F238E27FC236}">
+                <a16:creationId xmlns:a16="http://schemas.microsoft.com/office/drawing/2014/main" id="{BAB463EF-A1DB-2EE3-3F7A-D56C8D8DC1AC}"/>
+              </a:ext>
+            </a:extLst>
+          </p:cNvPr>
+          <p:cNvSpPr txBox="1"/>
+          <p:nvPr/>
+        </p:nvSpPr>
+        <p:spPr>
+          <a:xfrm>
+            <a:off x="10313299" y="1405239"/>
+            <a:ext cx="2036335" cy="1754326"/>
+          </a:xfrm>
+          <a:prstGeom prst="rect">
+            <a:avLst/>
+          </a:prstGeom>
+          <a:noFill/>
+        </p:spPr>
+        <p:txBody>
+          <a:bodyPr wrap="square" rtlCol="0">
+            <a:spAutoFit/>
+          </a:bodyPr>
+          <a:lstStyle/>
+          <a:p>
+            <a:r>
+              <a:rPr kumimoji="1" lang="ja-JP" altLang="en-US" sz="3600" dirty="0">
+                <a:effectLst>
+                  <a:glow rad="76200">
+                    <a:schemeClr val="accent6">
+                      <a:alpha val="90000"/>
+                    </a:schemeClr>
+                  </a:glow>
+                </a:effectLst>
+                <a:latin typeface="HG正楷書体-PRO" panose="03000600000000000000" pitchFamily="66" charset="-128"/>
+                <a:ea typeface="HG正楷書体-PRO" panose="03000600000000000000" pitchFamily="66" charset="-128"/>
+              </a:rPr>
+              <a:t>複数の</a:t>
+            </a:r>
+            <a:endParaRPr kumimoji="1" lang="en-US" altLang="ja-JP" sz="3600" dirty="0">
+              <a:effectLst>
+                <a:glow rad="76200">
+                  <a:schemeClr val="accent6">
+                    <a:alpha val="90000"/>
+                  </a:schemeClr>
+                </a:glow>
+              </a:effectLst>
+              <a:latin typeface="HG正楷書体-PRO" panose="03000600000000000000" pitchFamily="66" charset="-128"/>
+              <a:ea typeface="HG正楷書体-PRO" panose="03000600000000000000" pitchFamily="66" charset="-128"/>
+            </a:endParaRPr>
+          </a:p>
+          <a:p>
+            <a:r>
+              <a:rPr kumimoji="1" lang="ja-JP" altLang="en-US" sz="3600" dirty="0">
+                <a:effectLst>
+                  <a:glow rad="76200">
+                    <a:schemeClr val="accent6">
+                      <a:alpha val="90000"/>
+                    </a:schemeClr>
+                  </a:glow>
+                </a:effectLst>
+                <a:latin typeface="HG正楷書体-PRO" panose="03000600000000000000" pitchFamily="66" charset="-128"/>
+                <a:ea typeface="HG正楷書体-PRO" panose="03000600000000000000" pitchFamily="66" charset="-128"/>
+              </a:rPr>
+              <a:t>ボタン</a:t>
+            </a:r>
+            <a:r>
+              <a:rPr kumimoji="1" lang="ja-JP" altLang="en-US" sz="3600" dirty="0">
+                <a:solidFill>
+                  <a:schemeClr val="bg1"/>
+                </a:solidFill>
+                <a:effectLst>
+                  <a:glow rad="76200">
+                    <a:schemeClr val="accent6">
+                      <a:alpha val="90000"/>
+                    </a:schemeClr>
+                  </a:glow>
+                </a:effectLst>
+                <a:latin typeface="HG正楷書体-PRO" panose="03000600000000000000" pitchFamily="66" charset="-128"/>
+                <a:ea typeface="HG正楷書体-PRO" panose="03000600000000000000" pitchFamily="66" charset="-128"/>
+              </a:rPr>
+              <a:t>を</a:t>
+            </a:r>
+            <a:endParaRPr kumimoji="1" lang="en-US" altLang="ja-JP" sz="3600" dirty="0">
+              <a:solidFill>
+                <a:schemeClr val="bg1"/>
+              </a:solidFill>
+              <a:effectLst>
+                <a:glow rad="76200">
+                  <a:schemeClr val="accent6">
+                    <a:alpha val="90000"/>
+                  </a:schemeClr>
+                </a:glow>
+              </a:effectLst>
+              <a:latin typeface="HG正楷書体-PRO" panose="03000600000000000000" pitchFamily="66" charset="-128"/>
+              <a:ea typeface="HG正楷書体-PRO" panose="03000600000000000000" pitchFamily="66" charset="-128"/>
+            </a:endParaRPr>
+          </a:p>
+          <a:p>
+            <a:r>
+              <a:rPr kumimoji="1" lang="ja-JP" altLang="en-US" sz="3600" dirty="0">
+                <a:solidFill>
+                  <a:schemeClr val="bg1"/>
+                </a:solidFill>
+                <a:effectLst>
+                  <a:glow rad="76200">
+                    <a:schemeClr val="accent6">
+                      <a:alpha val="90000"/>
+                    </a:schemeClr>
+                  </a:glow>
+                </a:effectLst>
+                <a:latin typeface="HG正楷書体-PRO" panose="03000600000000000000" pitchFamily="66" charset="-128"/>
+                <a:ea typeface="HG正楷書体-PRO" panose="03000600000000000000" pitchFamily="66" charset="-128"/>
+              </a:rPr>
+              <a:t>押したり</a:t>
+            </a:r>
           </a:p>
         </p:txBody>
       </p:sp>
@@ -7035,7 +8610,7 @@
         </p:nvSpPr>
         <p:spPr>
           <a:xfrm>
-            <a:off x="2421895" y="5869686"/>
+            <a:off x="853651" y="5682226"/>
             <a:ext cx="2182761" cy="369332"/>
           </a:xfrm>
           <a:prstGeom prst="rect">
@@ -7079,7 +8654,7 @@
         </p:nvSpPr>
         <p:spPr>
           <a:xfrm>
-            <a:off x="2183463" y="4144041"/>
+            <a:off x="853651" y="3244334"/>
             <a:ext cx="2659624" cy="369332"/>
           </a:xfrm>
           <a:prstGeom prst="rect">
@@ -7123,7 +8698,7 @@
         </p:nvSpPr>
         <p:spPr>
           <a:xfrm>
-            <a:off x="7860891" y="5685020"/>
+            <a:off x="7787827" y="6005613"/>
             <a:ext cx="2816941" cy="369332"/>
           </a:xfrm>
           <a:prstGeom prst="rect">
@@ -7375,8 +8950,181 @@
         </p:nvSpPr>
         <p:spPr>
           <a:xfrm>
-            <a:off x="4004538" y="3451543"/>
+            <a:off x="9196298" y="4414250"/>
             <a:ext cx="2807110" cy="369332"/>
+          </a:xfrm>
+          <a:prstGeom prst="rect">
+            <a:avLst/>
+          </a:prstGeom>
+          <a:noFill/>
+        </p:spPr>
+        <p:txBody>
+          <a:bodyPr wrap="square" rtlCol="0">
+            <a:spAutoFit/>
+          </a:bodyPr>
+          <a:lstStyle/>
+          <a:p>
+            <a:r>
+              <a:rPr lang="ja-JP" altLang="en-US" dirty="0">
+                <a:solidFill>
+                  <a:schemeClr val="bg1"/>
+                </a:solidFill>
+              </a:rPr>
+              <a:t>分身の有効活用</a:t>
+            </a:r>
+            <a:endParaRPr kumimoji="1" lang="ja-JP" altLang="en-US" dirty="0">
+              <a:solidFill>
+                <a:schemeClr val="bg1"/>
+              </a:solidFill>
+            </a:endParaRPr>
+          </a:p>
+        </p:txBody>
+      </p:sp>
+      <p:sp>
+        <p:nvSpPr>
+          <p:cNvPr id="13" name="テキスト ボックス 12">
+            <a:extLst>
+              <a:ext uri="{FF2B5EF4-FFF2-40B4-BE49-F238E27FC236}">
+                <a16:creationId xmlns:a16="http://schemas.microsoft.com/office/drawing/2014/main" id="{38275CDE-04A0-F45C-AEFD-7C068323A7D8}"/>
+              </a:ext>
+            </a:extLst>
+          </p:cNvPr>
+          <p:cNvSpPr txBox="1"/>
+          <p:nvPr/>
+        </p:nvSpPr>
+        <p:spPr>
+          <a:xfrm>
+            <a:off x="1182821" y="4345333"/>
+            <a:ext cx="2807110" cy="369332"/>
+          </a:xfrm>
+          <a:prstGeom prst="rect">
+            <a:avLst/>
+          </a:prstGeom>
+          <a:noFill/>
+        </p:spPr>
+        <p:txBody>
+          <a:bodyPr wrap="square" rtlCol="0">
+            <a:spAutoFit/>
+          </a:bodyPr>
+          <a:lstStyle/>
+          <a:p>
+            <a:r>
+              <a:rPr kumimoji="1" lang="ja-JP" altLang="en-US" dirty="0">
+                <a:solidFill>
+                  <a:schemeClr val="bg1"/>
+                </a:solidFill>
+              </a:rPr>
+              <a:t>士気と耐久力</a:t>
+            </a:r>
+          </a:p>
+        </p:txBody>
+      </p:sp>
+      <p:sp>
+        <p:nvSpPr>
+          <p:cNvPr id="14" name="テキスト ボックス 13">
+            <a:extLst>
+              <a:ext uri="{FF2B5EF4-FFF2-40B4-BE49-F238E27FC236}">
+                <a16:creationId xmlns:a16="http://schemas.microsoft.com/office/drawing/2014/main" id="{CCBC9F38-6524-C4FA-C6F0-D0C2618281BF}"/>
+              </a:ext>
+            </a:extLst>
+          </p:cNvPr>
+          <p:cNvSpPr txBox="1"/>
+          <p:nvPr/>
+        </p:nvSpPr>
+        <p:spPr>
+          <a:xfrm>
+            <a:off x="8596204" y="3497710"/>
+            <a:ext cx="2659624" cy="923330"/>
+          </a:xfrm>
+          <a:prstGeom prst="rect">
+            <a:avLst/>
+          </a:prstGeom>
+          <a:noFill/>
+        </p:spPr>
+        <p:txBody>
+          <a:bodyPr wrap="square" rtlCol="0">
+            <a:spAutoFit/>
+          </a:bodyPr>
+          <a:lstStyle/>
+          <a:p>
+            <a:r>
+              <a:rPr lang="ja-JP" altLang="en-US" dirty="0">
+                <a:solidFill>
+                  <a:schemeClr val="bg1"/>
+                </a:solidFill>
+              </a:rPr>
+              <a:t>ジャスト回避が士気</a:t>
+            </a:r>
+            <a:endParaRPr lang="en-US" altLang="ja-JP" dirty="0">
+              <a:solidFill>
+                <a:schemeClr val="bg1"/>
+              </a:solidFill>
+            </a:endParaRPr>
+          </a:p>
+          <a:p>
+            <a:r>
+              <a:rPr kumimoji="1" lang="ja-JP" altLang="en-US" dirty="0">
+                <a:solidFill>
+                  <a:schemeClr val="bg1"/>
+                </a:solidFill>
+              </a:rPr>
+              <a:t>隠密が耐久力</a:t>
+            </a:r>
+            <a:endParaRPr kumimoji="1" lang="en-US" altLang="ja-JP" dirty="0">
+              <a:solidFill>
+                <a:schemeClr val="bg1"/>
+              </a:solidFill>
+            </a:endParaRPr>
+          </a:p>
+          <a:p>
+            <a:r>
+              <a:rPr lang="en-US" altLang="ja-JP" dirty="0">
+                <a:solidFill>
+                  <a:schemeClr val="bg1"/>
+                </a:solidFill>
+              </a:rPr>
+              <a:t>(</a:t>
+            </a:r>
+            <a:r>
+              <a:rPr lang="ja-JP" altLang="en-US" dirty="0">
+                <a:solidFill>
+                  <a:schemeClr val="bg1"/>
+                </a:solidFill>
+              </a:rPr>
+              <a:t>静と動</a:t>
+            </a:r>
+            <a:r>
+              <a:rPr lang="en-US" altLang="ja-JP" dirty="0">
+                <a:solidFill>
+                  <a:schemeClr val="bg1"/>
+                </a:solidFill>
+              </a:rPr>
+              <a:t>)</a:t>
+            </a:r>
+            <a:endParaRPr kumimoji="1" lang="ja-JP" altLang="en-US" dirty="0">
+              <a:solidFill>
+                <a:schemeClr val="bg1"/>
+              </a:solidFill>
+            </a:endParaRPr>
+          </a:p>
+        </p:txBody>
+      </p:sp>
+      <p:sp>
+        <p:nvSpPr>
+          <p:cNvPr id="15" name="テキスト ボックス 14">
+            <a:extLst>
+              <a:ext uri="{FF2B5EF4-FFF2-40B4-BE49-F238E27FC236}">
+                <a16:creationId xmlns:a16="http://schemas.microsoft.com/office/drawing/2014/main" id="{09F7D4FD-A7C3-9FC9-4A24-046207A6F5E8}"/>
+              </a:ext>
+            </a:extLst>
+          </p:cNvPr>
+          <p:cNvSpPr txBox="1"/>
+          <p:nvPr/>
+        </p:nvSpPr>
+        <p:spPr>
+          <a:xfrm>
+            <a:off x="4590025" y="3828332"/>
+            <a:ext cx="2659624" cy="369332"/>
           </a:xfrm>
           <a:prstGeom prst="rect">
             <a:avLst/>
@@ -7398,7 +9146,7 @@
                   </a:schemeClr>
                 </a:solidFill>
               </a:rPr>
-              <a:t>分身の有効活用</a:t>
+              <a:t>分身でフックショット</a:t>
             </a:r>
             <a:endParaRPr kumimoji="1" lang="ja-JP" altLang="en-US" dirty="0">
               <a:solidFill>
@@ -7413,10 +9161,10 @@
       </p:sp>
       <p:sp>
         <p:nvSpPr>
-          <p:cNvPr id="13" name="テキスト ボックス 12">
-            <a:extLst>
-              <a:ext uri="{FF2B5EF4-FFF2-40B4-BE49-F238E27FC236}">
-                <a16:creationId xmlns:a16="http://schemas.microsoft.com/office/drawing/2014/main" id="{38275CDE-04A0-F45C-AEFD-7C068323A7D8}"/>
+          <p:cNvPr id="16" name="テキスト ボックス 15">
+            <a:extLst>
+              <a:ext uri="{FF2B5EF4-FFF2-40B4-BE49-F238E27FC236}">
+                <a16:creationId xmlns:a16="http://schemas.microsoft.com/office/drawing/2014/main" id="{577FD74B-2B6E-6298-4442-C787FF5E8AF0}"/>
               </a:ext>
             </a:extLst>
           </p:cNvPr>
@@ -7425,8 +9173,8 @@
         </p:nvSpPr>
         <p:spPr>
           <a:xfrm>
-            <a:off x="5053781" y="4770752"/>
-            <a:ext cx="2807110" cy="369332"/>
+            <a:off x="4590025" y="4714665"/>
+            <a:ext cx="2659624" cy="1477328"/>
           </a:xfrm>
           <a:prstGeom prst="rect">
             <a:avLst/>
@@ -7438,66 +9186,6 @@
             <a:spAutoFit/>
           </a:bodyPr>
           <a:lstStyle/>
-          <a:p>
-            <a:r>
-              <a:rPr kumimoji="1" lang="ja-JP" altLang="en-US" dirty="0">
-                <a:solidFill>
-                  <a:schemeClr val="bg1"/>
-                </a:solidFill>
-              </a:rPr>
-              <a:t>士気と耐久力</a:t>
-            </a:r>
-          </a:p>
-        </p:txBody>
-      </p:sp>
-      <p:sp>
-        <p:nvSpPr>
-          <p:cNvPr id="14" name="テキスト ボックス 13">
-            <a:extLst>
-              <a:ext uri="{FF2B5EF4-FFF2-40B4-BE49-F238E27FC236}">
-                <a16:creationId xmlns:a16="http://schemas.microsoft.com/office/drawing/2014/main" id="{CCBC9F38-6524-C4FA-C6F0-D0C2618281BF}"/>
-              </a:ext>
-            </a:extLst>
-          </p:cNvPr>
-          <p:cNvSpPr txBox="1"/>
-          <p:nvPr/>
-        </p:nvSpPr>
-        <p:spPr>
-          <a:xfrm>
-            <a:off x="8596204" y="3497710"/>
-            <a:ext cx="2659624" cy="646331"/>
-          </a:xfrm>
-          <a:prstGeom prst="rect">
-            <a:avLst/>
-          </a:prstGeom>
-          <a:noFill/>
-        </p:spPr>
-        <p:txBody>
-          <a:bodyPr wrap="square" rtlCol="0">
-            <a:spAutoFit/>
-          </a:bodyPr>
-          <a:lstStyle/>
-          <a:p>
-            <a:r>
-              <a:rPr lang="ja-JP" altLang="en-US" dirty="0">
-                <a:solidFill>
-                  <a:schemeClr val="accent4">
-                    <a:lumMod val="60000"/>
-                    <a:lumOff val="40000"/>
-                  </a:schemeClr>
-                </a:solidFill>
-              </a:rPr>
-              <a:t>ジャスト回避が士気</a:t>
-            </a:r>
-            <a:endParaRPr lang="en-US" altLang="ja-JP" dirty="0">
-              <a:solidFill>
-                <a:schemeClr val="accent4">
-                  <a:lumMod val="60000"/>
-                  <a:lumOff val="40000"/>
-                </a:schemeClr>
-              </a:solidFill>
-            </a:endParaRPr>
-          </a:p>
           <a:p>
             <a:r>
               <a:rPr kumimoji="1" lang="ja-JP" altLang="en-US" dirty="0">
@@ -7508,7 +9196,7 @@
                   </a:schemeClr>
                 </a:solidFill>
               </a:rPr>
-              <a:t>隠密が耐久力</a:t>
+              <a:t>炎が地面にあって分身が焼けちゃって使えないから本体は時間のかかる雲梯ぶら下がりで移動しないといけない</a:t>
             </a:r>
           </a:p>
         </p:txBody>
